--- a/clases/Cap04_Clasificacion/presentations/PAT04_dmin.pptx
+++ b/clases/Cap04_Clasificacion/presentations/PAT04_dmin.pptx
@@ -4219,28 +4219,6 @@
           </a:p>
           <a:p>
             <a:pPr algn="ctr"/>
-            <a:r>
-              <a:rPr lang="es-CL" sz="1200" smtClean="0">
-                <a:solidFill>
-                  <a:schemeClr val="bg1">
-                    <a:lumMod val="75000"/>
-                  </a:schemeClr>
-                </a:solidFill>
-                <a:latin typeface="Trebuchet MS" pitchFamily="34" charset="0"/>
-              </a:rPr>
-              <a:t>Semestre </a:t>
-            </a:r>
-            <a:r>
-              <a:rPr lang="es-CL" sz="1200" smtClean="0">
-                <a:solidFill>
-                  <a:schemeClr val="bg1">
-                    <a:lumMod val="75000"/>
-                  </a:schemeClr>
-                </a:solidFill>
-                <a:latin typeface="Trebuchet MS" pitchFamily="34" charset="0"/>
-              </a:rPr>
-              <a:t>2018-1</a:t>
-            </a:r>
             <a:endParaRPr lang="en-US" sz="1200" dirty="0">
               <a:solidFill>
                 <a:schemeClr val="bg1">

--- a/clases/Cap04_Clasificacion/presentations/PAT04_dmin.pptx
+++ b/clases/Cap04_Clasificacion/presentations/PAT04_dmin.pptx
@@ -5,7 +5,7 @@
     <p:sldMasterId id="2147483648" r:id="rId1"/>
   </p:sldMasterIdLst>
   <p:notesMasterIdLst>
-    <p:notesMasterId r:id="rId13"/>
+    <p:notesMasterId r:id="rId14"/>
   </p:notesMasterIdLst>
   <p:sldIdLst>
     <p:sldId id="301" r:id="rId2"/>
@@ -19,6 +19,7 @@
     <p:sldId id="298" r:id="rId10"/>
     <p:sldId id="299" r:id="rId11"/>
     <p:sldId id="300" r:id="rId12"/>
+    <p:sldId id="302" r:id="rId13"/>
   </p:sldIdLst>
   <p:sldSz cx="9144000" cy="6858000" type="screen4x3"/>
   <p:notesSz cx="6858000" cy="9144000"/>
@@ -678,7 +679,7 @@
           <a:lstStyle/>
           <a:p>
             <a:pPr eaLnBrk="1" hangingPunct="1"/>
-            <a:endParaRPr lang="es-ES" smtClean="0"/>
+            <a:endParaRPr lang="es-ES"/>
           </a:p>
         </p:txBody>
       </p:sp>
@@ -728,10 +729,9 @@
           <a:lstStyle/>
           <a:p>
             <a:r>
-              <a:rPr lang="es-ES_tradnl" smtClean="0"/>
+              <a:rPr lang="es-ES_tradnl"/>
               <a:t>Clic para editar título</a:t>
             </a:r>
-            <a:endParaRPr lang="es-ES_tradnl"/>
           </a:p>
         </p:txBody>
       </p:sp>
@@ -793,10 +793,9 @@
           </a:lstStyle>
           <a:p>
             <a:r>
-              <a:rPr lang="es-ES_tradnl" smtClean="0"/>
+              <a:rPr lang="es-ES_tradnl"/>
               <a:t>Haga clic para modificar el estilo de subtítulo del patrón</a:t>
             </a:r>
-            <a:endParaRPr lang="es-ES_tradnl"/>
           </a:p>
         </p:txBody>
       </p:sp>
@@ -842,7 +841,10 @@
             </a:lvl1pPr>
           </a:lstStyle>
           <a:p>
-            <a:endParaRPr lang="es-ES"/>
+            <a:r>
+              <a:rPr lang="es-ES"/>
+              <a:t>PAT04_dmin.pptx</a:t>
+            </a:r>
           </a:p>
         </p:txBody>
       </p:sp>
@@ -915,10 +917,9 @@
           <a:lstStyle/>
           <a:p>
             <a:r>
-              <a:rPr lang="es-ES_tradnl" smtClean="0"/>
+              <a:rPr lang="es-ES_tradnl"/>
               <a:t>Clic para editar título</a:t>
             </a:r>
-            <a:endParaRPr lang="es-ES_tradnl"/>
           </a:p>
         </p:txBody>
       </p:sp>
@@ -939,38 +940,37 @@
           <a:p>
             <a:pPr lvl="0"/>
             <a:r>
-              <a:rPr lang="es-ES_tradnl" smtClean="0"/>
+              <a:rPr lang="es-ES_tradnl"/>
               <a:t>Haga clic para modificar el estilo de texto del patrón</a:t>
             </a:r>
           </a:p>
           <a:p>
             <a:pPr lvl="1"/>
             <a:r>
-              <a:rPr lang="es-ES_tradnl" smtClean="0"/>
+              <a:rPr lang="es-ES_tradnl"/>
               <a:t>Segundo nivel</a:t>
             </a:r>
           </a:p>
           <a:p>
             <a:pPr lvl="2"/>
             <a:r>
-              <a:rPr lang="es-ES_tradnl" smtClean="0"/>
+              <a:rPr lang="es-ES_tradnl"/>
               <a:t>Tercer nivel</a:t>
             </a:r>
           </a:p>
           <a:p>
             <a:pPr lvl="3"/>
             <a:r>
-              <a:rPr lang="es-ES_tradnl" smtClean="0"/>
+              <a:rPr lang="es-ES_tradnl"/>
               <a:t>Cuarto nivel</a:t>
             </a:r>
           </a:p>
           <a:p>
             <a:pPr lvl="4"/>
             <a:r>
-              <a:rPr lang="es-ES_tradnl" smtClean="0"/>
+              <a:rPr lang="es-ES_tradnl"/>
               <a:t>Quinto nivel</a:t>
             </a:r>
-            <a:endParaRPr lang="es-ES_tradnl"/>
           </a:p>
         </p:txBody>
       </p:sp>
@@ -1016,7 +1016,10 @@
             </a:lvl1pPr>
           </a:lstStyle>
           <a:p>
-            <a:endParaRPr lang="es-ES"/>
+            <a:r>
+              <a:rPr lang="es-ES"/>
+              <a:t>PAT04_dmin.pptx</a:t>
+            </a:r>
           </a:p>
         </p:txBody>
       </p:sp>
@@ -1094,10 +1097,9 @@
           <a:lstStyle/>
           <a:p>
             <a:r>
-              <a:rPr lang="es-ES_tradnl" smtClean="0"/>
+              <a:rPr lang="es-ES_tradnl"/>
               <a:t>Clic para editar título</a:t>
             </a:r>
-            <a:endParaRPr lang="es-ES_tradnl"/>
           </a:p>
         </p:txBody>
       </p:sp>
@@ -1123,38 +1125,37 @@
           <a:p>
             <a:pPr lvl="0"/>
             <a:r>
-              <a:rPr lang="es-ES_tradnl" smtClean="0"/>
+              <a:rPr lang="es-ES_tradnl"/>
               <a:t>Haga clic para modificar el estilo de texto del patrón</a:t>
             </a:r>
           </a:p>
           <a:p>
             <a:pPr lvl="1"/>
             <a:r>
-              <a:rPr lang="es-ES_tradnl" smtClean="0"/>
+              <a:rPr lang="es-ES_tradnl"/>
               <a:t>Segundo nivel</a:t>
             </a:r>
           </a:p>
           <a:p>
             <a:pPr lvl="2"/>
             <a:r>
-              <a:rPr lang="es-ES_tradnl" smtClean="0"/>
+              <a:rPr lang="es-ES_tradnl"/>
               <a:t>Tercer nivel</a:t>
             </a:r>
           </a:p>
           <a:p>
             <a:pPr lvl="3"/>
             <a:r>
-              <a:rPr lang="es-ES_tradnl" smtClean="0"/>
+              <a:rPr lang="es-ES_tradnl"/>
               <a:t>Cuarto nivel</a:t>
             </a:r>
           </a:p>
           <a:p>
             <a:pPr lvl="4"/>
             <a:r>
-              <a:rPr lang="es-ES_tradnl" smtClean="0"/>
+              <a:rPr lang="es-ES_tradnl"/>
               <a:t>Quinto nivel</a:t>
             </a:r>
-            <a:endParaRPr lang="es-ES_tradnl"/>
           </a:p>
         </p:txBody>
       </p:sp>
@@ -1200,7 +1201,10 @@
             </a:lvl1pPr>
           </a:lstStyle>
           <a:p>
-            <a:endParaRPr lang="es-ES"/>
+            <a:r>
+              <a:rPr lang="es-ES"/>
+              <a:t>PAT04_dmin.pptx</a:t>
+            </a:r>
           </a:p>
         </p:txBody>
       </p:sp>
@@ -1273,10 +1277,9 @@
           <a:lstStyle/>
           <a:p>
             <a:r>
-              <a:rPr lang="es-ES_tradnl" smtClean="0"/>
+              <a:rPr lang="es-ES_tradnl"/>
               <a:t>Clic para editar título</a:t>
             </a:r>
-            <a:endParaRPr lang="es-ES_tradnl"/>
           </a:p>
         </p:txBody>
       </p:sp>
@@ -1297,38 +1300,37 @@
           <a:p>
             <a:pPr lvl="0"/>
             <a:r>
-              <a:rPr lang="es-ES_tradnl" smtClean="0"/>
+              <a:rPr lang="es-ES_tradnl"/>
               <a:t>Haga clic para modificar el estilo de texto del patrón</a:t>
             </a:r>
           </a:p>
           <a:p>
             <a:pPr lvl="1"/>
             <a:r>
-              <a:rPr lang="es-ES_tradnl" smtClean="0"/>
+              <a:rPr lang="es-ES_tradnl"/>
               <a:t>Segundo nivel</a:t>
             </a:r>
           </a:p>
           <a:p>
             <a:pPr lvl="2"/>
             <a:r>
-              <a:rPr lang="es-ES_tradnl" smtClean="0"/>
+              <a:rPr lang="es-ES_tradnl"/>
               <a:t>Tercer nivel</a:t>
             </a:r>
           </a:p>
           <a:p>
             <a:pPr lvl="3"/>
             <a:r>
-              <a:rPr lang="es-ES_tradnl" smtClean="0"/>
+              <a:rPr lang="es-ES_tradnl"/>
               <a:t>Cuarto nivel</a:t>
             </a:r>
           </a:p>
           <a:p>
             <a:pPr lvl="4"/>
             <a:r>
-              <a:rPr lang="es-ES_tradnl" smtClean="0"/>
+              <a:rPr lang="es-ES_tradnl"/>
               <a:t>Quinto nivel</a:t>
             </a:r>
-            <a:endParaRPr lang="es-ES_tradnl"/>
           </a:p>
         </p:txBody>
       </p:sp>
@@ -1374,7 +1376,10 @@
             </a:lvl1pPr>
           </a:lstStyle>
           <a:p>
-            <a:endParaRPr lang="es-ES"/>
+            <a:r>
+              <a:rPr lang="es-ES"/>
+              <a:t>PAT04_dmin.pptx</a:t>
+            </a:r>
           </a:p>
         </p:txBody>
       </p:sp>
@@ -1456,10 +1461,9 @@
           </a:lstStyle>
           <a:p>
             <a:r>
-              <a:rPr lang="es-ES_tradnl" smtClean="0"/>
+              <a:rPr lang="es-ES_tradnl"/>
               <a:t>Clic para editar título</a:t>
             </a:r>
-            <a:endParaRPr lang="es-ES_tradnl"/>
           </a:p>
         </p:txBody>
       </p:sp>
@@ -1522,7 +1526,7 @@
           <a:p>
             <a:pPr lvl="0"/>
             <a:r>
-              <a:rPr lang="es-ES_tradnl" smtClean="0"/>
+              <a:rPr lang="es-ES_tradnl"/>
               <a:t>Haga clic para modificar el estilo de texto del patrón</a:t>
             </a:r>
           </a:p>
@@ -1570,7 +1574,10 @@
             </a:lvl1pPr>
           </a:lstStyle>
           <a:p>
-            <a:endParaRPr lang="es-ES"/>
+            <a:r>
+              <a:rPr lang="es-ES"/>
+              <a:t>PAT04_dmin.pptx</a:t>
+            </a:r>
           </a:p>
         </p:txBody>
       </p:sp>
@@ -1643,10 +1650,9 @@
           <a:lstStyle/>
           <a:p>
             <a:r>
-              <a:rPr lang="es-ES_tradnl" smtClean="0"/>
+              <a:rPr lang="es-ES_tradnl"/>
               <a:t>Clic para editar título</a:t>
             </a:r>
-            <a:endParaRPr lang="es-ES_tradnl"/>
           </a:p>
         </p:txBody>
       </p:sp>
@@ -1700,38 +1706,37 @@
           <a:p>
             <a:pPr lvl="0"/>
             <a:r>
-              <a:rPr lang="es-ES_tradnl" smtClean="0"/>
+              <a:rPr lang="es-ES_tradnl"/>
               <a:t>Haga clic para modificar el estilo de texto del patrón</a:t>
             </a:r>
           </a:p>
           <a:p>
             <a:pPr lvl="1"/>
             <a:r>
-              <a:rPr lang="es-ES_tradnl" smtClean="0"/>
+              <a:rPr lang="es-ES_tradnl"/>
               <a:t>Segundo nivel</a:t>
             </a:r>
           </a:p>
           <a:p>
             <a:pPr lvl="2"/>
             <a:r>
-              <a:rPr lang="es-ES_tradnl" smtClean="0"/>
+              <a:rPr lang="es-ES_tradnl"/>
               <a:t>Tercer nivel</a:t>
             </a:r>
           </a:p>
           <a:p>
             <a:pPr lvl="3"/>
             <a:r>
-              <a:rPr lang="es-ES_tradnl" smtClean="0"/>
+              <a:rPr lang="es-ES_tradnl"/>
               <a:t>Cuarto nivel</a:t>
             </a:r>
           </a:p>
           <a:p>
             <a:pPr lvl="4"/>
             <a:r>
-              <a:rPr lang="es-ES_tradnl" smtClean="0"/>
+              <a:rPr lang="es-ES_tradnl"/>
               <a:t>Quinto nivel</a:t>
             </a:r>
-            <a:endParaRPr lang="es-ES_tradnl"/>
           </a:p>
         </p:txBody>
       </p:sp>
@@ -1785,38 +1790,37 @@
           <a:p>
             <a:pPr lvl="0"/>
             <a:r>
-              <a:rPr lang="es-ES_tradnl" smtClean="0"/>
+              <a:rPr lang="es-ES_tradnl"/>
               <a:t>Haga clic para modificar el estilo de texto del patrón</a:t>
             </a:r>
           </a:p>
           <a:p>
             <a:pPr lvl="1"/>
             <a:r>
-              <a:rPr lang="es-ES_tradnl" smtClean="0"/>
+              <a:rPr lang="es-ES_tradnl"/>
               <a:t>Segundo nivel</a:t>
             </a:r>
           </a:p>
           <a:p>
             <a:pPr lvl="2"/>
             <a:r>
-              <a:rPr lang="es-ES_tradnl" smtClean="0"/>
+              <a:rPr lang="es-ES_tradnl"/>
               <a:t>Tercer nivel</a:t>
             </a:r>
           </a:p>
           <a:p>
             <a:pPr lvl="3"/>
             <a:r>
-              <a:rPr lang="es-ES_tradnl" smtClean="0"/>
+              <a:rPr lang="es-ES_tradnl"/>
               <a:t>Cuarto nivel</a:t>
             </a:r>
           </a:p>
           <a:p>
             <a:pPr lvl="4"/>
             <a:r>
-              <a:rPr lang="es-ES_tradnl" smtClean="0"/>
+              <a:rPr lang="es-ES_tradnl"/>
               <a:t>Quinto nivel</a:t>
             </a:r>
-            <a:endParaRPr lang="es-ES_tradnl"/>
           </a:p>
         </p:txBody>
       </p:sp>
@@ -1862,7 +1866,10 @@
             </a:lvl1pPr>
           </a:lstStyle>
           <a:p>
-            <a:endParaRPr lang="es-ES"/>
+            <a:r>
+              <a:rPr lang="es-ES"/>
+              <a:t>PAT04_dmin.pptx</a:t>
+            </a:r>
           </a:p>
         </p:txBody>
       </p:sp>
@@ -1939,10 +1946,9 @@
           </a:lstStyle>
           <a:p>
             <a:r>
-              <a:rPr lang="es-ES_tradnl" smtClean="0"/>
+              <a:rPr lang="es-ES_tradnl"/>
               <a:t>Clic para editar título</a:t>
             </a:r>
-            <a:endParaRPr lang="es-ES_tradnl"/>
           </a:p>
         </p:txBody>
       </p:sp>
@@ -2005,7 +2011,7 @@
           <a:p>
             <a:pPr lvl="0"/>
             <a:r>
-              <a:rPr lang="es-ES_tradnl" smtClean="0"/>
+              <a:rPr lang="es-ES_tradnl"/>
               <a:t>Haga clic para modificar el estilo de texto del patrón</a:t>
             </a:r>
           </a:p>
@@ -2061,38 +2067,37 @@
           <a:p>
             <a:pPr lvl="0"/>
             <a:r>
-              <a:rPr lang="es-ES_tradnl" smtClean="0"/>
+              <a:rPr lang="es-ES_tradnl"/>
               <a:t>Haga clic para modificar el estilo de texto del patrón</a:t>
             </a:r>
           </a:p>
           <a:p>
             <a:pPr lvl="1"/>
             <a:r>
-              <a:rPr lang="es-ES_tradnl" smtClean="0"/>
+              <a:rPr lang="es-ES_tradnl"/>
               <a:t>Segundo nivel</a:t>
             </a:r>
           </a:p>
           <a:p>
             <a:pPr lvl="2"/>
             <a:r>
-              <a:rPr lang="es-ES_tradnl" smtClean="0"/>
+              <a:rPr lang="es-ES_tradnl"/>
               <a:t>Tercer nivel</a:t>
             </a:r>
           </a:p>
           <a:p>
             <a:pPr lvl="3"/>
             <a:r>
-              <a:rPr lang="es-ES_tradnl" smtClean="0"/>
+              <a:rPr lang="es-ES_tradnl"/>
               <a:t>Cuarto nivel</a:t>
             </a:r>
           </a:p>
           <a:p>
             <a:pPr lvl="4"/>
             <a:r>
-              <a:rPr lang="es-ES_tradnl" smtClean="0"/>
+              <a:rPr lang="es-ES_tradnl"/>
               <a:t>Quinto nivel</a:t>
             </a:r>
-            <a:endParaRPr lang="es-ES_tradnl"/>
           </a:p>
         </p:txBody>
       </p:sp>
@@ -2155,7 +2160,7 @@
           <a:p>
             <a:pPr lvl="0"/>
             <a:r>
-              <a:rPr lang="es-ES_tradnl" smtClean="0"/>
+              <a:rPr lang="es-ES_tradnl"/>
               <a:t>Haga clic para modificar el estilo de texto del patrón</a:t>
             </a:r>
           </a:p>
@@ -2211,38 +2216,37 @@
           <a:p>
             <a:pPr lvl="0"/>
             <a:r>
-              <a:rPr lang="es-ES_tradnl" smtClean="0"/>
+              <a:rPr lang="es-ES_tradnl"/>
               <a:t>Haga clic para modificar el estilo de texto del patrón</a:t>
             </a:r>
           </a:p>
           <a:p>
             <a:pPr lvl="1"/>
             <a:r>
-              <a:rPr lang="es-ES_tradnl" smtClean="0"/>
+              <a:rPr lang="es-ES_tradnl"/>
               <a:t>Segundo nivel</a:t>
             </a:r>
           </a:p>
           <a:p>
             <a:pPr lvl="2"/>
             <a:r>
-              <a:rPr lang="es-ES_tradnl" smtClean="0"/>
+              <a:rPr lang="es-ES_tradnl"/>
               <a:t>Tercer nivel</a:t>
             </a:r>
           </a:p>
           <a:p>
             <a:pPr lvl="3"/>
             <a:r>
-              <a:rPr lang="es-ES_tradnl" smtClean="0"/>
+              <a:rPr lang="es-ES_tradnl"/>
               <a:t>Cuarto nivel</a:t>
             </a:r>
           </a:p>
           <a:p>
             <a:pPr lvl="4"/>
             <a:r>
-              <a:rPr lang="es-ES_tradnl" smtClean="0"/>
+              <a:rPr lang="es-ES_tradnl"/>
               <a:t>Quinto nivel</a:t>
             </a:r>
-            <a:endParaRPr lang="es-ES_tradnl"/>
           </a:p>
         </p:txBody>
       </p:sp>
@@ -2288,7 +2292,10 @@
             </a:lvl1pPr>
           </a:lstStyle>
           <a:p>
-            <a:endParaRPr lang="es-ES"/>
+            <a:r>
+              <a:rPr lang="es-ES"/>
+              <a:t>PAT04_dmin.pptx</a:t>
+            </a:r>
           </a:p>
         </p:txBody>
       </p:sp>
@@ -2361,10 +2368,9 @@
           <a:lstStyle/>
           <a:p>
             <a:r>
-              <a:rPr lang="es-ES_tradnl" smtClean="0"/>
+              <a:rPr lang="es-ES_tradnl"/>
               <a:t>Clic para editar título</a:t>
             </a:r>
-            <a:endParaRPr lang="es-ES_tradnl"/>
           </a:p>
         </p:txBody>
       </p:sp>
@@ -2410,7 +2416,10 @@
             </a:lvl1pPr>
           </a:lstStyle>
           <a:p>
-            <a:endParaRPr lang="es-ES"/>
+            <a:r>
+              <a:rPr lang="es-ES"/>
+              <a:t>PAT04_dmin.pptx</a:t>
+            </a:r>
           </a:p>
         </p:txBody>
       </p:sp>
@@ -2509,7 +2518,10 @@
             </a:lvl1pPr>
           </a:lstStyle>
           <a:p>
-            <a:endParaRPr lang="es-ES"/>
+            <a:r>
+              <a:rPr lang="es-ES"/>
+              <a:t>PAT04_dmin.pptx</a:t>
+            </a:r>
           </a:p>
         </p:txBody>
       </p:sp>
@@ -2591,10 +2603,9 @@
           </a:lstStyle>
           <a:p>
             <a:r>
-              <a:rPr lang="es-ES_tradnl" smtClean="0"/>
+              <a:rPr lang="es-ES_tradnl"/>
               <a:t>Clic para editar título</a:t>
             </a:r>
-            <a:endParaRPr lang="es-ES_tradnl"/>
           </a:p>
         </p:txBody>
       </p:sp>
@@ -2648,38 +2659,37 @@
           <a:p>
             <a:pPr lvl="0"/>
             <a:r>
-              <a:rPr lang="es-ES_tradnl" smtClean="0"/>
+              <a:rPr lang="es-ES_tradnl"/>
               <a:t>Haga clic para modificar el estilo de texto del patrón</a:t>
             </a:r>
           </a:p>
           <a:p>
             <a:pPr lvl="1"/>
             <a:r>
-              <a:rPr lang="es-ES_tradnl" smtClean="0"/>
+              <a:rPr lang="es-ES_tradnl"/>
               <a:t>Segundo nivel</a:t>
             </a:r>
           </a:p>
           <a:p>
             <a:pPr lvl="2"/>
             <a:r>
-              <a:rPr lang="es-ES_tradnl" smtClean="0"/>
+              <a:rPr lang="es-ES_tradnl"/>
               <a:t>Tercer nivel</a:t>
             </a:r>
           </a:p>
           <a:p>
             <a:pPr lvl="3"/>
             <a:r>
-              <a:rPr lang="es-ES_tradnl" smtClean="0"/>
+              <a:rPr lang="es-ES_tradnl"/>
               <a:t>Cuarto nivel</a:t>
             </a:r>
           </a:p>
           <a:p>
             <a:pPr lvl="4"/>
             <a:r>
-              <a:rPr lang="es-ES_tradnl" smtClean="0"/>
+              <a:rPr lang="es-ES_tradnl"/>
               <a:t>Quinto nivel</a:t>
             </a:r>
-            <a:endParaRPr lang="es-ES_tradnl"/>
           </a:p>
         </p:txBody>
       </p:sp>
@@ -2742,7 +2752,7 @@
           <a:p>
             <a:pPr lvl="0"/>
             <a:r>
-              <a:rPr lang="es-ES_tradnl" smtClean="0"/>
+              <a:rPr lang="es-ES_tradnl"/>
               <a:t>Haga clic para modificar el estilo de texto del patrón</a:t>
             </a:r>
           </a:p>
@@ -2790,7 +2800,10 @@
             </a:lvl1pPr>
           </a:lstStyle>
           <a:p>
-            <a:endParaRPr lang="es-ES"/>
+            <a:r>
+              <a:rPr lang="es-ES"/>
+              <a:t>PAT04_dmin.pptx</a:t>
+            </a:r>
           </a:p>
         </p:txBody>
       </p:sp>
@@ -2872,10 +2885,9 @@
           </a:lstStyle>
           <a:p>
             <a:r>
-              <a:rPr lang="es-ES_tradnl" smtClean="0"/>
+              <a:rPr lang="es-ES_tradnl"/>
               <a:t>Clic para editar título</a:t>
             </a:r>
-            <a:endParaRPr lang="es-ES_tradnl"/>
           </a:p>
         </p:txBody>
       </p:sp>
@@ -2999,7 +3011,7 @@
           <a:p>
             <a:pPr lvl="0"/>
             <a:r>
-              <a:rPr lang="es-ES_tradnl" smtClean="0"/>
+              <a:rPr lang="es-ES_tradnl"/>
               <a:t>Haga clic para modificar el estilo de texto del patrón</a:t>
             </a:r>
           </a:p>
@@ -3047,7 +3059,10 @@
             </a:lvl1pPr>
           </a:lstStyle>
           <a:p>
-            <a:endParaRPr lang="es-ES"/>
+            <a:r>
+              <a:rPr lang="es-ES"/>
+              <a:t>PAT04_dmin.pptx</a:t>
+            </a:r>
           </a:p>
         </p:txBody>
       </p:sp>
@@ -3308,7 +3323,10 @@
             </a:lvl1pPr>
           </a:lstStyle>
           <a:p>
-            <a:endParaRPr lang="es-ES"/>
+            <a:r>
+              <a:rPr lang="es-ES"/>
+              <a:t>PAT04_dmin.pptx</a:t>
+            </a:r>
           </a:p>
         </p:txBody>
       </p:sp>
@@ -3376,6 +3394,7 @@
     <p:sldLayoutId id="2147483658" r:id="rId10"/>
     <p:sldLayoutId id="2147483659" r:id="rId11"/>
   </p:sldLayoutIdLst>
+  <p:hf hdr="0" dt="0"/>
   <p:txStyles>
     <p:titleStyle>
       <a:lvl1pPr algn="ctr" rtl="0" fontAlgn="base">
@@ -3834,7 +3853,7 @@
           <a:p>
             <a:pPr algn="ctr"/>
             <a:r>
-              <a:rPr lang="es-CL" sz="2400" dirty="0" smtClean="0">
+              <a:rPr lang="es-CL" sz="2400" dirty="0">
                 <a:solidFill>
                   <a:srgbClr val="FF0000"/>
                 </a:solidFill>
@@ -3843,7 +3862,7 @@
               <a:t>R</a:t>
             </a:r>
             <a:r>
-              <a:rPr lang="es-CL" sz="2400" dirty="0" smtClean="0">
+              <a:rPr lang="es-CL" sz="2400" dirty="0">
                 <a:solidFill>
                   <a:srgbClr val="3366FF"/>
                 </a:solidFill>
@@ -3852,7 +3871,7 @@
               <a:t>e</a:t>
             </a:r>
             <a:r>
-              <a:rPr lang="es-CL" sz="2400" dirty="0" smtClean="0">
+              <a:rPr lang="es-CL" sz="2400" dirty="0">
                 <a:solidFill>
                   <a:srgbClr val="FFFF00"/>
                 </a:solidFill>
@@ -3861,7 +3880,7 @@
               <a:t>c</a:t>
             </a:r>
             <a:r>
-              <a:rPr lang="es-CL" sz="2400" dirty="0" smtClean="0">
+              <a:rPr lang="es-CL" sz="2400" dirty="0">
                 <a:solidFill>
                   <a:srgbClr val="00FF00"/>
                 </a:solidFill>
@@ -3870,7 +3889,7 @@
               <a:t>o</a:t>
             </a:r>
             <a:r>
-              <a:rPr lang="es-CL" sz="2400" dirty="0" smtClean="0">
+              <a:rPr lang="es-CL" sz="2400" dirty="0">
                 <a:solidFill>
                   <a:schemeClr val="bg1"/>
                 </a:solidFill>
@@ -3879,7 +3898,7 @@
               <a:t>n</a:t>
             </a:r>
             <a:r>
-              <a:rPr lang="es-CL" sz="2400" dirty="0" smtClean="0">
+              <a:rPr lang="es-CL" sz="2400" dirty="0">
                 <a:solidFill>
                   <a:srgbClr val="FF6600"/>
                 </a:solidFill>
@@ -3888,7 +3907,7 @@
               <a:t>o</a:t>
             </a:r>
             <a:r>
-              <a:rPr lang="es-CL" sz="2400" dirty="0" smtClean="0">
+              <a:rPr lang="es-CL" sz="2400" dirty="0">
                 <a:solidFill>
                   <a:srgbClr val="FF0000"/>
                 </a:solidFill>
@@ -3897,7 +3916,7 @@
               <a:t>c</a:t>
             </a:r>
             <a:r>
-              <a:rPr lang="es-CL" sz="2400" dirty="0" smtClean="0">
+              <a:rPr lang="es-CL" sz="2400" dirty="0">
                 <a:solidFill>
                   <a:srgbClr val="3366FF"/>
                 </a:solidFill>
@@ -3906,7 +3925,7 @@
               <a:t>i</a:t>
             </a:r>
             <a:r>
-              <a:rPr lang="es-CL" sz="2400" dirty="0" smtClean="0">
+              <a:rPr lang="es-CL" sz="2400" dirty="0">
                 <a:solidFill>
                   <a:schemeClr val="bg1"/>
                 </a:solidFill>
@@ -3915,7 +3934,7 @@
               <a:t>m</a:t>
             </a:r>
             <a:r>
-              <a:rPr lang="es-CL" sz="2400" dirty="0" smtClean="0">
+              <a:rPr lang="es-CL" sz="2400" dirty="0">
                 <a:solidFill>
                   <a:srgbClr val="FFFF00"/>
                 </a:solidFill>
@@ -3924,7 +3943,7 @@
               <a:t>i</a:t>
             </a:r>
             <a:r>
-              <a:rPr lang="es-CL" sz="2400" dirty="0" smtClean="0">
+              <a:rPr lang="es-CL" sz="2400" dirty="0">
                 <a:solidFill>
                   <a:srgbClr val="00FF00"/>
                 </a:solidFill>
@@ -3933,7 +3952,7 @@
               <a:t>e</a:t>
             </a:r>
             <a:r>
-              <a:rPr lang="es-CL" sz="2400" dirty="0" smtClean="0">
+              <a:rPr lang="es-CL" sz="2400" dirty="0">
                 <a:solidFill>
                   <a:schemeClr val="bg1"/>
                 </a:solidFill>
@@ -3942,7 +3961,7 @@
               <a:t>n</a:t>
             </a:r>
             <a:r>
-              <a:rPr lang="es-CL" sz="2400" dirty="0" smtClean="0">
+              <a:rPr lang="es-CL" sz="2400" dirty="0">
                 <a:solidFill>
                   <a:srgbClr val="FF6600"/>
                 </a:solidFill>
@@ -3951,7 +3970,7 @@
               <a:t>t</a:t>
             </a:r>
             <a:r>
-              <a:rPr lang="es-CL" sz="2400" dirty="0" smtClean="0">
+              <a:rPr lang="es-CL" sz="2400" dirty="0">
                 <a:solidFill>
                   <a:srgbClr val="FF0000"/>
                 </a:solidFill>
@@ -3960,7 +3979,7 @@
               <a:t>o</a:t>
             </a:r>
             <a:r>
-              <a:rPr lang="es-CL" sz="2400" dirty="0" smtClean="0">
+              <a:rPr lang="es-CL" sz="2400" dirty="0">
                 <a:solidFill>
                   <a:srgbClr val="3333CC"/>
                 </a:solidFill>
@@ -3969,7 +3988,7 @@
               <a:t> </a:t>
             </a:r>
             <a:r>
-              <a:rPr lang="es-CL" sz="2400" dirty="0" smtClean="0">
+              <a:rPr lang="es-CL" sz="2400" dirty="0">
                 <a:solidFill>
                   <a:srgbClr val="3366FF"/>
                 </a:solidFill>
@@ -3978,7 +3997,7 @@
               <a:t>d</a:t>
             </a:r>
             <a:r>
-              <a:rPr lang="es-CL" sz="2400" dirty="0" smtClean="0">
+              <a:rPr lang="es-CL" sz="2400" dirty="0">
                 <a:solidFill>
                   <a:srgbClr val="FFFF00"/>
                 </a:solidFill>
@@ -3987,7 +4006,7 @@
               <a:t>e </a:t>
             </a:r>
             <a:r>
-              <a:rPr lang="es-CL" sz="2400" dirty="0" smtClean="0">
+              <a:rPr lang="es-CL" sz="2400" dirty="0">
                 <a:solidFill>
                   <a:srgbClr val="00FF00"/>
                 </a:solidFill>
@@ -3996,7 +4015,7 @@
               <a:t>P</a:t>
             </a:r>
             <a:r>
-              <a:rPr lang="es-CL" sz="2400" dirty="0" smtClean="0">
+              <a:rPr lang="es-CL" sz="2400" dirty="0">
                 <a:solidFill>
                   <a:schemeClr val="bg1"/>
                 </a:solidFill>
@@ -4005,7 +4024,7 @@
               <a:t>a</a:t>
             </a:r>
             <a:r>
-              <a:rPr lang="es-CL" sz="2400" dirty="0" smtClean="0">
+              <a:rPr lang="es-CL" sz="2400" dirty="0">
                 <a:solidFill>
                   <a:srgbClr val="FF6600"/>
                 </a:solidFill>
@@ -4014,7 +4033,7 @@
               <a:t>t</a:t>
             </a:r>
             <a:r>
-              <a:rPr lang="es-CL" sz="2400" dirty="0" smtClean="0">
+              <a:rPr lang="es-CL" sz="2400" dirty="0">
                 <a:solidFill>
                   <a:srgbClr val="FF0000"/>
                 </a:solidFill>
@@ -4023,7 +4042,7 @@
               <a:t>r</a:t>
             </a:r>
             <a:r>
-              <a:rPr lang="es-CL" sz="2400" dirty="0" smtClean="0">
+              <a:rPr lang="es-CL" sz="2400" dirty="0">
                 <a:solidFill>
                   <a:srgbClr val="3366FF"/>
                 </a:solidFill>
@@ -4032,7 +4051,7 @@
               <a:t>o</a:t>
             </a:r>
             <a:r>
-              <a:rPr lang="es-CL" sz="2400" dirty="0" smtClean="0">
+              <a:rPr lang="es-CL" sz="2400" dirty="0">
                 <a:solidFill>
                   <a:srgbClr val="FFFF00"/>
                 </a:solidFill>
@@ -4041,7 +4060,7 @@
               <a:t>n</a:t>
             </a:r>
             <a:r>
-              <a:rPr lang="es-CL" sz="2400" dirty="0" smtClean="0">
+              <a:rPr lang="es-CL" sz="2400" dirty="0">
                 <a:solidFill>
                   <a:srgbClr val="00FF00"/>
                 </a:solidFill>
@@ -4050,7 +4069,7 @@
               <a:t>e</a:t>
             </a:r>
             <a:r>
-              <a:rPr lang="es-CL" sz="2400" dirty="0" smtClean="0">
+              <a:rPr lang="es-CL" sz="2400" dirty="0">
                 <a:solidFill>
                   <a:schemeClr val="bg1"/>
                 </a:solidFill>
@@ -4058,7 +4077,7 @@
               </a:rPr>
               <a:t>s</a:t>
             </a:r>
-            <a:endParaRPr lang="es-CL" sz="2400" dirty="0" smtClean="0">
+            <a:endParaRPr lang="es-CL" sz="2400" dirty="0">
               <a:solidFill>
                 <a:srgbClr val="FF0000"/>
               </a:solidFill>
@@ -4068,7 +4087,7 @@
           <a:p>
             <a:pPr algn="ctr"/>
             <a:r>
-              <a:rPr lang="es-CL" sz="2400" dirty="0" smtClean="0">
+              <a:rPr lang="es-CL" sz="2400" dirty="0">
                 <a:solidFill>
                   <a:schemeClr val="bg2">
                     <a:lumMod val="60000"/>
@@ -4079,19 +4098,10 @@
               </a:rPr>
               <a:t> </a:t>
             </a:r>
+          </a:p>
+          <a:p>
+            <a:pPr algn="ctr"/>
             <a:endParaRPr lang="es-CL" sz="2400" dirty="0">
-              <a:solidFill>
-                <a:schemeClr val="bg2">
-                  <a:lumMod val="60000"/>
-                  <a:lumOff val="40000"/>
-                </a:schemeClr>
-              </a:solidFill>
-              <a:latin typeface="Trebuchet MS" pitchFamily="34" charset="0"/>
-            </a:endParaRPr>
-          </a:p>
-          <a:p>
-            <a:pPr algn="ctr"/>
-            <a:endParaRPr lang="es-CL" sz="2400" dirty="0" smtClean="0">
               <a:solidFill>
                 <a:srgbClr val="3333CC"/>
               </a:solidFill>
@@ -4162,7 +4172,7 @@
           <a:p>
             <a:pPr algn="ctr"/>
             <a:r>
-              <a:rPr lang="es-CL" sz="1200" dirty="0" smtClean="0">
+              <a:rPr lang="es-CL" sz="1200" dirty="0">
                 <a:solidFill>
                   <a:schemeClr val="bg1">
                     <a:lumMod val="75000"/>
@@ -4172,19 +4182,11 @@
               </a:rPr>
               <a:t>Departmento de Ciencia de la Computación</a:t>
             </a:r>
-            <a:endParaRPr lang="es-CL" sz="1200" dirty="0">
-              <a:solidFill>
-                <a:schemeClr val="bg1">
-                  <a:lumMod val="75000"/>
-                </a:schemeClr>
-              </a:solidFill>
-              <a:latin typeface="Trebuchet MS" pitchFamily="34" charset="0"/>
-            </a:endParaRPr>
           </a:p>
           <a:p>
             <a:pPr algn="ctr"/>
             <a:r>
-              <a:rPr lang="es-CL" sz="1200" dirty="0" smtClean="0">
+              <a:rPr lang="es-CL" sz="1200" dirty="0">
                 <a:solidFill>
                   <a:schemeClr val="bg1">
                     <a:lumMod val="75000"/>
@@ -4198,7 +4200,7 @@
           <a:p>
             <a:pPr algn="ctr"/>
             <a:r>
-              <a:rPr lang="es-CL" sz="1200" dirty="0" smtClean="0">
+              <a:rPr lang="es-CL" sz="1200" dirty="0">
                 <a:solidFill>
                   <a:schemeClr val="bg1">
                     <a:lumMod val="75000"/>
@@ -4208,14 +4210,6 @@
               </a:rPr>
               <a:t>Universidad Católica de Chile</a:t>
             </a:r>
-            <a:endParaRPr lang="es-CL" sz="1200" dirty="0">
-              <a:solidFill>
-                <a:schemeClr val="bg1">
-                  <a:lumMod val="75000"/>
-                </a:schemeClr>
-              </a:solidFill>
-              <a:latin typeface="Trebuchet MS" pitchFamily="34" charset="0"/>
-            </a:endParaRPr>
           </a:p>
           <a:p>
             <a:pPr algn="ctr"/>
@@ -4519,7 +4513,7 @@
           <a:p>
             <a:pPr algn="ctr"/>
             <a:r>
-              <a:rPr lang="en-US" sz="2400" b="1" dirty="0" err="1" smtClean="0">
+              <a:rPr lang="en-US" sz="2400" b="1" dirty="0" err="1">
                 <a:solidFill>
                   <a:srgbClr val="FFFFFF"/>
                 </a:solidFill>
@@ -4529,7 +4523,7 @@
               <a:t>Distancia</a:t>
             </a:r>
             <a:r>
-              <a:rPr lang="en-US" sz="2400" b="1" dirty="0" smtClean="0">
+              <a:rPr lang="en-US" sz="2400" b="1" dirty="0">
                 <a:solidFill>
                   <a:srgbClr val="FFFFFF"/>
                 </a:solidFill>
@@ -4539,7 +4533,7 @@
               <a:t> </a:t>
             </a:r>
             <a:r>
-              <a:rPr lang="en-US" sz="2400" b="1" dirty="0" err="1" smtClean="0">
+              <a:rPr lang="en-US" sz="2400" b="1" dirty="0" err="1">
                 <a:solidFill>
                   <a:srgbClr val="FFFFFF"/>
                 </a:solidFill>
@@ -4548,7 +4542,7 @@
               </a:rPr>
               <a:t>Mínima</a:t>
             </a:r>
-            <a:endParaRPr lang="en-US" sz="2400" b="1" dirty="0" smtClean="0">
+            <a:endParaRPr lang="en-US" sz="2400" b="1" dirty="0">
               <a:solidFill>
                 <a:srgbClr val="FFFFFF"/>
               </a:solidFill>
@@ -4558,7 +4552,7 @@
           </a:p>
           <a:p>
             <a:pPr algn="ctr"/>
-            <a:endParaRPr lang="es-CL" sz="1000" dirty="0" smtClean="0">
+            <a:endParaRPr lang="es-CL" sz="1000" dirty="0">
               <a:solidFill>
                 <a:srgbClr val="FFFFFF"/>
               </a:solidFill>
@@ -4569,7 +4563,7 @@
           <a:p>
             <a:pPr algn="ctr"/>
             <a:r>
-              <a:rPr lang="es-CL" sz="1000" dirty="0" smtClean="0">
+              <a:rPr lang="es-CL" sz="1000" dirty="0">
                 <a:solidFill>
                   <a:srgbClr val="FFFFFF"/>
                 </a:solidFill>
@@ -4578,6 +4572,64 @@
               </a:rPr>
               <a:t>[ Capítulo 4 ]</a:t>
             </a:r>
+          </a:p>
+        </p:txBody>
+      </p:sp>
+      <p:sp>
+        <p:nvSpPr>
+          <p:cNvPr id="2" name="Footer Placeholder 1">
+            <a:extLst>
+              <a:ext uri="{FF2B5EF4-FFF2-40B4-BE49-F238E27FC236}">
+                <a16:creationId xmlns:a16="http://schemas.microsoft.com/office/drawing/2014/main" id="{EE5FA8BE-3FC7-BE4D-AAA0-8E83C787DBD3}"/>
+              </a:ext>
+            </a:extLst>
+          </p:cNvPr>
+          <p:cNvSpPr>
+            <a:spLocks noGrp="1"/>
+          </p:cNvSpPr>
+          <p:nvPr>
+            <p:ph type="ftr" sz="quarter" idx="11"/>
+          </p:nvPr>
+        </p:nvSpPr>
+        <p:spPr/>
+        <p:txBody>
+          <a:bodyPr/>
+          <a:lstStyle/>
+          <a:p>
+            <a:r>
+              <a:rPr lang="es-ES"/>
+              <a:t>PAT04_dmin.pptx</a:t>
+            </a:r>
+          </a:p>
+        </p:txBody>
+      </p:sp>
+      <p:sp>
+        <p:nvSpPr>
+          <p:cNvPr id="5" name="Slide Number Placeholder 4">
+            <a:extLst>
+              <a:ext uri="{FF2B5EF4-FFF2-40B4-BE49-F238E27FC236}">
+                <a16:creationId xmlns:a16="http://schemas.microsoft.com/office/drawing/2014/main" id="{B2786773-14E6-FA4D-91EE-83FAF5857265}"/>
+              </a:ext>
+            </a:extLst>
+          </p:cNvPr>
+          <p:cNvSpPr>
+            <a:spLocks noGrp="1"/>
+          </p:cNvSpPr>
+          <p:nvPr>
+            <p:ph type="sldNum" sz="quarter" idx="12"/>
+          </p:nvPr>
+        </p:nvSpPr>
+        <p:spPr/>
+        <p:txBody>
+          <a:bodyPr/>
+          <a:lstStyle/>
+          <a:p>
+            <a:fld id="{0686F2E3-C5C3-A44F-A4BA-7E93651C247F}" type="slidenum">
+              <a:rPr lang="es-ES" smtClean="0"/>
+              <a:pPr/>
+              <a:t>1</a:t>
+            </a:fld>
+            <a:endParaRPr lang="es-ES"/>
           </a:p>
         </p:txBody>
       </p:sp>
@@ -5998,16 +6050,12 @@
           <a:lstStyle/>
           <a:p>
             <a:r>
-              <a:rPr lang="en-US" sz="2400" dirty="0" smtClean="0">
+              <a:rPr lang="en-US" sz="2400" dirty="0">
                 <a:latin typeface="Trebuchet MS"/>
                 <a:cs typeface="Trebuchet MS"/>
               </a:rPr>
               <a:t>Testing data</a:t>
             </a:r>
-            <a:endParaRPr lang="en-US" sz="2400" dirty="0">
-              <a:latin typeface="Trebuchet MS"/>
-              <a:cs typeface="Trebuchet MS"/>
-            </a:endParaRPr>
           </a:p>
         </p:txBody>
       </p:sp>
@@ -6069,16 +6117,12 @@
           <a:lstStyle/>
           <a:p>
             <a:r>
-              <a:rPr lang="en-US" sz="2400" dirty="0" smtClean="0">
+              <a:rPr lang="en-US" sz="2400" dirty="0">
                 <a:latin typeface="Trebuchet MS"/>
                 <a:cs typeface="Trebuchet MS"/>
               </a:rPr>
               <a:t>DMIN: Minimal Distance (two classes)</a:t>
             </a:r>
-            <a:endParaRPr lang="en-US" sz="2400" dirty="0">
-              <a:latin typeface="Trebuchet MS"/>
-              <a:cs typeface="Trebuchet MS"/>
-            </a:endParaRPr>
           </a:p>
         </p:txBody>
       </p:sp>
@@ -6194,7 +6238,7 @@
           <a:lstStyle/>
           <a:p>
             <a:r>
-              <a:rPr lang="en-US" b="1" dirty="0" smtClean="0">
+              <a:rPr lang="en-US" b="1" dirty="0">
                 <a:latin typeface="Trebuchet MS"/>
                 <a:cs typeface="Trebuchet MS"/>
               </a:rPr>
@@ -6202,7 +6246,7 @@
             </a:r>
           </a:p>
           <a:p>
-            <a:endParaRPr lang="en-US" dirty="0" smtClean="0">
+            <a:endParaRPr lang="en-US" dirty="0">
               <a:latin typeface="Trebuchet MS"/>
               <a:cs typeface="Trebuchet MS"/>
             </a:endParaRPr>
@@ -6213,23 +6257,12 @@
                 <a:latin typeface="Trebuchet MS"/>
                 <a:cs typeface="Trebuchet MS"/>
               </a:rPr>
-              <a:t>1. </a:t>
+              <a:t>1. Centers of mass of each class</a:t>
             </a:r>
+          </a:p>
+          <a:p>
             <a:r>
-              <a:rPr lang="en-US" dirty="0" smtClean="0">
-                <a:latin typeface="Trebuchet MS"/>
-                <a:cs typeface="Trebuchet MS"/>
-              </a:rPr>
-              <a:t>Centers of mass of each class</a:t>
-            </a:r>
-            <a:endParaRPr lang="en-US" dirty="0">
-              <a:latin typeface="Trebuchet MS"/>
-              <a:cs typeface="Trebuchet MS"/>
-            </a:endParaRPr>
-          </a:p>
-          <a:p>
-            <a:r>
-              <a:rPr lang="en-US" dirty="0" smtClean="0">
+              <a:rPr lang="en-US" dirty="0">
                 <a:latin typeface="Trebuchet MS"/>
                 <a:cs typeface="Trebuchet MS"/>
               </a:rPr>
@@ -6238,7 +6271,7 @@
           </a:p>
           <a:p>
             <a:r>
-              <a:rPr lang="en-US" dirty="0" smtClean="0">
+              <a:rPr lang="en-US" dirty="0">
                 <a:latin typeface="Trebuchet MS"/>
                 <a:cs typeface="Trebuchet MS"/>
               </a:rPr>
@@ -6248,36 +6281,83 @@
           <a:p>
             <a:r>
               <a:rPr lang="en-US" dirty="0">
+                <a:latin typeface="Trebuchet MS"/>
+                <a:cs typeface="Trebuchet MS"/>
+              </a:rPr>
+              <a:t>    </a:t>
+            </a:r>
+            <a:r>
+              <a:rPr lang="en-US" sz="800" dirty="0">
                 <a:latin typeface="Trebuchet MS"/>
                 <a:cs typeface="Trebuchet MS"/>
               </a:rPr>
               <a:t> </a:t>
             </a:r>
             <a:r>
-              <a:rPr lang="en-US" dirty="0" smtClean="0">
-                <a:latin typeface="Trebuchet MS"/>
-                <a:cs typeface="Trebuchet MS"/>
-              </a:rPr>
-              <a:t>   </a:t>
-            </a:r>
-            <a:r>
-              <a:rPr lang="en-US" sz="800" dirty="0" smtClean="0">
-                <a:latin typeface="Trebuchet MS"/>
-                <a:cs typeface="Trebuchet MS"/>
-              </a:rPr>
-              <a:t> </a:t>
-            </a:r>
-            <a:r>
-              <a:rPr lang="en-US" dirty="0" smtClean="0">
+              <a:rPr lang="en-US" dirty="0">
                 <a:latin typeface="Trebuchet MS"/>
                 <a:cs typeface="Trebuchet MS"/>
               </a:rPr>
               <a:t>distance</a:t>
             </a:r>
-            <a:endParaRPr lang="en-US" dirty="0">
-              <a:latin typeface="Trebuchet MS"/>
-              <a:cs typeface="Trebuchet MS"/>
-            </a:endParaRPr>
+          </a:p>
+        </p:txBody>
+      </p:sp>
+      <p:sp>
+        <p:nvSpPr>
+          <p:cNvPr id="2" name="Footer Placeholder 1">
+            <a:extLst>
+              <a:ext uri="{FF2B5EF4-FFF2-40B4-BE49-F238E27FC236}">
+                <a16:creationId xmlns:a16="http://schemas.microsoft.com/office/drawing/2014/main" id="{BE6BF7E9-31A2-7347-9C23-DC1A7057D003}"/>
+              </a:ext>
+            </a:extLst>
+          </p:cNvPr>
+          <p:cNvSpPr>
+            <a:spLocks noGrp="1"/>
+          </p:cNvSpPr>
+          <p:nvPr>
+            <p:ph type="ftr" sz="quarter" idx="11"/>
+          </p:nvPr>
+        </p:nvSpPr>
+        <p:spPr/>
+        <p:txBody>
+          <a:bodyPr/>
+          <a:lstStyle/>
+          <a:p>
+            <a:r>
+              <a:rPr lang="es-ES"/>
+              <a:t>PAT04_dmin.pptx</a:t>
+            </a:r>
+          </a:p>
+        </p:txBody>
+      </p:sp>
+      <p:sp>
+        <p:nvSpPr>
+          <p:cNvPr id="3" name="Slide Number Placeholder 2">
+            <a:extLst>
+              <a:ext uri="{FF2B5EF4-FFF2-40B4-BE49-F238E27FC236}">
+                <a16:creationId xmlns:a16="http://schemas.microsoft.com/office/drawing/2014/main" id="{36B4167D-87AB-9848-AC97-4913853F715F}"/>
+              </a:ext>
+            </a:extLst>
+          </p:cNvPr>
+          <p:cNvSpPr>
+            <a:spLocks noGrp="1"/>
+          </p:cNvSpPr>
+          <p:nvPr>
+            <p:ph type="sldNum" sz="quarter" idx="12"/>
+          </p:nvPr>
+        </p:nvSpPr>
+        <p:spPr/>
+        <p:txBody>
+          <a:bodyPr/>
+          <a:lstStyle/>
+          <a:p>
+            <a:fld id="{B2515E32-AEC1-A643-BA35-1EE2E73D4B01}" type="slidenum">
+              <a:rPr lang="es-ES" smtClean="0"/>
+              <a:pPr/>
+              <a:t>10</a:t>
+            </a:fld>
+            <a:endParaRPr lang="es-ES"/>
           </a:p>
         </p:txBody>
       </p:sp>
@@ -6291,13 +6371,6 @@
   <p:clrMapOvr>
     <a:masterClrMapping/>
   </p:clrMapOvr>
-  <p:timing>
-    <p:tnLst>
-      <p:par>
-        <p:cTn id="1" dur="indefinite" restart="never" nodeType="tmRoot"/>
-      </p:par>
-    </p:tnLst>
-  </p:timing>
 </p:sld>
 </file>
 
@@ -7115,7 +7188,7 @@
           <a:lstStyle/>
           <a:p>
             <a:r>
-              <a:rPr lang="en-US" b="1" dirty="0" smtClean="0">
+              <a:rPr lang="en-US" b="1" dirty="0">
                 <a:latin typeface="Trebuchet MS"/>
                 <a:cs typeface="Trebuchet MS"/>
               </a:rPr>
@@ -7123,7 +7196,7 @@
             </a:r>
           </a:p>
           <a:p>
-            <a:endParaRPr lang="en-US" dirty="0" smtClean="0">
+            <a:endParaRPr lang="en-US" dirty="0">
               <a:latin typeface="Trebuchet MS"/>
               <a:cs typeface="Trebuchet MS"/>
             </a:endParaRPr>
@@ -7134,23 +7207,12 @@
                 <a:latin typeface="Trebuchet MS"/>
                 <a:cs typeface="Trebuchet MS"/>
               </a:rPr>
-              <a:t>1. </a:t>
+              <a:t>1. Centers of mass of each class</a:t>
             </a:r>
+          </a:p>
+          <a:p>
             <a:r>
-              <a:rPr lang="en-US" dirty="0" smtClean="0">
-                <a:latin typeface="Trebuchet MS"/>
-                <a:cs typeface="Trebuchet MS"/>
-              </a:rPr>
-              <a:t>Centers of mass of each class</a:t>
-            </a:r>
-            <a:endParaRPr lang="en-US" dirty="0">
-              <a:latin typeface="Trebuchet MS"/>
-              <a:cs typeface="Trebuchet MS"/>
-            </a:endParaRPr>
-          </a:p>
-          <a:p>
-            <a:r>
-              <a:rPr lang="en-US" dirty="0" smtClean="0">
+              <a:rPr lang="en-US" dirty="0">
                 <a:latin typeface="Trebuchet MS"/>
                 <a:cs typeface="Trebuchet MS"/>
               </a:rPr>
@@ -7159,7 +7221,7 @@
           </a:p>
           <a:p>
             <a:r>
-              <a:rPr lang="en-US" dirty="0" smtClean="0">
+              <a:rPr lang="en-US" dirty="0">
                 <a:latin typeface="Trebuchet MS"/>
                 <a:cs typeface="Trebuchet MS"/>
               </a:rPr>
@@ -7169,36 +7231,25 @@
           <a:p>
             <a:r>
               <a:rPr lang="en-US" dirty="0">
+                <a:latin typeface="Trebuchet MS"/>
+                <a:cs typeface="Trebuchet MS"/>
+              </a:rPr>
+              <a:t>    </a:t>
+            </a:r>
+            <a:r>
+              <a:rPr lang="en-US" sz="800" dirty="0">
                 <a:latin typeface="Trebuchet MS"/>
                 <a:cs typeface="Trebuchet MS"/>
               </a:rPr>
               <a:t> </a:t>
             </a:r>
             <a:r>
-              <a:rPr lang="en-US" dirty="0" smtClean="0">
-                <a:latin typeface="Trebuchet MS"/>
-                <a:cs typeface="Trebuchet MS"/>
-              </a:rPr>
-              <a:t>   </a:t>
-            </a:r>
-            <a:r>
-              <a:rPr lang="en-US" sz="800" dirty="0" smtClean="0">
-                <a:latin typeface="Trebuchet MS"/>
-                <a:cs typeface="Trebuchet MS"/>
-              </a:rPr>
-              <a:t> </a:t>
-            </a:r>
-            <a:r>
-              <a:rPr lang="en-US" dirty="0" smtClean="0">
+              <a:rPr lang="en-US" dirty="0">
                 <a:latin typeface="Trebuchet MS"/>
                 <a:cs typeface="Trebuchet MS"/>
               </a:rPr>
               <a:t>distance</a:t>
             </a:r>
-            <a:endParaRPr lang="en-US" dirty="0">
-              <a:latin typeface="Trebuchet MS"/>
-              <a:cs typeface="Trebuchet MS"/>
-            </a:endParaRPr>
           </a:p>
         </p:txBody>
       </p:sp>
@@ -7269,16 +7320,12 @@
           <a:lstStyle/>
           <a:p>
             <a:r>
-              <a:rPr lang="en-US" sz="2400" dirty="0" smtClean="0">
+              <a:rPr lang="en-US" sz="2400" dirty="0">
                 <a:latin typeface="Trebuchet MS"/>
                 <a:cs typeface="Trebuchet MS"/>
               </a:rPr>
               <a:t>Testing data</a:t>
             </a:r>
-            <a:endParaRPr lang="en-US" sz="2400" dirty="0">
-              <a:latin typeface="Trebuchet MS"/>
-              <a:cs typeface="Trebuchet MS"/>
-            </a:endParaRPr>
           </a:p>
         </p:txBody>
       </p:sp>
@@ -7340,16 +7387,12 @@
           <a:lstStyle/>
           <a:p>
             <a:r>
-              <a:rPr lang="en-US" sz="2400" dirty="0" smtClean="0">
+              <a:rPr lang="en-US" sz="2400" dirty="0">
                 <a:latin typeface="Trebuchet MS"/>
                 <a:cs typeface="Trebuchet MS"/>
               </a:rPr>
               <a:t>DMIN: Minimal Distance (two classes)</a:t>
             </a:r>
-            <a:endParaRPr lang="en-US" sz="2400" dirty="0">
-              <a:latin typeface="Trebuchet MS"/>
-              <a:cs typeface="Trebuchet MS"/>
-            </a:endParaRPr>
           </a:p>
         </p:txBody>
       </p:sp>
@@ -8305,6 +8348,64 @@
           </a:p>
         </p:txBody>
       </p:sp>
+      <p:sp>
+        <p:nvSpPr>
+          <p:cNvPr id="2" name="Footer Placeholder 1">
+            <a:extLst>
+              <a:ext uri="{FF2B5EF4-FFF2-40B4-BE49-F238E27FC236}">
+                <a16:creationId xmlns:a16="http://schemas.microsoft.com/office/drawing/2014/main" id="{05C9A75A-FCAD-2342-9E4D-2DA4BEEAA8F1}"/>
+              </a:ext>
+            </a:extLst>
+          </p:cNvPr>
+          <p:cNvSpPr>
+            <a:spLocks noGrp="1"/>
+          </p:cNvSpPr>
+          <p:nvPr>
+            <p:ph type="ftr" sz="quarter" idx="11"/>
+          </p:nvPr>
+        </p:nvSpPr>
+        <p:spPr/>
+        <p:txBody>
+          <a:bodyPr/>
+          <a:lstStyle/>
+          <a:p>
+            <a:r>
+              <a:rPr lang="es-ES"/>
+              <a:t>PAT04_dmin.pptx</a:t>
+            </a:r>
+          </a:p>
+        </p:txBody>
+      </p:sp>
+      <p:sp>
+        <p:nvSpPr>
+          <p:cNvPr id="3" name="Slide Number Placeholder 2">
+            <a:extLst>
+              <a:ext uri="{FF2B5EF4-FFF2-40B4-BE49-F238E27FC236}">
+                <a16:creationId xmlns:a16="http://schemas.microsoft.com/office/drawing/2014/main" id="{CA303A49-D9DC-4C4A-B2E7-2B45377CA865}"/>
+              </a:ext>
+            </a:extLst>
+          </p:cNvPr>
+          <p:cNvSpPr>
+            <a:spLocks noGrp="1"/>
+          </p:cNvSpPr>
+          <p:nvPr>
+            <p:ph type="sldNum" sz="quarter" idx="12"/>
+          </p:nvPr>
+        </p:nvSpPr>
+        <p:spPr/>
+        <p:txBody>
+          <a:bodyPr/>
+          <a:lstStyle/>
+          <a:p>
+            <a:fld id="{B2515E32-AEC1-A643-BA35-1EE2E73D4B01}" type="slidenum">
+              <a:rPr lang="es-ES" smtClean="0"/>
+              <a:pPr/>
+              <a:t>11</a:t>
+            </a:fld>
+            <a:endParaRPr lang="es-ES"/>
+          </a:p>
+        </p:txBody>
+      </p:sp>
     </p:spTree>
     <p:extLst>
       <p:ext uri="{BB962C8B-B14F-4D97-AF65-F5344CB8AC3E}">
@@ -8315,13 +8416,2502 @@
   <p:clrMapOvr>
     <a:masterClrMapping/>
   </p:clrMapOvr>
-  <p:timing>
-    <p:tnLst>
-      <p:par>
-        <p:cTn id="1" dur="indefinite" restart="never" nodeType="tmRoot"/>
-      </p:par>
-    </p:tnLst>
-  </p:timing>
+</p:sld>
+</file>
+
+<file path=ppt/slides/slide12.xml><?xml version="1.0" encoding="utf-8"?>
+<p:sld xmlns:a="http://schemas.openxmlformats.org/drawingml/2006/main" xmlns:r="http://schemas.openxmlformats.org/officeDocument/2006/relationships" xmlns:p="http://schemas.openxmlformats.org/presentationml/2006/main">
+  <p:cSld>
+    <p:spTree>
+      <p:nvGrpSpPr>
+        <p:cNvPr id="1" name=""/>
+        <p:cNvGrpSpPr/>
+        <p:nvPr/>
+      </p:nvGrpSpPr>
+      <p:grpSpPr>
+        <a:xfrm>
+          <a:off x="0" y="0"/>
+          <a:ext cx="0" cy="0"/>
+          <a:chOff x="0" y="0"/>
+          <a:chExt cx="0" cy="0"/>
+        </a:xfrm>
+      </p:grpSpPr>
+      <p:grpSp>
+        <p:nvGrpSpPr>
+          <p:cNvPr id="12" name="Group 11"/>
+          <p:cNvGrpSpPr/>
+          <p:nvPr/>
+        </p:nvGrpSpPr>
+        <p:grpSpPr>
+          <a:xfrm>
+            <a:off x="2888654" y="3429000"/>
+            <a:ext cx="1512168" cy="1800200"/>
+            <a:chOff x="2888654" y="3429000"/>
+            <a:chExt cx="1512168" cy="1800200"/>
+          </a:xfrm>
+          <a:solidFill>
+            <a:srgbClr val="FFB4B7"/>
+          </a:solidFill>
+        </p:grpSpPr>
+        <p:sp>
+          <p:nvSpPr>
+            <p:cNvPr id="13" name="Oval 12"/>
+            <p:cNvSpPr/>
+            <p:nvPr/>
+          </p:nvSpPr>
+          <p:spPr>
+            <a:xfrm>
+              <a:off x="3032670" y="3429000"/>
+              <a:ext cx="216024" cy="216024"/>
+            </a:xfrm>
+            <a:prstGeom prst="ellipse">
+              <a:avLst/>
+            </a:prstGeom>
+            <a:grpFill/>
+            <a:ln>
+              <a:noFill/>
+            </a:ln>
+          </p:spPr>
+          <p:style>
+            <a:lnRef idx="1">
+              <a:schemeClr val="accent1"/>
+            </a:lnRef>
+            <a:fillRef idx="3">
+              <a:schemeClr val="accent1"/>
+            </a:fillRef>
+            <a:effectRef idx="2">
+              <a:schemeClr val="accent1"/>
+            </a:effectRef>
+            <a:fontRef idx="minor">
+              <a:schemeClr val="lt1"/>
+            </a:fontRef>
+          </p:style>
+          <p:txBody>
+            <a:bodyPr rtlCol="0" anchor="ctr"/>
+            <a:lstStyle/>
+            <a:p>
+              <a:pPr algn="ctr"/>
+              <a:endParaRPr lang="en-US"/>
+            </a:p>
+          </p:txBody>
+        </p:sp>
+        <p:sp>
+          <p:nvSpPr>
+            <p:cNvPr id="15" name="Oval 14"/>
+            <p:cNvSpPr/>
+            <p:nvPr/>
+          </p:nvSpPr>
+          <p:spPr>
+            <a:xfrm>
+              <a:off x="2960662" y="4005064"/>
+              <a:ext cx="216024" cy="216024"/>
+            </a:xfrm>
+            <a:prstGeom prst="ellipse">
+              <a:avLst/>
+            </a:prstGeom>
+            <a:grpFill/>
+            <a:ln>
+              <a:noFill/>
+            </a:ln>
+          </p:spPr>
+          <p:style>
+            <a:lnRef idx="1">
+              <a:schemeClr val="accent1"/>
+            </a:lnRef>
+            <a:fillRef idx="3">
+              <a:schemeClr val="accent1"/>
+            </a:fillRef>
+            <a:effectRef idx="2">
+              <a:schemeClr val="accent1"/>
+            </a:effectRef>
+            <a:fontRef idx="minor">
+              <a:schemeClr val="lt1"/>
+            </a:fontRef>
+          </p:style>
+          <p:txBody>
+            <a:bodyPr rtlCol="0" anchor="ctr"/>
+            <a:lstStyle/>
+            <a:p>
+              <a:pPr algn="ctr"/>
+              <a:endParaRPr lang="en-US"/>
+            </a:p>
+          </p:txBody>
+        </p:sp>
+        <p:sp>
+          <p:nvSpPr>
+            <p:cNvPr id="16" name="Oval 15"/>
+            <p:cNvSpPr/>
+            <p:nvPr/>
+          </p:nvSpPr>
+          <p:spPr>
+            <a:xfrm>
+              <a:off x="2888654" y="3717032"/>
+              <a:ext cx="216024" cy="216024"/>
+            </a:xfrm>
+            <a:prstGeom prst="ellipse">
+              <a:avLst/>
+            </a:prstGeom>
+            <a:grpFill/>
+            <a:ln>
+              <a:noFill/>
+            </a:ln>
+          </p:spPr>
+          <p:style>
+            <a:lnRef idx="1">
+              <a:schemeClr val="accent1"/>
+            </a:lnRef>
+            <a:fillRef idx="3">
+              <a:schemeClr val="accent1"/>
+            </a:fillRef>
+            <a:effectRef idx="2">
+              <a:schemeClr val="accent1"/>
+            </a:effectRef>
+            <a:fontRef idx="minor">
+              <a:schemeClr val="lt1"/>
+            </a:fontRef>
+          </p:style>
+          <p:txBody>
+            <a:bodyPr rtlCol="0" anchor="ctr"/>
+            <a:lstStyle/>
+            <a:p>
+              <a:pPr algn="ctr"/>
+              <a:endParaRPr lang="en-US"/>
+            </a:p>
+          </p:txBody>
+        </p:sp>
+        <p:sp>
+          <p:nvSpPr>
+            <p:cNvPr id="17" name="Oval 16"/>
+            <p:cNvSpPr/>
+            <p:nvPr/>
+          </p:nvSpPr>
+          <p:spPr>
+            <a:xfrm>
+              <a:off x="3464718" y="3501008"/>
+              <a:ext cx="216024" cy="216024"/>
+            </a:xfrm>
+            <a:prstGeom prst="ellipse">
+              <a:avLst/>
+            </a:prstGeom>
+            <a:grpFill/>
+            <a:ln>
+              <a:noFill/>
+            </a:ln>
+          </p:spPr>
+          <p:style>
+            <a:lnRef idx="1">
+              <a:schemeClr val="accent1"/>
+            </a:lnRef>
+            <a:fillRef idx="3">
+              <a:schemeClr val="accent1"/>
+            </a:fillRef>
+            <a:effectRef idx="2">
+              <a:schemeClr val="accent1"/>
+            </a:effectRef>
+            <a:fontRef idx="minor">
+              <a:schemeClr val="lt1"/>
+            </a:fontRef>
+          </p:style>
+          <p:txBody>
+            <a:bodyPr rtlCol="0" anchor="ctr"/>
+            <a:lstStyle/>
+            <a:p>
+              <a:pPr algn="ctr"/>
+              <a:endParaRPr lang="en-US"/>
+            </a:p>
+          </p:txBody>
+        </p:sp>
+        <p:sp>
+          <p:nvSpPr>
+            <p:cNvPr id="18" name="Oval 17"/>
+            <p:cNvSpPr/>
+            <p:nvPr/>
+          </p:nvSpPr>
+          <p:spPr>
+            <a:xfrm>
+              <a:off x="3248694" y="4365104"/>
+              <a:ext cx="216024" cy="216024"/>
+            </a:xfrm>
+            <a:prstGeom prst="ellipse">
+              <a:avLst/>
+            </a:prstGeom>
+            <a:grpFill/>
+            <a:ln>
+              <a:noFill/>
+            </a:ln>
+          </p:spPr>
+          <p:style>
+            <a:lnRef idx="1">
+              <a:schemeClr val="accent1"/>
+            </a:lnRef>
+            <a:fillRef idx="3">
+              <a:schemeClr val="accent1"/>
+            </a:fillRef>
+            <a:effectRef idx="2">
+              <a:schemeClr val="accent1"/>
+            </a:effectRef>
+            <a:fontRef idx="minor">
+              <a:schemeClr val="lt1"/>
+            </a:fontRef>
+          </p:style>
+          <p:txBody>
+            <a:bodyPr rtlCol="0" anchor="ctr"/>
+            <a:lstStyle/>
+            <a:p>
+              <a:pPr algn="ctr"/>
+              <a:endParaRPr lang="en-US"/>
+            </a:p>
+          </p:txBody>
+        </p:sp>
+        <p:sp>
+          <p:nvSpPr>
+            <p:cNvPr id="21" name="Oval 20"/>
+            <p:cNvSpPr/>
+            <p:nvPr/>
+          </p:nvSpPr>
+          <p:spPr>
+            <a:xfrm>
+              <a:off x="3392710" y="3861048"/>
+              <a:ext cx="216024" cy="216024"/>
+            </a:xfrm>
+            <a:prstGeom prst="ellipse">
+              <a:avLst/>
+            </a:prstGeom>
+            <a:grpFill/>
+            <a:ln>
+              <a:noFill/>
+            </a:ln>
+          </p:spPr>
+          <p:style>
+            <a:lnRef idx="1">
+              <a:schemeClr val="accent1"/>
+            </a:lnRef>
+            <a:fillRef idx="3">
+              <a:schemeClr val="accent1"/>
+            </a:fillRef>
+            <a:effectRef idx="2">
+              <a:schemeClr val="accent1"/>
+            </a:effectRef>
+            <a:fontRef idx="minor">
+              <a:schemeClr val="lt1"/>
+            </a:fontRef>
+          </p:style>
+          <p:txBody>
+            <a:bodyPr rtlCol="0" anchor="ctr"/>
+            <a:lstStyle/>
+            <a:p>
+              <a:pPr algn="ctr"/>
+              <a:endParaRPr lang="en-US"/>
+            </a:p>
+          </p:txBody>
+        </p:sp>
+        <p:sp>
+          <p:nvSpPr>
+            <p:cNvPr id="22" name="Oval 21"/>
+            <p:cNvSpPr/>
+            <p:nvPr/>
+          </p:nvSpPr>
+          <p:spPr>
+            <a:xfrm>
+              <a:off x="3752750" y="4077072"/>
+              <a:ext cx="216024" cy="216024"/>
+            </a:xfrm>
+            <a:prstGeom prst="ellipse">
+              <a:avLst/>
+            </a:prstGeom>
+            <a:grpFill/>
+            <a:ln>
+              <a:noFill/>
+            </a:ln>
+          </p:spPr>
+          <p:style>
+            <a:lnRef idx="1">
+              <a:schemeClr val="accent1"/>
+            </a:lnRef>
+            <a:fillRef idx="3">
+              <a:schemeClr val="accent1"/>
+            </a:fillRef>
+            <a:effectRef idx="2">
+              <a:schemeClr val="accent1"/>
+            </a:effectRef>
+            <a:fontRef idx="minor">
+              <a:schemeClr val="lt1"/>
+            </a:fontRef>
+          </p:style>
+          <p:txBody>
+            <a:bodyPr rtlCol="0" anchor="ctr"/>
+            <a:lstStyle/>
+            <a:p>
+              <a:pPr algn="ctr"/>
+              <a:endParaRPr lang="en-US"/>
+            </a:p>
+          </p:txBody>
+        </p:sp>
+        <p:sp>
+          <p:nvSpPr>
+            <p:cNvPr id="23" name="Oval 22"/>
+            <p:cNvSpPr/>
+            <p:nvPr/>
+          </p:nvSpPr>
+          <p:spPr>
+            <a:xfrm>
+              <a:off x="3680742" y="4653136"/>
+              <a:ext cx="216024" cy="216024"/>
+            </a:xfrm>
+            <a:prstGeom prst="ellipse">
+              <a:avLst/>
+            </a:prstGeom>
+            <a:grpFill/>
+            <a:ln>
+              <a:noFill/>
+            </a:ln>
+          </p:spPr>
+          <p:style>
+            <a:lnRef idx="1">
+              <a:schemeClr val="accent1"/>
+            </a:lnRef>
+            <a:fillRef idx="3">
+              <a:schemeClr val="accent1"/>
+            </a:fillRef>
+            <a:effectRef idx="2">
+              <a:schemeClr val="accent1"/>
+            </a:effectRef>
+            <a:fontRef idx="minor">
+              <a:schemeClr val="lt1"/>
+            </a:fontRef>
+          </p:style>
+          <p:txBody>
+            <a:bodyPr rtlCol="0" anchor="ctr"/>
+            <a:lstStyle/>
+            <a:p>
+              <a:pPr algn="ctr"/>
+              <a:endParaRPr lang="en-US"/>
+            </a:p>
+          </p:txBody>
+        </p:sp>
+        <p:sp>
+          <p:nvSpPr>
+            <p:cNvPr id="24" name="Oval 23"/>
+            <p:cNvSpPr/>
+            <p:nvPr/>
+          </p:nvSpPr>
+          <p:spPr>
+            <a:xfrm>
+              <a:off x="3608734" y="4365104"/>
+              <a:ext cx="216024" cy="216024"/>
+            </a:xfrm>
+            <a:prstGeom prst="ellipse">
+              <a:avLst/>
+            </a:prstGeom>
+            <a:grpFill/>
+            <a:ln>
+              <a:noFill/>
+            </a:ln>
+          </p:spPr>
+          <p:style>
+            <a:lnRef idx="1">
+              <a:schemeClr val="accent1"/>
+            </a:lnRef>
+            <a:fillRef idx="3">
+              <a:schemeClr val="accent1"/>
+            </a:fillRef>
+            <a:effectRef idx="2">
+              <a:schemeClr val="accent1"/>
+            </a:effectRef>
+            <a:fontRef idx="minor">
+              <a:schemeClr val="lt1"/>
+            </a:fontRef>
+          </p:style>
+          <p:txBody>
+            <a:bodyPr rtlCol="0" anchor="ctr"/>
+            <a:lstStyle/>
+            <a:p>
+              <a:pPr algn="ctr"/>
+              <a:endParaRPr lang="en-US"/>
+            </a:p>
+          </p:txBody>
+        </p:sp>
+        <p:sp>
+          <p:nvSpPr>
+            <p:cNvPr id="25" name="Oval 24"/>
+            <p:cNvSpPr/>
+            <p:nvPr/>
+          </p:nvSpPr>
+          <p:spPr>
+            <a:xfrm>
+              <a:off x="4184798" y="4149080"/>
+              <a:ext cx="216024" cy="216024"/>
+            </a:xfrm>
+            <a:prstGeom prst="ellipse">
+              <a:avLst/>
+            </a:prstGeom>
+            <a:grpFill/>
+            <a:ln>
+              <a:noFill/>
+            </a:ln>
+          </p:spPr>
+          <p:style>
+            <a:lnRef idx="1">
+              <a:schemeClr val="accent1"/>
+            </a:lnRef>
+            <a:fillRef idx="3">
+              <a:schemeClr val="accent1"/>
+            </a:fillRef>
+            <a:effectRef idx="2">
+              <a:schemeClr val="accent1"/>
+            </a:effectRef>
+            <a:fontRef idx="minor">
+              <a:schemeClr val="lt1"/>
+            </a:fontRef>
+          </p:style>
+          <p:txBody>
+            <a:bodyPr rtlCol="0" anchor="ctr"/>
+            <a:lstStyle/>
+            <a:p>
+              <a:pPr algn="ctr"/>
+              <a:endParaRPr lang="en-US"/>
+            </a:p>
+          </p:txBody>
+        </p:sp>
+        <p:sp>
+          <p:nvSpPr>
+            <p:cNvPr id="26" name="Oval 25"/>
+            <p:cNvSpPr/>
+            <p:nvPr/>
+          </p:nvSpPr>
+          <p:spPr>
+            <a:xfrm>
+              <a:off x="3968774" y="5013176"/>
+              <a:ext cx="216024" cy="216024"/>
+            </a:xfrm>
+            <a:prstGeom prst="ellipse">
+              <a:avLst/>
+            </a:prstGeom>
+            <a:grpFill/>
+            <a:ln>
+              <a:noFill/>
+            </a:ln>
+          </p:spPr>
+          <p:style>
+            <a:lnRef idx="1">
+              <a:schemeClr val="accent1"/>
+            </a:lnRef>
+            <a:fillRef idx="3">
+              <a:schemeClr val="accent1"/>
+            </a:fillRef>
+            <a:effectRef idx="2">
+              <a:schemeClr val="accent1"/>
+            </a:effectRef>
+            <a:fontRef idx="minor">
+              <a:schemeClr val="lt1"/>
+            </a:fontRef>
+          </p:style>
+          <p:txBody>
+            <a:bodyPr rtlCol="0" anchor="ctr"/>
+            <a:lstStyle/>
+            <a:p>
+              <a:pPr algn="ctr"/>
+              <a:endParaRPr lang="en-US"/>
+            </a:p>
+          </p:txBody>
+        </p:sp>
+        <p:sp>
+          <p:nvSpPr>
+            <p:cNvPr id="27" name="Oval 26"/>
+            <p:cNvSpPr/>
+            <p:nvPr/>
+          </p:nvSpPr>
+          <p:spPr>
+            <a:xfrm>
+              <a:off x="4112790" y="4509120"/>
+              <a:ext cx="216024" cy="216024"/>
+            </a:xfrm>
+            <a:prstGeom prst="ellipse">
+              <a:avLst/>
+            </a:prstGeom>
+            <a:grpFill/>
+            <a:ln>
+              <a:noFill/>
+            </a:ln>
+          </p:spPr>
+          <p:style>
+            <a:lnRef idx="1">
+              <a:schemeClr val="accent1"/>
+            </a:lnRef>
+            <a:fillRef idx="3">
+              <a:schemeClr val="accent1"/>
+            </a:fillRef>
+            <a:effectRef idx="2">
+              <a:schemeClr val="accent1"/>
+            </a:effectRef>
+            <a:fontRef idx="minor">
+              <a:schemeClr val="lt1"/>
+            </a:fontRef>
+          </p:style>
+          <p:txBody>
+            <a:bodyPr rtlCol="0" anchor="ctr"/>
+            <a:lstStyle/>
+            <a:p>
+              <a:pPr algn="ctr"/>
+              <a:endParaRPr lang="en-US"/>
+            </a:p>
+          </p:txBody>
+        </p:sp>
+        <p:sp>
+          <p:nvSpPr>
+            <p:cNvPr id="28" name="Oval 27"/>
+            <p:cNvSpPr/>
+            <p:nvPr/>
+          </p:nvSpPr>
+          <p:spPr>
+            <a:xfrm>
+              <a:off x="3176686" y="3717032"/>
+              <a:ext cx="216024" cy="216024"/>
+            </a:xfrm>
+            <a:prstGeom prst="ellipse">
+              <a:avLst/>
+            </a:prstGeom>
+            <a:grpFill/>
+            <a:ln>
+              <a:noFill/>
+            </a:ln>
+          </p:spPr>
+          <p:style>
+            <a:lnRef idx="1">
+              <a:schemeClr val="accent1"/>
+            </a:lnRef>
+            <a:fillRef idx="3">
+              <a:schemeClr val="accent1"/>
+            </a:fillRef>
+            <a:effectRef idx="2">
+              <a:schemeClr val="accent1"/>
+            </a:effectRef>
+            <a:fontRef idx="minor">
+              <a:schemeClr val="lt1"/>
+            </a:fontRef>
+          </p:style>
+          <p:txBody>
+            <a:bodyPr rtlCol="0" anchor="ctr"/>
+            <a:lstStyle/>
+            <a:p>
+              <a:pPr algn="ctr"/>
+              <a:endParaRPr lang="en-US"/>
+            </a:p>
+          </p:txBody>
+        </p:sp>
+        <p:sp>
+          <p:nvSpPr>
+            <p:cNvPr id="29" name="Oval 28"/>
+            <p:cNvSpPr/>
+            <p:nvPr/>
+          </p:nvSpPr>
+          <p:spPr>
+            <a:xfrm>
+              <a:off x="2960662" y="4653136"/>
+              <a:ext cx="216024" cy="216024"/>
+            </a:xfrm>
+            <a:prstGeom prst="ellipse">
+              <a:avLst/>
+            </a:prstGeom>
+            <a:grpFill/>
+            <a:ln>
+              <a:noFill/>
+            </a:ln>
+          </p:spPr>
+          <p:style>
+            <a:lnRef idx="1">
+              <a:schemeClr val="accent1"/>
+            </a:lnRef>
+            <a:fillRef idx="3">
+              <a:schemeClr val="accent1"/>
+            </a:fillRef>
+            <a:effectRef idx="2">
+              <a:schemeClr val="accent1"/>
+            </a:effectRef>
+            <a:fontRef idx="minor">
+              <a:schemeClr val="lt1"/>
+            </a:fontRef>
+          </p:style>
+          <p:txBody>
+            <a:bodyPr rtlCol="0" anchor="ctr"/>
+            <a:lstStyle/>
+            <a:p>
+              <a:pPr algn="ctr"/>
+              <a:endParaRPr lang="en-US"/>
+            </a:p>
+          </p:txBody>
+        </p:sp>
+        <p:sp>
+          <p:nvSpPr>
+            <p:cNvPr id="30" name="Oval 29"/>
+            <p:cNvSpPr/>
+            <p:nvPr/>
+          </p:nvSpPr>
+          <p:spPr>
+            <a:xfrm>
+              <a:off x="2888654" y="4365104"/>
+              <a:ext cx="216024" cy="216024"/>
+            </a:xfrm>
+            <a:prstGeom prst="ellipse">
+              <a:avLst/>
+            </a:prstGeom>
+            <a:grpFill/>
+            <a:ln>
+              <a:noFill/>
+            </a:ln>
+          </p:spPr>
+          <p:style>
+            <a:lnRef idx="1">
+              <a:schemeClr val="accent1"/>
+            </a:lnRef>
+            <a:fillRef idx="3">
+              <a:schemeClr val="accent1"/>
+            </a:fillRef>
+            <a:effectRef idx="2">
+              <a:schemeClr val="accent1"/>
+            </a:effectRef>
+            <a:fontRef idx="minor">
+              <a:schemeClr val="lt1"/>
+            </a:fontRef>
+          </p:style>
+          <p:txBody>
+            <a:bodyPr rtlCol="0" anchor="ctr"/>
+            <a:lstStyle/>
+            <a:p>
+              <a:pPr algn="ctr"/>
+              <a:endParaRPr lang="en-US"/>
+            </a:p>
+          </p:txBody>
+        </p:sp>
+        <p:sp>
+          <p:nvSpPr>
+            <p:cNvPr id="31" name="Oval 30"/>
+            <p:cNvSpPr/>
+            <p:nvPr/>
+          </p:nvSpPr>
+          <p:spPr>
+            <a:xfrm>
+              <a:off x="3464718" y="4149080"/>
+              <a:ext cx="216024" cy="216024"/>
+            </a:xfrm>
+            <a:prstGeom prst="ellipse">
+              <a:avLst/>
+            </a:prstGeom>
+            <a:grpFill/>
+            <a:ln>
+              <a:noFill/>
+            </a:ln>
+          </p:spPr>
+          <p:style>
+            <a:lnRef idx="1">
+              <a:schemeClr val="accent1"/>
+            </a:lnRef>
+            <a:fillRef idx="3">
+              <a:schemeClr val="accent1"/>
+            </a:fillRef>
+            <a:effectRef idx="2">
+              <a:schemeClr val="accent1"/>
+            </a:effectRef>
+            <a:fontRef idx="minor">
+              <a:schemeClr val="lt1"/>
+            </a:fontRef>
+          </p:style>
+          <p:txBody>
+            <a:bodyPr rtlCol="0" anchor="ctr"/>
+            <a:lstStyle/>
+            <a:p>
+              <a:pPr algn="ctr"/>
+              <a:endParaRPr lang="en-US"/>
+            </a:p>
+          </p:txBody>
+        </p:sp>
+        <p:sp>
+          <p:nvSpPr>
+            <p:cNvPr id="32" name="Oval 31"/>
+            <p:cNvSpPr/>
+            <p:nvPr/>
+          </p:nvSpPr>
+          <p:spPr>
+            <a:xfrm>
+              <a:off x="3248694" y="5013176"/>
+              <a:ext cx="216024" cy="216024"/>
+            </a:xfrm>
+            <a:prstGeom prst="ellipse">
+              <a:avLst/>
+            </a:prstGeom>
+            <a:grpFill/>
+            <a:ln>
+              <a:noFill/>
+            </a:ln>
+          </p:spPr>
+          <p:style>
+            <a:lnRef idx="1">
+              <a:schemeClr val="accent1"/>
+            </a:lnRef>
+            <a:fillRef idx="3">
+              <a:schemeClr val="accent1"/>
+            </a:fillRef>
+            <a:effectRef idx="2">
+              <a:schemeClr val="accent1"/>
+            </a:effectRef>
+            <a:fontRef idx="minor">
+              <a:schemeClr val="lt1"/>
+            </a:fontRef>
+          </p:style>
+          <p:txBody>
+            <a:bodyPr rtlCol="0" anchor="ctr"/>
+            <a:lstStyle/>
+            <a:p>
+              <a:pPr algn="ctr"/>
+              <a:endParaRPr lang="en-US"/>
+            </a:p>
+          </p:txBody>
+        </p:sp>
+        <p:sp>
+          <p:nvSpPr>
+            <p:cNvPr id="33" name="Oval 32"/>
+            <p:cNvSpPr/>
+            <p:nvPr/>
+          </p:nvSpPr>
+          <p:spPr>
+            <a:xfrm>
+              <a:off x="3392710" y="4725144"/>
+              <a:ext cx="216024" cy="216024"/>
+            </a:xfrm>
+            <a:prstGeom prst="ellipse">
+              <a:avLst/>
+            </a:prstGeom>
+            <a:grpFill/>
+            <a:ln>
+              <a:noFill/>
+            </a:ln>
+          </p:spPr>
+          <p:style>
+            <a:lnRef idx="1">
+              <a:schemeClr val="accent1"/>
+            </a:lnRef>
+            <a:fillRef idx="3">
+              <a:schemeClr val="accent1"/>
+            </a:fillRef>
+            <a:effectRef idx="2">
+              <a:schemeClr val="accent1"/>
+            </a:effectRef>
+            <a:fontRef idx="minor">
+              <a:schemeClr val="lt1"/>
+            </a:fontRef>
+          </p:style>
+          <p:txBody>
+            <a:bodyPr rtlCol="0" anchor="ctr"/>
+            <a:lstStyle/>
+            <a:p>
+              <a:pPr algn="ctr"/>
+              <a:endParaRPr lang="en-US"/>
+            </a:p>
+          </p:txBody>
+        </p:sp>
+      </p:grpSp>
+      <p:sp>
+        <p:nvSpPr>
+          <p:cNvPr id="43" name="TextBox 42"/>
+          <p:cNvSpPr txBox="1"/>
+          <p:nvPr/>
+        </p:nvSpPr>
+        <p:spPr>
+          <a:xfrm>
+            <a:off x="5706802" y="1580600"/>
+            <a:ext cx="3494654" cy="1754327"/>
+          </a:xfrm>
+          <a:prstGeom prst="rect">
+            <a:avLst/>
+          </a:prstGeom>
+          <a:noFill/>
+        </p:spPr>
+        <p:txBody>
+          <a:bodyPr wrap="none" rtlCol="0">
+            <a:spAutoFit/>
+          </a:bodyPr>
+          <a:lstStyle/>
+          <a:p>
+            <a:r>
+              <a:rPr lang="en-US" b="1" dirty="0">
+                <a:latin typeface="Trebuchet MS"/>
+                <a:cs typeface="Trebuchet MS"/>
+              </a:rPr>
+              <a:t>DMIN Algorithm</a:t>
+            </a:r>
+          </a:p>
+          <a:p>
+            <a:endParaRPr lang="en-US" dirty="0">
+              <a:latin typeface="Trebuchet MS"/>
+              <a:cs typeface="Trebuchet MS"/>
+            </a:endParaRPr>
+          </a:p>
+          <a:p>
+            <a:r>
+              <a:rPr lang="en-US" dirty="0">
+                <a:latin typeface="Trebuchet MS"/>
+                <a:cs typeface="Trebuchet MS"/>
+              </a:rPr>
+              <a:t>1. Centers of mass of each class</a:t>
+            </a:r>
+          </a:p>
+          <a:p>
+            <a:r>
+              <a:rPr lang="en-US" dirty="0">
+                <a:latin typeface="Trebuchet MS"/>
+                <a:cs typeface="Trebuchet MS"/>
+              </a:rPr>
+              <a:t>2. Distances</a:t>
+            </a:r>
+          </a:p>
+          <a:p>
+            <a:r>
+              <a:rPr lang="en-US" dirty="0">
+                <a:latin typeface="Trebuchet MS"/>
+                <a:cs typeface="Trebuchet MS"/>
+              </a:rPr>
+              <a:t>3. Take the class of the minimal</a:t>
+            </a:r>
+          </a:p>
+          <a:p>
+            <a:r>
+              <a:rPr lang="en-US" dirty="0">
+                <a:latin typeface="Trebuchet MS"/>
+                <a:cs typeface="Trebuchet MS"/>
+              </a:rPr>
+              <a:t>    </a:t>
+            </a:r>
+            <a:r>
+              <a:rPr lang="en-US" sz="800" dirty="0">
+                <a:latin typeface="Trebuchet MS"/>
+                <a:cs typeface="Trebuchet MS"/>
+              </a:rPr>
+              <a:t> </a:t>
+            </a:r>
+            <a:r>
+              <a:rPr lang="en-US" dirty="0">
+                <a:latin typeface="Trebuchet MS"/>
+                <a:cs typeface="Trebuchet MS"/>
+              </a:rPr>
+              <a:t>distance</a:t>
+            </a:r>
+          </a:p>
+        </p:txBody>
+      </p:sp>
+      <p:sp>
+        <p:nvSpPr>
+          <p:cNvPr id="44" name="Oval 43"/>
+          <p:cNvSpPr/>
+          <p:nvPr/>
+        </p:nvSpPr>
+        <p:spPr>
+          <a:xfrm>
+            <a:off x="3275856" y="3068960"/>
+            <a:ext cx="216024" cy="216024"/>
+          </a:xfrm>
+          <a:prstGeom prst="ellipse">
+            <a:avLst/>
+          </a:prstGeom>
+          <a:solidFill>
+            <a:srgbClr val="FF0000"/>
+          </a:solidFill>
+          <a:ln>
+            <a:noFill/>
+          </a:ln>
+        </p:spPr>
+        <p:style>
+          <a:lnRef idx="1">
+            <a:schemeClr val="accent1"/>
+          </a:lnRef>
+          <a:fillRef idx="3">
+            <a:schemeClr val="accent1"/>
+          </a:fillRef>
+          <a:effectRef idx="2">
+            <a:schemeClr val="accent1"/>
+          </a:effectRef>
+          <a:fontRef idx="minor">
+            <a:schemeClr val="lt1"/>
+          </a:fontRef>
+        </p:style>
+        <p:txBody>
+          <a:bodyPr rtlCol="0" anchor="ctr"/>
+          <a:lstStyle/>
+          <a:p>
+            <a:pPr algn="ctr"/>
+            <a:endParaRPr lang="en-US"/>
+          </a:p>
+        </p:txBody>
+      </p:sp>
+      <p:sp>
+        <p:nvSpPr>
+          <p:cNvPr id="49" name="TextBox 48"/>
+          <p:cNvSpPr txBox="1"/>
+          <p:nvPr/>
+        </p:nvSpPr>
+        <p:spPr>
+          <a:xfrm>
+            <a:off x="611560" y="764704"/>
+            <a:ext cx="5289729" cy="461665"/>
+          </a:xfrm>
+          <a:prstGeom prst="rect">
+            <a:avLst/>
+          </a:prstGeom>
+          <a:noFill/>
+        </p:spPr>
+        <p:txBody>
+          <a:bodyPr wrap="none" rtlCol="0">
+            <a:spAutoFit/>
+          </a:bodyPr>
+          <a:lstStyle/>
+          <a:p>
+            <a:r>
+              <a:rPr lang="en-US" sz="2400" dirty="0">
+                <a:latin typeface="Trebuchet MS"/>
+                <a:cs typeface="Trebuchet MS"/>
+              </a:rPr>
+              <a:t>DMIN: Minimal Distance (two classes)</a:t>
+            </a:r>
+          </a:p>
+        </p:txBody>
+      </p:sp>
+      <p:cxnSp>
+        <p:nvCxnSpPr>
+          <p:cNvPr id="14" name="Straight Connector 13"/>
+          <p:cNvCxnSpPr/>
+          <p:nvPr/>
+        </p:nvCxnSpPr>
+        <p:spPr>
+          <a:xfrm>
+            <a:off x="3387043" y="3186559"/>
+            <a:ext cx="216822" cy="1042304"/>
+          </a:xfrm>
+          <a:prstGeom prst="line">
+            <a:avLst/>
+          </a:prstGeom>
+          <a:ln w="6350" cmpd="sng">
+            <a:solidFill>
+              <a:schemeClr val="tx1">
+                <a:lumMod val="50000"/>
+                <a:lumOff val="50000"/>
+              </a:schemeClr>
+            </a:solidFill>
+            <a:prstDash val="sysDash"/>
+            <a:headEnd type="oval" w="sm" len="sm"/>
+            <a:tailEnd type="oval" w="sm" len="sm"/>
+          </a:ln>
+        </p:spPr>
+        <p:style>
+          <a:lnRef idx="2">
+            <a:schemeClr val="accent1"/>
+          </a:lnRef>
+          <a:fillRef idx="0">
+            <a:schemeClr val="accent1"/>
+          </a:fillRef>
+          <a:effectRef idx="1">
+            <a:schemeClr val="accent1"/>
+          </a:effectRef>
+          <a:fontRef idx="minor">
+            <a:schemeClr val="tx1"/>
+          </a:fontRef>
+        </p:style>
+      </p:cxnSp>
+      <p:sp>
+        <p:nvSpPr>
+          <p:cNvPr id="19" name="Cross 18"/>
+          <p:cNvSpPr/>
+          <p:nvPr/>
+        </p:nvSpPr>
+        <p:spPr>
+          <a:xfrm>
+            <a:off x="3509174" y="4151013"/>
+            <a:ext cx="183032" cy="176275"/>
+          </a:xfrm>
+          <a:prstGeom prst="plus">
+            <a:avLst>
+              <a:gd name="adj" fmla="val 46493"/>
+            </a:avLst>
+          </a:prstGeom>
+          <a:solidFill>
+            <a:srgbClr val="FF0000"/>
+          </a:solidFill>
+          <a:ln>
+            <a:solidFill>
+              <a:srgbClr val="008000"/>
+            </a:solidFill>
+          </a:ln>
+        </p:spPr>
+        <p:style>
+          <a:lnRef idx="1">
+            <a:schemeClr val="accent1"/>
+          </a:lnRef>
+          <a:fillRef idx="3">
+            <a:schemeClr val="accent1"/>
+          </a:fillRef>
+          <a:effectRef idx="2">
+            <a:schemeClr val="accent1"/>
+          </a:effectRef>
+          <a:fontRef idx="minor">
+            <a:schemeClr val="lt1"/>
+          </a:fontRef>
+        </p:style>
+        <p:txBody>
+          <a:bodyPr rtlCol="0" anchor="ctr"/>
+          <a:lstStyle/>
+          <a:p>
+            <a:pPr algn="ctr"/>
+            <a:endParaRPr lang="en-US"/>
+          </a:p>
+        </p:txBody>
+      </p:sp>
+      <p:grpSp>
+        <p:nvGrpSpPr>
+          <p:cNvPr id="34" name="Group 33"/>
+          <p:cNvGrpSpPr/>
+          <p:nvPr/>
+        </p:nvGrpSpPr>
+        <p:grpSpPr>
+          <a:xfrm rot="2553764">
+            <a:off x="4024224" y="2629015"/>
+            <a:ext cx="1512168" cy="1800200"/>
+            <a:chOff x="4572000" y="3005336"/>
+            <a:chExt cx="1512168" cy="1800200"/>
+          </a:xfrm>
+          <a:solidFill>
+            <a:schemeClr val="accent6">
+              <a:lumMod val="60000"/>
+              <a:lumOff val="40000"/>
+            </a:schemeClr>
+          </a:solidFill>
+        </p:grpSpPr>
+        <p:sp>
+          <p:nvSpPr>
+            <p:cNvPr id="35" name="Oval 34"/>
+            <p:cNvSpPr/>
+            <p:nvPr/>
+          </p:nvSpPr>
+          <p:spPr>
+            <a:xfrm>
+              <a:off x="4716016" y="3005336"/>
+              <a:ext cx="216024" cy="216024"/>
+            </a:xfrm>
+            <a:prstGeom prst="ellipse">
+              <a:avLst/>
+            </a:prstGeom>
+            <a:grpFill/>
+            <a:ln>
+              <a:noFill/>
+            </a:ln>
+          </p:spPr>
+          <p:style>
+            <a:lnRef idx="1">
+              <a:schemeClr val="accent1"/>
+            </a:lnRef>
+            <a:fillRef idx="3">
+              <a:schemeClr val="accent1"/>
+            </a:fillRef>
+            <a:effectRef idx="2">
+              <a:schemeClr val="accent1"/>
+            </a:effectRef>
+            <a:fontRef idx="minor">
+              <a:schemeClr val="lt1"/>
+            </a:fontRef>
+          </p:style>
+          <p:txBody>
+            <a:bodyPr rtlCol="0" anchor="ctr"/>
+            <a:lstStyle/>
+            <a:p>
+              <a:pPr algn="ctr"/>
+              <a:endParaRPr lang="en-US"/>
+            </a:p>
+          </p:txBody>
+        </p:sp>
+        <p:sp>
+          <p:nvSpPr>
+            <p:cNvPr id="36" name="Oval 35"/>
+            <p:cNvSpPr/>
+            <p:nvPr/>
+          </p:nvSpPr>
+          <p:spPr>
+            <a:xfrm>
+              <a:off x="4644008" y="3581400"/>
+              <a:ext cx="216024" cy="216024"/>
+            </a:xfrm>
+            <a:prstGeom prst="ellipse">
+              <a:avLst/>
+            </a:prstGeom>
+            <a:grpFill/>
+            <a:ln>
+              <a:noFill/>
+            </a:ln>
+          </p:spPr>
+          <p:style>
+            <a:lnRef idx="1">
+              <a:schemeClr val="accent1"/>
+            </a:lnRef>
+            <a:fillRef idx="3">
+              <a:schemeClr val="accent1"/>
+            </a:fillRef>
+            <a:effectRef idx="2">
+              <a:schemeClr val="accent1"/>
+            </a:effectRef>
+            <a:fontRef idx="minor">
+              <a:schemeClr val="lt1"/>
+            </a:fontRef>
+          </p:style>
+          <p:txBody>
+            <a:bodyPr rtlCol="0" anchor="ctr"/>
+            <a:lstStyle/>
+            <a:p>
+              <a:pPr algn="ctr"/>
+              <a:endParaRPr lang="en-US"/>
+            </a:p>
+          </p:txBody>
+        </p:sp>
+        <p:sp>
+          <p:nvSpPr>
+            <p:cNvPr id="37" name="Oval 36"/>
+            <p:cNvSpPr/>
+            <p:nvPr/>
+          </p:nvSpPr>
+          <p:spPr>
+            <a:xfrm>
+              <a:off x="4572000" y="3293368"/>
+              <a:ext cx="216024" cy="216024"/>
+            </a:xfrm>
+            <a:prstGeom prst="ellipse">
+              <a:avLst/>
+            </a:prstGeom>
+            <a:grpFill/>
+            <a:ln>
+              <a:noFill/>
+            </a:ln>
+          </p:spPr>
+          <p:style>
+            <a:lnRef idx="1">
+              <a:schemeClr val="accent1"/>
+            </a:lnRef>
+            <a:fillRef idx="3">
+              <a:schemeClr val="accent1"/>
+            </a:fillRef>
+            <a:effectRef idx="2">
+              <a:schemeClr val="accent1"/>
+            </a:effectRef>
+            <a:fontRef idx="minor">
+              <a:schemeClr val="lt1"/>
+            </a:fontRef>
+          </p:style>
+          <p:txBody>
+            <a:bodyPr rtlCol="0" anchor="ctr"/>
+            <a:lstStyle/>
+            <a:p>
+              <a:pPr algn="ctr"/>
+              <a:endParaRPr lang="en-US"/>
+            </a:p>
+          </p:txBody>
+        </p:sp>
+        <p:sp>
+          <p:nvSpPr>
+            <p:cNvPr id="38" name="Oval 37"/>
+            <p:cNvSpPr/>
+            <p:nvPr/>
+          </p:nvSpPr>
+          <p:spPr>
+            <a:xfrm>
+              <a:off x="5148064" y="3077344"/>
+              <a:ext cx="216024" cy="216024"/>
+            </a:xfrm>
+            <a:prstGeom prst="ellipse">
+              <a:avLst/>
+            </a:prstGeom>
+            <a:grpFill/>
+            <a:ln>
+              <a:noFill/>
+            </a:ln>
+          </p:spPr>
+          <p:style>
+            <a:lnRef idx="1">
+              <a:schemeClr val="accent1"/>
+            </a:lnRef>
+            <a:fillRef idx="3">
+              <a:schemeClr val="accent1"/>
+            </a:fillRef>
+            <a:effectRef idx="2">
+              <a:schemeClr val="accent1"/>
+            </a:effectRef>
+            <a:fontRef idx="minor">
+              <a:schemeClr val="lt1"/>
+            </a:fontRef>
+          </p:style>
+          <p:txBody>
+            <a:bodyPr rtlCol="0" anchor="ctr"/>
+            <a:lstStyle/>
+            <a:p>
+              <a:pPr algn="ctr"/>
+              <a:endParaRPr lang="en-US"/>
+            </a:p>
+          </p:txBody>
+        </p:sp>
+        <p:sp>
+          <p:nvSpPr>
+            <p:cNvPr id="39" name="Oval 38"/>
+            <p:cNvSpPr/>
+            <p:nvPr/>
+          </p:nvSpPr>
+          <p:spPr>
+            <a:xfrm>
+              <a:off x="4932040" y="3941440"/>
+              <a:ext cx="216024" cy="216024"/>
+            </a:xfrm>
+            <a:prstGeom prst="ellipse">
+              <a:avLst/>
+            </a:prstGeom>
+            <a:grpFill/>
+            <a:ln>
+              <a:noFill/>
+            </a:ln>
+          </p:spPr>
+          <p:style>
+            <a:lnRef idx="1">
+              <a:schemeClr val="accent1"/>
+            </a:lnRef>
+            <a:fillRef idx="3">
+              <a:schemeClr val="accent1"/>
+            </a:fillRef>
+            <a:effectRef idx="2">
+              <a:schemeClr val="accent1"/>
+            </a:effectRef>
+            <a:fontRef idx="minor">
+              <a:schemeClr val="lt1"/>
+            </a:fontRef>
+          </p:style>
+          <p:txBody>
+            <a:bodyPr rtlCol="0" anchor="ctr"/>
+            <a:lstStyle/>
+            <a:p>
+              <a:pPr algn="ctr"/>
+              <a:endParaRPr lang="en-US"/>
+            </a:p>
+          </p:txBody>
+        </p:sp>
+        <p:sp>
+          <p:nvSpPr>
+            <p:cNvPr id="40" name="Oval 39"/>
+            <p:cNvSpPr/>
+            <p:nvPr/>
+          </p:nvSpPr>
+          <p:spPr>
+            <a:xfrm>
+              <a:off x="5076056" y="3437384"/>
+              <a:ext cx="216024" cy="216024"/>
+            </a:xfrm>
+            <a:prstGeom prst="ellipse">
+              <a:avLst/>
+            </a:prstGeom>
+            <a:grpFill/>
+            <a:ln>
+              <a:noFill/>
+            </a:ln>
+          </p:spPr>
+          <p:style>
+            <a:lnRef idx="1">
+              <a:schemeClr val="accent1"/>
+            </a:lnRef>
+            <a:fillRef idx="3">
+              <a:schemeClr val="accent1"/>
+            </a:fillRef>
+            <a:effectRef idx="2">
+              <a:schemeClr val="accent1"/>
+            </a:effectRef>
+            <a:fontRef idx="minor">
+              <a:schemeClr val="lt1"/>
+            </a:fontRef>
+          </p:style>
+          <p:txBody>
+            <a:bodyPr rtlCol="0" anchor="ctr"/>
+            <a:lstStyle/>
+            <a:p>
+              <a:pPr algn="ctr"/>
+              <a:endParaRPr lang="en-US"/>
+            </a:p>
+          </p:txBody>
+        </p:sp>
+        <p:sp>
+          <p:nvSpPr>
+            <p:cNvPr id="41" name="Oval 40"/>
+            <p:cNvSpPr/>
+            <p:nvPr/>
+          </p:nvSpPr>
+          <p:spPr>
+            <a:xfrm>
+              <a:off x="5436096" y="3653408"/>
+              <a:ext cx="216024" cy="216024"/>
+            </a:xfrm>
+            <a:prstGeom prst="ellipse">
+              <a:avLst/>
+            </a:prstGeom>
+            <a:grpFill/>
+            <a:ln>
+              <a:noFill/>
+            </a:ln>
+          </p:spPr>
+          <p:style>
+            <a:lnRef idx="1">
+              <a:schemeClr val="accent1"/>
+            </a:lnRef>
+            <a:fillRef idx="3">
+              <a:schemeClr val="accent1"/>
+            </a:fillRef>
+            <a:effectRef idx="2">
+              <a:schemeClr val="accent1"/>
+            </a:effectRef>
+            <a:fontRef idx="minor">
+              <a:schemeClr val="lt1"/>
+            </a:fontRef>
+          </p:style>
+          <p:txBody>
+            <a:bodyPr rtlCol="0" anchor="ctr"/>
+            <a:lstStyle/>
+            <a:p>
+              <a:pPr algn="ctr"/>
+              <a:endParaRPr lang="en-US"/>
+            </a:p>
+          </p:txBody>
+        </p:sp>
+        <p:sp>
+          <p:nvSpPr>
+            <p:cNvPr id="42" name="Oval 41"/>
+            <p:cNvSpPr/>
+            <p:nvPr/>
+          </p:nvSpPr>
+          <p:spPr>
+            <a:xfrm>
+              <a:off x="5364088" y="4229472"/>
+              <a:ext cx="216024" cy="216024"/>
+            </a:xfrm>
+            <a:prstGeom prst="ellipse">
+              <a:avLst/>
+            </a:prstGeom>
+            <a:grpFill/>
+            <a:ln>
+              <a:noFill/>
+            </a:ln>
+          </p:spPr>
+          <p:style>
+            <a:lnRef idx="1">
+              <a:schemeClr val="accent1"/>
+            </a:lnRef>
+            <a:fillRef idx="3">
+              <a:schemeClr val="accent1"/>
+            </a:fillRef>
+            <a:effectRef idx="2">
+              <a:schemeClr val="accent1"/>
+            </a:effectRef>
+            <a:fontRef idx="minor">
+              <a:schemeClr val="lt1"/>
+            </a:fontRef>
+          </p:style>
+          <p:txBody>
+            <a:bodyPr rtlCol="0" anchor="ctr"/>
+            <a:lstStyle/>
+            <a:p>
+              <a:pPr algn="ctr"/>
+              <a:endParaRPr lang="en-US"/>
+            </a:p>
+          </p:txBody>
+        </p:sp>
+        <p:sp>
+          <p:nvSpPr>
+            <p:cNvPr id="45" name="Oval 44"/>
+            <p:cNvSpPr/>
+            <p:nvPr/>
+          </p:nvSpPr>
+          <p:spPr>
+            <a:xfrm>
+              <a:off x="5292080" y="3941440"/>
+              <a:ext cx="216024" cy="216024"/>
+            </a:xfrm>
+            <a:prstGeom prst="ellipse">
+              <a:avLst/>
+            </a:prstGeom>
+            <a:grpFill/>
+            <a:ln>
+              <a:noFill/>
+            </a:ln>
+          </p:spPr>
+          <p:style>
+            <a:lnRef idx="1">
+              <a:schemeClr val="accent1"/>
+            </a:lnRef>
+            <a:fillRef idx="3">
+              <a:schemeClr val="accent1"/>
+            </a:fillRef>
+            <a:effectRef idx="2">
+              <a:schemeClr val="accent1"/>
+            </a:effectRef>
+            <a:fontRef idx="minor">
+              <a:schemeClr val="lt1"/>
+            </a:fontRef>
+          </p:style>
+          <p:txBody>
+            <a:bodyPr rtlCol="0" anchor="ctr"/>
+            <a:lstStyle/>
+            <a:p>
+              <a:pPr algn="ctr"/>
+              <a:endParaRPr lang="en-US"/>
+            </a:p>
+          </p:txBody>
+        </p:sp>
+        <p:sp>
+          <p:nvSpPr>
+            <p:cNvPr id="46" name="Oval 45"/>
+            <p:cNvSpPr/>
+            <p:nvPr/>
+          </p:nvSpPr>
+          <p:spPr>
+            <a:xfrm>
+              <a:off x="5868144" y="3725416"/>
+              <a:ext cx="216024" cy="216024"/>
+            </a:xfrm>
+            <a:prstGeom prst="ellipse">
+              <a:avLst/>
+            </a:prstGeom>
+            <a:grpFill/>
+            <a:ln>
+              <a:noFill/>
+            </a:ln>
+          </p:spPr>
+          <p:style>
+            <a:lnRef idx="1">
+              <a:schemeClr val="accent1"/>
+            </a:lnRef>
+            <a:fillRef idx="3">
+              <a:schemeClr val="accent1"/>
+            </a:fillRef>
+            <a:effectRef idx="2">
+              <a:schemeClr val="accent1"/>
+            </a:effectRef>
+            <a:fontRef idx="minor">
+              <a:schemeClr val="lt1"/>
+            </a:fontRef>
+          </p:style>
+          <p:txBody>
+            <a:bodyPr rtlCol="0" anchor="ctr"/>
+            <a:lstStyle/>
+            <a:p>
+              <a:pPr algn="ctr"/>
+              <a:endParaRPr lang="en-US"/>
+            </a:p>
+          </p:txBody>
+        </p:sp>
+        <p:sp>
+          <p:nvSpPr>
+            <p:cNvPr id="50" name="Oval 49"/>
+            <p:cNvSpPr/>
+            <p:nvPr/>
+          </p:nvSpPr>
+          <p:spPr>
+            <a:xfrm>
+              <a:off x="5652120" y="4589512"/>
+              <a:ext cx="216024" cy="216024"/>
+            </a:xfrm>
+            <a:prstGeom prst="ellipse">
+              <a:avLst/>
+            </a:prstGeom>
+            <a:grpFill/>
+            <a:ln>
+              <a:noFill/>
+            </a:ln>
+          </p:spPr>
+          <p:style>
+            <a:lnRef idx="1">
+              <a:schemeClr val="accent1"/>
+            </a:lnRef>
+            <a:fillRef idx="3">
+              <a:schemeClr val="accent1"/>
+            </a:fillRef>
+            <a:effectRef idx="2">
+              <a:schemeClr val="accent1"/>
+            </a:effectRef>
+            <a:fontRef idx="minor">
+              <a:schemeClr val="lt1"/>
+            </a:fontRef>
+          </p:style>
+          <p:txBody>
+            <a:bodyPr rtlCol="0" anchor="ctr"/>
+            <a:lstStyle/>
+            <a:p>
+              <a:pPr algn="ctr"/>
+              <a:endParaRPr lang="en-US"/>
+            </a:p>
+          </p:txBody>
+        </p:sp>
+        <p:sp>
+          <p:nvSpPr>
+            <p:cNvPr id="51" name="Oval 50"/>
+            <p:cNvSpPr/>
+            <p:nvPr/>
+          </p:nvSpPr>
+          <p:spPr>
+            <a:xfrm>
+              <a:off x="5796136" y="4085456"/>
+              <a:ext cx="216024" cy="216024"/>
+            </a:xfrm>
+            <a:prstGeom prst="ellipse">
+              <a:avLst/>
+            </a:prstGeom>
+            <a:grpFill/>
+            <a:ln>
+              <a:noFill/>
+            </a:ln>
+          </p:spPr>
+          <p:style>
+            <a:lnRef idx="1">
+              <a:schemeClr val="accent1"/>
+            </a:lnRef>
+            <a:fillRef idx="3">
+              <a:schemeClr val="accent1"/>
+            </a:fillRef>
+            <a:effectRef idx="2">
+              <a:schemeClr val="accent1"/>
+            </a:effectRef>
+            <a:fontRef idx="minor">
+              <a:schemeClr val="lt1"/>
+            </a:fontRef>
+          </p:style>
+          <p:txBody>
+            <a:bodyPr rtlCol="0" anchor="ctr"/>
+            <a:lstStyle/>
+            <a:p>
+              <a:pPr algn="ctr"/>
+              <a:endParaRPr lang="en-US"/>
+            </a:p>
+          </p:txBody>
+        </p:sp>
+        <p:sp>
+          <p:nvSpPr>
+            <p:cNvPr id="52" name="Oval 51"/>
+            <p:cNvSpPr/>
+            <p:nvPr/>
+          </p:nvSpPr>
+          <p:spPr>
+            <a:xfrm>
+              <a:off x="4860032" y="3293368"/>
+              <a:ext cx="216024" cy="216024"/>
+            </a:xfrm>
+            <a:prstGeom prst="ellipse">
+              <a:avLst/>
+            </a:prstGeom>
+            <a:grpFill/>
+            <a:ln>
+              <a:noFill/>
+            </a:ln>
+          </p:spPr>
+          <p:style>
+            <a:lnRef idx="1">
+              <a:schemeClr val="accent1"/>
+            </a:lnRef>
+            <a:fillRef idx="3">
+              <a:schemeClr val="accent1"/>
+            </a:fillRef>
+            <a:effectRef idx="2">
+              <a:schemeClr val="accent1"/>
+            </a:effectRef>
+            <a:fontRef idx="minor">
+              <a:schemeClr val="lt1"/>
+            </a:fontRef>
+          </p:style>
+          <p:txBody>
+            <a:bodyPr rtlCol="0" anchor="ctr"/>
+            <a:lstStyle/>
+            <a:p>
+              <a:pPr algn="ctr"/>
+              <a:endParaRPr lang="en-US"/>
+            </a:p>
+          </p:txBody>
+        </p:sp>
+        <p:sp>
+          <p:nvSpPr>
+            <p:cNvPr id="53" name="Oval 52"/>
+            <p:cNvSpPr/>
+            <p:nvPr/>
+          </p:nvSpPr>
+          <p:spPr>
+            <a:xfrm>
+              <a:off x="4644008" y="4229472"/>
+              <a:ext cx="216024" cy="216024"/>
+            </a:xfrm>
+            <a:prstGeom prst="ellipse">
+              <a:avLst/>
+            </a:prstGeom>
+            <a:grpFill/>
+            <a:ln>
+              <a:noFill/>
+            </a:ln>
+          </p:spPr>
+          <p:style>
+            <a:lnRef idx="1">
+              <a:schemeClr val="accent1"/>
+            </a:lnRef>
+            <a:fillRef idx="3">
+              <a:schemeClr val="accent1"/>
+            </a:fillRef>
+            <a:effectRef idx="2">
+              <a:schemeClr val="accent1"/>
+            </a:effectRef>
+            <a:fontRef idx="minor">
+              <a:schemeClr val="lt1"/>
+            </a:fontRef>
+          </p:style>
+          <p:txBody>
+            <a:bodyPr rtlCol="0" anchor="ctr"/>
+            <a:lstStyle/>
+            <a:p>
+              <a:pPr algn="ctr"/>
+              <a:endParaRPr lang="en-US"/>
+            </a:p>
+          </p:txBody>
+        </p:sp>
+        <p:sp>
+          <p:nvSpPr>
+            <p:cNvPr id="54" name="Oval 53"/>
+            <p:cNvSpPr/>
+            <p:nvPr/>
+          </p:nvSpPr>
+          <p:spPr>
+            <a:xfrm>
+              <a:off x="4572000" y="3941440"/>
+              <a:ext cx="216024" cy="216024"/>
+            </a:xfrm>
+            <a:prstGeom prst="ellipse">
+              <a:avLst/>
+            </a:prstGeom>
+            <a:grpFill/>
+            <a:ln>
+              <a:noFill/>
+            </a:ln>
+          </p:spPr>
+          <p:style>
+            <a:lnRef idx="1">
+              <a:schemeClr val="accent1"/>
+            </a:lnRef>
+            <a:fillRef idx="3">
+              <a:schemeClr val="accent1"/>
+            </a:fillRef>
+            <a:effectRef idx="2">
+              <a:schemeClr val="accent1"/>
+            </a:effectRef>
+            <a:fontRef idx="minor">
+              <a:schemeClr val="lt1"/>
+            </a:fontRef>
+          </p:style>
+          <p:txBody>
+            <a:bodyPr rtlCol="0" anchor="ctr"/>
+            <a:lstStyle/>
+            <a:p>
+              <a:pPr algn="ctr"/>
+              <a:endParaRPr lang="en-US"/>
+            </a:p>
+          </p:txBody>
+        </p:sp>
+        <p:sp>
+          <p:nvSpPr>
+            <p:cNvPr id="55" name="Oval 54"/>
+            <p:cNvSpPr/>
+            <p:nvPr/>
+          </p:nvSpPr>
+          <p:spPr>
+            <a:xfrm>
+              <a:off x="5148064" y="3725416"/>
+              <a:ext cx="216024" cy="216024"/>
+            </a:xfrm>
+            <a:prstGeom prst="ellipse">
+              <a:avLst/>
+            </a:prstGeom>
+            <a:grpFill/>
+            <a:ln>
+              <a:noFill/>
+            </a:ln>
+          </p:spPr>
+          <p:style>
+            <a:lnRef idx="1">
+              <a:schemeClr val="accent1"/>
+            </a:lnRef>
+            <a:fillRef idx="3">
+              <a:schemeClr val="accent1"/>
+            </a:fillRef>
+            <a:effectRef idx="2">
+              <a:schemeClr val="accent1"/>
+            </a:effectRef>
+            <a:fontRef idx="minor">
+              <a:schemeClr val="lt1"/>
+            </a:fontRef>
+          </p:style>
+          <p:txBody>
+            <a:bodyPr rtlCol="0" anchor="ctr"/>
+            <a:lstStyle/>
+            <a:p>
+              <a:pPr algn="ctr"/>
+              <a:endParaRPr lang="en-US"/>
+            </a:p>
+          </p:txBody>
+        </p:sp>
+        <p:sp>
+          <p:nvSpPr>
+            <p:cNvPr id="56" name="Oval 55"/>
+            <p:cNvSpPr/>
+            <p:nvPr/>
+          </p:nvSpPr>
+          <p:spPr>
+            <a:xfrm>
+              <a:off x="4932040" y="4589512"/>
+              <a:ext cx="216024" cy="216024"/>
+            </a:xfrm>
+            <a:prstGeom prst="ellipse">
+              <a:avLst/>
+            </a:prstGeom>
+            <a:grpFill/>
+            <a:ln>
+              <a:noFill/>
+            </a:ln>
+          </p:spPr>
+          <p:style>
+            <a:lnRef idx="1">
+              <a:schemeClr val="accent1"/>
+            </a:lnRef>
+            <a:fillRef idx="3">
+              <a:schemeClr val="accent1"/>
+            </a:fillRef>
+            <a:effectRef idx="2">
+              <a:schemeClr val="accent1"/>
+            </a:effectRef>
+            <a:fontRef idx="minor">
+              <a:schemeClr val="lt1"/>
+            </a:fontRef>
+          </p:style>
+          <p:txBody>
+            <a:bodyPr rtlCol="0" anchor="ctr"/>
+            <a:lstStyle/>
+            <a:p>
+              <a:pPr algn="ctr"/>
+              <a:endParaRPr lang="en-US"/>
+            </a:p>
+          </p:txBody>
+        </p:sp>
+        <p:sp>
+          <p:nvSpPr>
+            <p:cNvPr id="57" name="Oval 56"/>
+            <p:cNvSpPr/>
+            <p:nvPr/>
+          </p:nvSpPr>
+          <p:spPr>
+            <a:xfrm>
+              <a:off x="5076056" y="4301480"/>
+              <a:ext cx="216024" cy="216024"/>
+            </a:xfrm>
+            <a:prstGeom prst="ellipse">
+              <a:avLst/>
+            </a:prstGeom>
+            <a:grpFill/>
+            <a:ln>
+              <a:noFill/>
+            </a:ln>
+          </p:spPr>
+          <p:style>
+            <a:lnRef idx="1">
+              <a:schemeClr val="accent1"/>
+            </a:lnRef>
+            <a:fillRef idx="3">
+              <a:schemeClr val="accent1"/>
+            </a:fillRef>
+            <a:effectRef idx="2">
+              <a:schemeClr val="accent1"/>
+            </a:effectRef>
+            <a:fontRef idx="minor">
+              <a:schemeClr val="lt1"/>
+            </a:fontRef>
+          </p:style>
+          <p:txBody>
+            <a:bodyPr rtlCol="0" anchor="ctr"/>
+            <a:lstStyle/>
+            <a:p>
+              <a:pPr algn="ctr"/>
+              <a:endParaRPr lang="en-US"/>
+            </a:p>
+          </p:txBody>
+        </p:sp>
+      </p:grpSp>
+      <p:cxnSp>
+        <p:nvCxnSpPr>
+          <p:cNvPr id="58" name="Straight Connector 57"/>
+          <p:cNvCxnSpPr/>
+          <p:nvPr/>
+        </p:nvCxnSpPr>
+        <p:spPr>
+          <a:xfrm>
+            <a:off x="3403069" y="3163918"/>
+            <a:ext cx="1271632" cy="371481"/>
+          </a:xfrm>
+          <a:prstGeom prst="line">
+            <a:avLst/>
+          </a:prstGeom>
+          <a:ln w="6350" cmpd="sng">
+            <a:solidFill>
+              <a:schemeClr val="tx1">
+                <a:lumMod val="50000"/>
+                <a:lumOff val="50000"/>
+              </a:schemeClr>
+            </a:solidFill>
+            <a:prstDash val="sysDash"/>
+            <a:headEnd type="oval" w="sm" len="sm"/>
+            <a:tailEnd type="oval" w="sm" len="sm"/>
+          </a:ln>
+        </p:spPr>
+        <p:style>
+          <a:lnRef idx="2">
+            <a:schemeClr val="accent1"/>
+          </a:lnRef>
+          <a:fillRef idx="0">
+            <a:schemeClr val="accent1"/>
+          </a:fillRef>
+          <a:effectRef idx="1">
+            <a:schemeClr val="accent1"/>
+          </a:effectRef>
+          <a:fontRef idx="minor">
+            <a:schemeClr val="tx1"/>
+          </a:fontRef>
+        </p:style>
+      </p:cxnSp>
+      <p:sp>
+        <p:nvSpPr>
+          <p:cNvPr id="59" name="Cross 58"/>
+          <p:cNvSpPr/>
+          <p:nvPr/>
+        </p:nvSpPr>
+        <p:spPr>
+          <a:xfrm>
+            <a:off x="4617621" y="3440127"/>
+            <a:ext cx="183032" cy="176275"/>
+          </a:xfrm>
+          <a:prstGeom prst="plus">
+            <a:avLst>
+              <a:gd name="adj" fmla="val 46493"/>
+            </a:avLst>
+          </a:prstGeom>
+          <a:solidFill>
+            <a:srgbClr val="0000FF"/>
+          </a:solidFill>
+          <a:ln>
+            <a:solidFill>
+              <a:srgbClr val="FF6600"/>
+            </a:solidFill>
+          </a:ln>
+        </p:spPr>
+        <p:style>
+          <a:lnRef idx="1">
+            <a:schemeClr val="accent1"/>
+          </a:lnRef>
+          <a:fillRef idx="3">
+            <a:schemeClr val="accent1"/>
+          </a:fillRef>
+          <a:effectRef idx="2">
+            <a:schemeClr val="accent1"/>
+          </a:effectRef>
+          <a:fontRef idx="minor">
+            <a:schemeClr val="lt1"/>
+          </a:fontRef>
+        </p:style>
+        <p:txBody>
+          <a:bodyPr rtlCol="0" anchor="ctr"/>
+          <a:lstStyle/>
+          <a:p>
+            <a:pPr algn="ctr"/>
+            <a:endParaRPr lang="en-US"/>
+          </a:p>
+        </p:txBody>
+      </p:sp>
+      <p:sp>
+        <p:nvSpPr>
+          <p:cNvPr id="2" name="Footer Placeholder 1">
+            <a:extLst>
+              <a:ext uri="{FF2B5EF4-FFF2-40B4-BE49-F238E27FC236}">
+                <a16:creationId xmlns:a16="http://schemas.microsoft.com/office/drawing/2014/main" id="{05C9A75A-FCAD-2342-9E4D-2DA4BEEAA8F1}"/>
+              </a:ext>
+            </a:extLst>
+          </p:cNvPr>
+          <p:cNvSpPr>
+            <a:spLocks noGrp="1"/>
+          </p:cNvSpPr>
+          <p:nvPr>
+            <p:ph type="ftr" sz="quarter" idx="11"/>
+          </p:nvPr>
+        </p:nvSpPr>
+        <p:spPr/>
+        <p:txBody>
+          <a:bodyPr/>
+          <a:lstStyle/>
+          <a:p>
+            <a:r>
+              <a:rPr lang="es-ES"/>
+              <a:t>PAT04_dmin.pptx</a:t>
+            </a:r>
+          </a:p>
+        </p:txBody>
+      </p:sp>
+      <p:sp>
+        <p:nvSpPr>
+          <p:cNvPr id="3" name="Slide Number Placeholder 2">
+            <a:extLst>
+              <a:ext uri="{FF2B5EF4-FFF2-40B4-BE49-F238E27FC236}">
+                <a16:creationId xmlns:a16="http://schemas.microsoft.com/office/drawing/2014/main" id="{CA303A49-D9DC-4C4A-B2E7-2B45377CA865}"/>
+              </a:ext>
+            </a:extLst>
+          </p:cNvPr>
+          <p:cNvSpPr>
+            <a:spLocks noGrp="1"/>
+          </p:cNvSpPr>
+          <p:nvPr>
+            <p:ph type="sldNum" sz="quarter" idx="12"/>
+          </p:nvPr>
+        </p:nvSpPr>
+        <p:spPr/>
+        <p:txBody>
+          <a:bodyPr/>
+          <a:lstStyle/>
+          <a:p>
+            <a:fld id="{B2515E32-AEC1-A643-BA35-1EE2E73D4B01}" type="slidenum">
+              <a:rPr lang="es-ES" smtClean="0"/>
+              <a:pPr/>
+              <a:t>12</a:t>
+            </a:fld>
+            <a:endParaRPr lang="es-ES"/>
+          </a:p>
+        </p:txBody>
+      </p:sp>
+      <p:cxnSp>
+        <p:nvCxnSpPr>
+          <p:cNvPr id="5" name="Straight Connector 4">
+            <a:extLst>
+              <a:ext uri="{FF2B5EF4-FFF2-40B4-BE49-F238E27FC236}">
+                <a16:creationId xmlns:a16="http://schemas.microsoft.com/office/drawing/2014/main" id="{AD64F968-3D87-EA4C-96DC-779A445F71B2}"/>
+              </a:ext>
+            </a:extLst>
+          </p:cNvPr>
+          <p:cNvCxnSpPr>
+            <a:cxnSpLocks/>
+          </p:cNvCxnSpPr>
+          <p:nvPr/>
+        </p:nvCxnSpPr>
+        <p:spPr>
+          <a:xfrm>
+            <a:off x="2728617" y="1724851"/>
+            <a:ext cx="3012635" cy="4514126"/>
+          </a:xfrm>
+          <a:prstGeom prst="line">
+            <a:avLst/>
+          </a:prstGeom>
+          <a:ln>
+            <a:solidFill>
+              <a:schemeClr val="tx1"/>
+            </a:solidFill>
+            <a:prstDash val="dash"/>
+          </a:ln>
+          <a:effectLst/>
+        </p:spPr>
+        <p:style>
+          <a:lnRef idx="2">
+            <a:schemeClr val="accent1"/>
+          </a:lnRef>
+          <a:fillRef idx="0">
+            <a:schemeClr val="accent1"/>
+          </a:fillRef>
+          <a:effectRef idx="1">
+            <a:schemeClr val="accent1"/>
+          </a:effectRef>
+          <a:fontRef idx="minor">
+            <a:schemeClr val="tx1"/>
+          </a:fontRef>
+        </p:style>
+      </p:cxnSp>
+      <p:cxnSp>
+        <p:nvCxnSpPr>
+          <p:cNvPr id="94" name="Straight Connector 93">
+            <a:extLst>
+              <a:ext uri="{FF2B5EF4-FFF2-40B4-BE49-F238E27FC236}">
+                <a16:creationId xmlns:a16="http://schemas.microsoft.com/office/drawing/2014/main" id="{21657C03-4F1C-0E41-BA8F-62ACA263EF76}"/>
+              </a:ext>
+            </a:extLst>
+          </p:cNvPr>
+          <p:cNvCxnSpPr>
+            <a:cxnSpLocks/>
+          </p:cNvCxnSpPr>
+          <p:nvPr/>
+        </p:nvCxnSpPr>
+        <p:spPr>
+          <a:xfrm flipV="1">
+            <a:off x="3589115" y="3532727"/>
+            <a:ext cx="1108447" cy="710886"/>
+          </a:xfrm>
+          <a:prstGeom prst="line">
+            <a:avLst/>
+          </a:prstGeom>
+          <a:ln>
+            <a:solidFill>
+              <a:schemeClr val="tx1"/>
+            </a:solidFill>
+          </a:ln>
+          <a:effectLst/>
+        </p:spPr>
+        <p:style>
+          <a:lnRef idx="2">
+            <a:schemeClr val="accent1"/>
+          </a:lnRef>
+          <a:fillRef idx="0">
+            <a:schemeClr val="accent1"/>
+          </a:fillRef>
+          <a:effectRef idx="1">
+            <a:schemeClr val="accent1"/>
+          </a:effectRef>
+          <a:fontRef idx="minor">
+            <a:schemeClr val="tx1"/>
+          </a:fontRef>
+        </p:style>
+      </p:cxnSp>
+      <p:sp>
+        <p:nvSpPr>
+          <p:cNvPr id="95" name="TextBox 94">
+            <a:extLst>
+              <a:ext uri="{FF2B5EF4-FFF2-40B4-BE49-F238E27FC236}">
+                <a16:creationId xmlns:a16="http://schemas.microsoft.com/office/drawing/2014/main" id="{67EF82A0-3080-9747-BF1A-7A218FEC7F7A}"/>
+              </a:ext>
+            </a:extLst>
+          </p:cNvPr>
+          <p:cNvSpPr txBox="1"/>
+          <p:nvPr/>
+        </p:nvSpPr>
+        <p:spPr>
+          <a:xfrm>
+            <a:off x="760871" y="1704340"/>
+            <a:ext cx="2002471" cy="461665"/>
+          </a:xfrm>
+          <a:prstGeom prst="rect">
+            <a:avLst/>
+          </a:prstGeom>
+          <a:noFill/>
+        </p:spPr>
+        <p:txBody>
+          <a:bodyPr wrap="none" rtlCol="0">
+            <a:spAutoFit/>
+          </a:bodyPr>
+          <a:lstStyle/>
+          <a:p>
+            <a:r>
+              <a:rPr lang="en-US" sz="2400" dirty="0">
+                <a:latin typeface="Trebuchet MS"/>
+                <a:cs typeface="Trebuchet MS"/>
+              </a:rPr>
+              <a:t>Decision Line</a:t>
+            </a:r>
+          </a:p>
+        </p:txBody>
+      </p:sp>
+      <p:sp>
+        <p:nvSpPr>
+          <p:cNvPr id="20" name="Rectangle 19">
+            <a:extLst>
+              <a:ext uri="{FF2B5EF4-FFF2-40B4-BE49-F238E27FC236}">
+                <a16:creationId xmlns:a16="http://schemas.microsoft.com/office/drawing/2014/main" id="{87C28574-B716-D647-AA33-B96686CF8981}"/>
+              </a:ext>
+            </a:extLst>
+          </p:cNvPr>
+          <p:cNvSpPr/>
+          <p:nvPr/>
+        </p:nvSpPr>
+        <p:spPr>
+          <a:xfrm rot="19581566">
+            <a:off x="4093553" y="3660434"/>
+            <a:ext cx="180000" cy="180000"/>
+          </a:xfrm>
+          <a:prstGeom prst="rect">
+            <a:avLst/>
+          </a:prstGeom>
+          <a:noFill/>
+          <a:ln>
+            <a:solidFill>
+              <a:schemeClr val="tx2">
+                <a:lumMod val="65000"/>
+                <a:lumOff val="35000"/>
+              </a:schemeClr>
+            </a:solidFill>
+          </a:ln>
+          <a:effectLst/>
+        </p:spPr>
+        <p:style>
+          <a:lnRef idx="1">
+            <a:schemeClr val="accent1"/>
+          </a:lnRef>
+          <a:fillRef idx="3">
+            <a:schemeClr val="accent1"/>
+          </a:fillRef>
+          <a:effectRef idx="2">
+            <a:schemeClr val="accent1"/>
+          </a:effectRef>
+          <a:fontRef idx="minor">
+            <a:schemeClr val="lt1"/>
+          </a:fontRef>
+        </p:style>
+        <p:txBody>
+          <a:bodyPr rtlCol="0" anchor="ctr"/>
+          <a:lstStyle/>
+          <a:p>
+            <a:pPr algn="ctr"/>
+            <a:endParaRPr lang="en-US"/>
+          </a:p>
+        </p:txBody>
+      </p:sp>
+      <p:sp>
+        <p:nvSpPr>
+          <p:cNvPr id="96" name="Right Arrow 95">
+            <a:extLst>
+              <a:ext uri="{FF2B5EF4-FFF2-40B4-BE49-F238E27FC236}">
+                <a16:creationId xmlns:a16="http://schemas.microsoft.com/office/drawing/2014/main" id="{302D1B14-35AE-0B4D-916C-72FFEF16A0D7}"/>
+              </a:ext>
+            </a:extLst>
+          </p:cNvPr>
+          <p:cNvSpPr/>
+          <p:nvPr/>
+        </p:nvSpPr>
+        <p:spPr>
+          <a:xfrm rot="19800000">
+            <a:off x="5196764" y="5050376"/>
+            <a:ext cx="314072" cy="246454"/>
+          </a:xfrm>
+          <a:prstGeom prst="rightArrow">
+            <a:avLst/>
+          </a:prstGeom>
+          <a:solidFill>
+            <a:schemeClr val="bg2"/>
+          </a:solidFill>
+          <a:ln>
+            <a:solidFill>
+              <a:schemeClr val="tx2">
+                <a:lumMod val="65000"/>
+                <a:lumOff val="35000"/>
+              </a:schemeClr>
+            </a:solidFill>
+          </a:ln>
+        </p:spPr>
+        <p:style>
+          <a:lnRef idx="1">
+            <a:schemeClr val="accent1"/>
+          </a:lnRef>
+          <a:fillRef idx="3">
+            <a:schemeClr val="accent1"/>
+          </a:fillRef>
+          <a:effectRef idx="2">
+            <a:schemeClr val="accent1"/>
+          </a:effectRef>
+          <a:fontRef idx="minor">
+            <a:schemeClr val="lt1"/>
+          </a:fontRef>
+        </p:style>
+        <p:txBody>
+          <a:bodyPr rtlCol="0" anchor="ctr"/>
+          <a:lstStyle/>
+          <a:p>
+            <a:pPr algn="ctr"/>
+            <a:endParaRPr lang="en-US" dirty="0"/>
+          </a:p>
+        </p:txBody>
+      </p:sp>
+      <p:sp>
+        <p:nvSpPr>
+          <p:cNvPr id="97" name="TextBox 96">
+            <a:extLst>
+              <a:ext uri="{FF2B5EF4-FFF2-40B4-BE49-F238E27FC236}">
+                <a16:creationId xmlns:a16="http://schemas.microsoft.com/office/drawing/2014/main" id="{268324C4-5949-6C46-BD10-B4222D9E5449}"/>
+              </a:ext>
+            </a:extLst>
+          </p:cNvPr>
+          <p:cNvSpPr txBox="1"/>
+          <p:nvPr/>
+        </p:nvSpPr>
+        <p:spPr>
+          <a:xfrm rot="19800000">
+            <a:off x="5520768" y="4404888"/>
+            <a:ext cx="1125629" cy="584775"/>
+          </a:xfrm>
+          <a:prstGeom prst="rect">
+            <a:avLst/>
+          </a:prstGeom>
+          <a:noFill/>
+        </p:spPr>
+        <p:txBody>
+          <a:bodyPr wrap="none" rtlCol="0">
+            <a:spAutoFit/>
+          </a:bodyPr>
+          <a:lstStyle/>
+          <a:p>
+            <a:r>
+              <a:rPr lang="en-US" sz="1600" dirty="0">
+                <a:solidFill>
+                  <a:schemeClr val="tx1">
+                    <a:lumMod val="75000"/>
+                    <a:lumOff val="25000"/>
+                  </a:schemeClr>
+                </a:solidFill>
+                <a:latin typeface="Trebuchet MS"/>
+                <a:cs typeface="Trebuchet MS"/>
+              </a:rPr>
+              <a:t>Classified </a:t>
+            </a:r>
+          </a:p>
+          <a:p>
+            <a:r>
+              <a:rPr lang="en-US" sz="1600" dirty="0">
+                <a:solidFill>
+                  <a:schemeClr val="tx1">
+                    <a:lumMod val="75000"/>
+                    <a:lumOff val="25000"/>
+                  </a:schemeClr>
+                </a:solidFill>
+                <a:latin typeface="Trebuchet MS"/>
+                <a:cs typeface="Trebuchet MS"/>
+              </a:rPr>
+              <a:t>as </a:t>
+            </a:r>
+            <a:r>
+              <a:rPr lang="en-US" sz="1600" dirty="0">
+                <a:solidFill>
+                  <a:srgbClr val="0000FF"/>
+                </a:solidFill>
+                <a:latin typeface="Trebuchet MS"/>
+                <a:cs typeface="Trebuchet MS"/>
+              </a:rPr>
+              <a:t>Blue</a:t>
+            </a:r>
+          </a:p>
+        </p:txBody>
+      </p:sp>
+      <p:sp>
+        <p:nvSpPr>
+          <p:cNvPr id="98" name="Right Arrow 97">
+            <a:extLst>
+              <a:ext uri="{FF2B5EF4-FFF2-40B4-BE49-F238E27FC236}">
+                <a16:creationId xmlns:a16="http://schemas.microsoft.com/office/drawing/2014/main" id="{A6F45A5A-C229-2048-A24A-70E874DFAF9D}"/>
+              </a:ext>
+            </a:extLst>
+          </p:cNvPr>
+          <p:cNvSpPr/>
+          <p:nvPr/>
+        </p:nvSpPr>
+        <p:spPr>
+          <a:xfrm rot="9000000">
+            <a:off x="4746554" y="5309734"/>
+            <a:ext cx="314072" cy="246454"/>
+          </a:xfrm>
+          <a:prstGeom prst="rightArrow">
+            <a:avLst/>
+          </a:prstGeom>
+          <a:solidFill>
+            <a:schemeClr val="bg2"/>
+          </a:solidFill>
+          <a:ln>
+            <a:solidFill>
+              <a:schemeClr val="tx2">
+                <a:lumMod val="65000"/>
+                <a:lumOff val="35000"/>
+              </a:schemeClr>
+            </a:solidFill>
+          </a:ln>
+        </p:spPr>
+        <p:style>
+          <a:lnRef idx="1">
+            <a:schemeClr val="accent1"/>
+          </a:lnRef>
+          <a:fillRef idx="3">
+            <a:schemeClr val="accent1"/>
+          </a:fillRef>
+          <a:effectRef idx="2">
+            <a:schemeClr val="accent1"/>
+          </a:effectRef>
+          <a:fontRef idx="minor">
+            <a:schemeClr val="lt1"/>
+          </a:fontRef>
+        </p:style>
+        <p:txBody>
+          <a:bodyPr rtlCol="0" anchor="ctr"/>
+          <a:lstStyle/>
+          <a:p>
+            <a:pPr algn="ctr"/>
+            <a:endParaRPr lang="en-US"/>
+          </a:p>
+        </p:txBody>
+      </p:sp>
+      <p:sp>
+        <p:nvSpPr>
+          <p:cNvPr id="99" name="TextBox 98">
+            <a:extLst>
+              <a:ext uri="{FF2B5EF4-FFF2-40B4-BE49-F238E27FC236}">
+                <a16:creationId xmlns:a16="http://schemas.microsoft.com/office/drawing/2014/main" id="{11360A8D-34F7-3B49-881E-40C71CEA5B8F}"/>
+              </a:ext>
+            </a:extLst>
+          </p:cNvPr>
+          <p:cNvSpPr txBox="1"/>
+          <p:nvPr/>
+        </p:nvSpPr>
+        <p:spPr>
+          <a:xfrm rot="19800000">
+            <a:off x="3759530" y="5499175"/>
+            <a:ext cx="1063112" cy="584775"/>
+          </a:xfrm>
+          <a:prstGeom prst="rect">
+            <a:avLst/>
+          </a:prstGeom>
+          <a:noFill/>
+        </p:spPr>
+        <p:txBody>
+          <a:bodyPr wrap="none" rtlCol="0">
+            <a:spAutoFit/>
+          </a:bodyPr>
+          <a:lstStyle/>
+          <a:p>
+            <a:pPr algn="r"/>
+            <a:r>
+              <a:rPr lang="en-US" sz="1600" dirty="0">
+                <a:solidFill>
+                  <a:schemeClr val="tx1">
+                    <a:lumMod val="75000"/>
+                    <a:lumOff val="25000"/>
+                  </a:schemeClr>
+                </a:solidFill>
+                <a:latin typeface="Trebuchet MS"/>
+                <a:cs typeface="Trebuchet MS"/>
+              </a:rPr>
+              <a:t>Classified</a:t>
+            </a:r>
+          </a:p>
+          <a:p>
+            <a:pPr algn="r"/>
+            <a:r>
+              <a:rPr lang="en-US" sz="1600" dirty="0">
+                <a:solidFill>
+                  <a:schemeClr val="tx1">
+                    <a:lumMod val="75000"/>
+                    <a:lumOff val="25000"/>
+                  </a:schemeClr>
+                </a:solidFill>
+                <a:latin typeface="Trebuchet MS"/>
+                <a:cs typeface="Trebuchet MS"/>
+              </a:rPr>
+              <a:t>as </a:t>
+            </a:r>
+            <a:r>
+              <a:rPr lang="en-US" sz="1600" dirty="0">
+                <a:solidFill>
+                  <a:srgbClr val="FF0000"/>
+                </a:solidFill>
+                <a:latin typeface="Trebuchet MS"/>
+                <a:cs typeface="Trebuchet MS"/>
+              </a:rPr>
+              <a:t>Red</a:t>
+            </a:r>
+          </a:p>
+        </p:txBody>
+      </p:sp>
+      <p:sp>
+        <p:nvSpPr>
+          <p:cNvPr id="100" name="TextBox 99">
+            <a:extLst>
+              <a:ext uri="{FF2B5EF4-FFF2-40B4-BE49-F238E27FC236}">
+                <a16:creationId xmlns:a16="http://schemas.microsoft.com/office/drawing/2014/main" id="{5D78CFCC-636D-9B40-9D60-F25A70E47919}"/>
+              </a:ext>
+            </a:extLst>
+          </p:cNvPr>
+          <p:cNvSpPr txBox="1"/>
+          <p:nvPr/>
+        </p:nvSpPr>
+        <p:spPr>
+          <a:xfrm rot="20809448">
+            <a:off x="3799036" y="3829043"/>
+            <a:ext cx="312906" cy="369332"/>
+          </a:xfrm>
+          <a:prstGeom prst="rect">
+            <a:avLst/>
+          </a:prstGeom>
+          <a:noFill/>
+        </p:spPr>
+        <p:txBody>
+          <a:bodyPr wrap="none" rtlCol="0">
+            <a:spAutoFit/>
+          </a:bodyPr>
+          <a:lstStyle/>
+          <a:p>
+            <a:r>
+              <a:rPr lang="en-US" dirty="0">
+                <a:solidFill>
+                  <a:schemeClr val="tx1">
+                    <a:lumMod val="85000"/>
+                    <a:lumOff val="15000"/>
+                  </a:schemeClr>
+                </a:solidFill>
+              </a:rPr>
+              <a:t>//</a:t>
+            </a:r>
+          </a:p>
+        </p:txBody>
+      </p:sp>
+      <p:sp>
+        <p:nvSpPr>
+          <p:cNvPr id="101" name="TextBox 100">
+            <a:extLst>
+              <a:ext uri="{FF2B5EF4-FFF2-40B4-BE49-F238E27FC236}">
+                <a16:creationId xmlns:a16="http://schemas.microsoft.com/office/drawing/2014/main" id="{0494875A-8FE6-5542-AF12-771F709BBABB}"/>
+              </a:ext>
+            </a:extLst>
+          </p:cNvPr>
+          <p:cNvSpPr txBox="1"/>
+          <p:nvPr/>
+        </p:nvSpPr>
+        <p:spPr>
+          <a:xfrm rot="20809448">
+            <a:off x="4260660" y="3544522"/>
+            <a:ext cx="312906" cy="369332"/>
+          </a:xfrm>
+          <a:prstGeom prst="rect">
+            <a:avLst/>
+          </a:prstGeom>
+          <a:noFill/>
+        </p:spPr>
+        <p:txBody>
+          <a:bodyPr wrap="none" rtlCol="0">
+            <a:spAutoFit/>
+          </a:bodyPr>
+          <a:lstStyle/>
+          <a:p>
+            <a:r>
+              <a:rPr lang="en-US" dirty="0">
+                <a:solidFill>
+                  <a:schemeClr val="tx1">
+                    <a:lumMod val="85000"/>
+                    <a:lumOff val="15000"/>
+                  </a:schemeClr>
+                </a:solidFill>
+              </a:rPr>
+              <a:t>//</a:t>
+            </a:r>
+          </a:p>
+        </p:txBody>
+      </p:sp>
+    </p:spTree>
+    <p:extLst>
+      <p:ext uri="{BB962C8B-B14F-4D97-AF65-F5344CB8AC3E}">
+        <p14:creationId xmlns:p14="http://schemas.microsoft.com/office/powerpoint/2010/main" val="824035117"/>
+      </p:ext>
+    </p:extLst>
+  </p:cSld>
+  <p:clrMapOvr>
+    <a:masterClrMapping/>
+  </p:clrMapOvr>
 </p:sld>
 </file>
 
@@ -8365,16 +10955,70 @@
           <a:lstStyle/>
           <a:p>
             <a:r>
-              <a:rPr lang="en-US" sz="2400" dirty="0" smtClean="0">
+              <a:rPr lang="en-US" sz="2400" dirty="0">
                 <a:latin typeface="Trebuchet MS"/>
                 <a:cs typeface="Trebuchet MS"/>
               </a:rPr>
               <a:t>DMIN: Minimal Distance</a:t>
             </a:r>
-            <a:endParaRPr lang="en-US" sz="2400" dirty="0">
-              <a:latin typeface="Trebuchet MS"/>
-              <a:cs typeface="Trebuchet MS"/>
-            </a:endParaRPr>
+          </a:p>
+        </p:txBody>
+      </p:sp>
+      <p:sp>
+        <p:nvSpPr>
+          <p:cNvPr id="2" name="Footer Placeholder 1">
+            <a:extLst>
+              <a:ext uri="{FF2B5EF4-FFF2-40B4-BE49-F238E27FC236}">
+                <a16:creationId xmlns:a16="http://schemas.microsoft.com/office/drawing/2014/main" id="{E03E44C5-6895-8242-8D4C-6ED9CBFF6395}"/>
+              </a:ext>
+            </a:extLst>
+          </p:cNvPr>
+          <p:cNvSpPr>
+            <a:spLocks noGrp="1"/>
+          </p:cNvSpPr>
+          <p:nvPr>
+            <p:ph type="ftr" sz="quarter" idx="11"/>
+          </p:nvPr>
+        </p:nvSpPr>
+        <p:spPr/>
+        <p:txBody>
+          <a:bodyPr/>
+          <a:lstStyle/>
+          <a:p>
+            <a:r>
+              <a:rPr lang="es-ES"/>
+              <a:t>PAT04_dmin.pptx</a:t>
+            </a:r>
+          </a:p>
+        </p:txBody>
+      </p:sp>
+      <p:sp>
+        <p:nvSpPr>
+          <p:cNvPr id="3" name="Slide Number Placeholder 2">
+            <a:extLst>
+              <a:ext uri="{FF2B5EF4-FFF2-40B4-BE49-F238E27FC236}">
+                <a16:creationId xmlns:a16="http://schemas.microsoft.com/office/drawing/2014/main" id="{4FE2348C-6058-A046-9C7D-5DAD46F44A8C}"/>
+              </a:ext>
+            </a:extLst>
+          </p:cNvPr>
+          <p:cNvSpPr>
+            <a:spLocks noGrp="1"/>
+          </p:cNvSpPr>
+          <p:nvPr>
+            <p:ph type="sldNum" sz="quarter" idx="12"/>
+          </p:nvPr>
+        </p:nvSpPr>
+        <p:spPr/>
+        <p:txBody>
+          <a:bodyPr/>
+          <a:lstStyle/>
+          <a:p>
+            <a:fld id="{B2515E32-AEC1-A643-BA35-1EE2E73D4B01}" type="slidenum">
+              <a:rPr lang="es-ES" smtClean="0"/>
+              <a:pPr/>
+              <a:t>2</a:t>
+            </a:fld>
+            <a:endParaRPr lang="es-ES"/>
           </a:p>
         </p:txBody>
       </p:sp>
@@ -8388,13 +11032,6 @@
   <p:clrMapOvr>
     <a:masterClrMapping/>
   </p:clrMapOvr>
-  <p:timing>
-    <p:tnLst>
-      <p:par>
-        <p:cTn id="1" dur="indefinite" restart="never" nodeType="tmRoot"/>
-      </p:par>
-    </p:tnLst>
-  </p:timing>
 </p:sld>
 </file>
 
@@ -10064,16 +12701,12 @@
           <a:lstStyle/>
           <a:p>
             <a:r>
-              <a:rPr lang="en-US" sz="2400" dirty="0" smtClean="0">
+              <a:rPr lang="en-US" sz="2400" dirty="0">
                 <a:latin typeface="Trebuchet MS"/>
                 <a:cs typeface="Trebuchet MS"/>
               </a:rPr>
               <a:t>Training data</a:t>
             </a:r>
-            <a:endParaRPr lang="en-US" sz="2400" dirty="0">
-              <a:latin typeface="Trebuchet MS"/>
-              <a:cs typeface="Trebuchet MS"/>
-            </a:endParaRPr>
           </a:p>
         </p:txBody>
       </p:sp>
@@ -10100,16 +12733,70 @@
           <a:lstStyle/>
           <a:p>
             <a:r>
-              <a:rPr lang="en-US" sz="2400" dirty="0" smtClean="0">
+              <a:rPr lang="en-US" sz="2400" dirty="0">
                 <a:latin typeface="Trebuchet MS"/>
                 <a:cs typeface="Trebuchet MS"/>
               </a:rPr>
               <a:t>DMIN: Minimal Distance</a:t>
             </a:r>
-            <a:endParaRPr lang="en-US" sz="2400" dirty="0">
-              <a:latin typeface="Trebuchet MS"/>
-              <a:cs typeface="Trebuchet MS"/>
-            </a:endParaRPr>
+          </a:p>
+        </p:txBody>
+      </p:sp>
+      <p:sp>
+        <p:nvSpPr>
+          <p:cNvPr id="4" name="Footer Placeholder 3">
+            <a:extLst>
+              <a:ext uri="{FF2B5EF4-FFF2-40B4-BE49-F238E27FC236}">
+                <a16:creationId xmlns:a16="http://schemas.microsoft.com/office/drawing/2014/main" id="{BBCE3A09-19E1-5A4B-83E4-AEA89526D1A4}"/>
+              </a:ext>
+            </a:extLst>
+          </p:cNvPr>
+          <p:cNvSpPr>
+            <a:spLocks noGrp="1"/>
+          </p:cNvSpPr>
+          <p:nvPr>
+            <p:ph type="ftr" sz="quarter" idx="11"/>
+          </p:nvPr>
+        </p:nvSpPr>
+        <p:spPr/>
+        <p:txBody>
+          <a:bodyPr/>
+          <a:lstStyle/>
+          <a:p>
+            <a:r>
+              <a:rPr lang="es-ES"/>
+              <a:t>PAT04_dmin.pptx</a:t>
+            </a:r>
+          </a:p>
+        </p:txBody>
+      </p:sp>
+      <p:sp>
+        <p:nvSpPr>
+          <p:cNvPr id="5" name="Slide Number Placeholder 4">
+            <a:extLst>
+              <a:ext uri="{FF2B5EF4-FFF2-40B4-BE49-F238E27FC236}">
+                <a16:creationId xmlns:a16="http://schemas.microsoft.com/office/drawing/2014/main" id="{962B6300-597D-0446-8FC4-A7B12CE1AA85}"/>
+              </a:ext>
+            </a:extLst>
+          </p:cNvPr>
+          <p:cNvSpPr>
+            <a:spLocks noGrp="1"/>
+          </p:cNvSpPr>
+          <p:nvPr>
+            <p:ph type="sldNum" sz="quarter" idx="12"/>
+          </p:nvPr>
+        </p:nvSpPr>
+        <p:spPr/>
+        <p:txBody>
+          <a:bodyPr/>
+          <a:lstStyle/>
+          <a:p>
+            <a:fld id="{B2515E32-AEC1-A643-BA35-1EE2E73D4B01}" type="slidenum">
+              <a:rPr lang="es-ES" smtClean="0"/>
+              <a:pPr/>
+              <a:t>3</a:t>
+            </a:fld>
+            <a:endParaRPr lang="es-ES"/>
           </a:p>
         </p:txBody>
       </p:sp>
@@ -10123,13 +12810,6 @@
   <p:clrMapOvr>
     <a:masterClrMapping/>
   </p:clrMapOvr>
-  <p:timing>
-    <p:tnLst>
-      <p:par>
-        <p:cTn id="1" dur="indefinite" restart="never" nodeType="tmRoot"/>
-      </p:par>
-    </p:tnLst>
-  </p:timing>
 </p:sld>
 </file>
 
@@ -11784,16 +14464,12 @@
           <a:lstStyle/>
           <a:p>
             <a:r>
-              <a:rPr lang="en-US" sz="2400" dirty="0" smtClean="0">
+              <a:rPr lang="en-US" sz="2400" dirty="0">
                 <a:latin typeface="Trebuchet MS"/>
                 <a:cs typeface="Trebuchet MS"/>
               </a:rPr>
               <a:t>Training data</a:t>
             </a:r>
-            <a:endParaRPr lang="en-US" sz="2400" dirty="0">
-              <a:latin typeface="Trebuchet MS"/>
-              <a:cs typeface="Trebuchet MS"/>
-            </a:endParaRPr>
           </a:p>
         </p:txBody>
       </p:sp>
@@ -11864,16 +14540,12 @@
           <a:lstStyle/>
           <a:p>
             <a:r>
-              <a:rPr lang="en-US" sz="2400" dirty="0" smtClean="0">
+              <a:rPr lang="en-US" sz="2400" dirty="0">
                 <a:latin typeface="Trebuchet MS"/>
                 <a:cs typeface="Trebuchet MS"/>
               </a:rPr>
               <a:t>Testing data</a:t>
             </a:r>
-            <a:endParaRPr lang="en-US" sz="2400" dirty="0">
-              <a:latin typeface="Trebuchet MS"/>
-              <a:cs typeface="Trebuchet MS"/>
-            </a:endParaRPr>
           </a:p>
         </p:txBody>
       </p:sp>
@@ -11936,16 +14608,12 @@
           <a:lstStyle/>
           <a:p>
             <a:r>
-              <a:rPr lang="en-US" sz="2400" dirty="0" smtClean="0">
+              <a:rPr lang="en-US" sz="2400" dirty="0">
                 <a:latin typeface="Trebuchet MS"/>
                 <a:cs typeface="Trebuchet MS"/>
               </a:rPr>
               <a:t>?</a:t>
             </a:r>
-            <a:endParaRPr lang="en-US" sz="2400" dirty="0">
-              <a:latin typeface="Trebuchet MS"/>
-              <a:cs typeface="Trebuchet MS"/>
-            </a:endParaRPr>
           </a:p>
         </p:txBody>
       </p:sp>
@@ -11972,16 +14640,70 @@
           <a:lstStyle/>
           <a:p>
             <a:r>
-              <a:rPr lang="en-US" sz="2400" dirty="0" smtClean="0">
+              <a:rPr lang="en-US" sz="2400" dirty="0">
                 <a:latin typeface="Trebuchet MS"/>
                 <a:cs typeface="Trebuchet MS"/>
               </a:rPr>
               <a:t>DMIN: Minimal Distance (two classes)</a:t>
             </a:r>
-            <a:endParaRPr lang="en-US" sz="2400" dirty="0">
-              <a:latin typeface="Trebuchet MS"/>
-              <a:cs typeface="Trebuchet MS"/>
-            </a:endParaRPr>
+          </a:p>
+        </p:txBody>
+      </p:sp>
+      <p:sp>
+        <p:nvSpPr>
+          <p:cNvPr id="3" name="Footer Placeholder 2">
+            <a:extLst>
+              <a:ext uri="{FF2B5EF4-FFF2-40B4-BE49-F238E27FC236}">
+                <a16:creationId xmlns:a16="http://schemas.microsoft.com/office/drawing/2014/main" id="{8E2F378D-01B9-694D-AECD-B72916EF39F1}"/>
+              </a:ext>
+            </a:extLst>
+          </p:cNvPr>
+          <p:cNvSpPr>
+            <a:spLocks noGrp="1"/>
+          </p:cNvSpPr>
+          <p:nvPr>
+            <p:ph type="ftr" sz="quarter" idx="11"/>
+          </p:nvPr>
+        </p:nvSpPr>
+        <p:spPr/>
+        <p:txBody>
+          <a:bodyPr/>
+          <a:lstStyle/>
+          <a:p>
+            <a:r>
+              <a:rPr lang="es-ES"/>
+              <a:t>PAT04_dmin.pptx</a:t>
+            </a:r>
+          </a:p>
+        </p:txBody>
+      </p:sp>
+      <p:sp>
+        <p:nvSpPr>
+          <p:cNvPr id="4" name="Slide Number Placeholder 3">
+            <a:extLst>
+              <a:ext uri="{FF2B5EF4-FFF2-40B4-BE49-F238E27FC236}">
+                <a16:creationId xmlns:a16="http://schemas.microsoft.com/office/drawing/2014/main" id="{B8A2249B-7933-3949-B21C-0ABF54E452F6}"/>
+              </a:ext>
+            </a:extLst>
+          </p:cNvPr>
+          <p:cNvSpPr>
+            <a:spLocks noGrp="1"/>
+          </p:cNvSpPr>
+          <p:nvPr>
+            <p:ph type="sldNum" sz="quarter" idx="12"/>
+          </p:nvPr>
+        </p:nvSpPr>
+        <p:spPr/>
+        <p:txBody>
+          <a:bodyPr/>
+          <a:lstStyle/>
+          <a:p>
+            <a:fld id="{B2515E32-AEC1-A643-BA35-1EE2E73D4B01}" type="slidenum">
+              <a:rPr lang="es-ES" smtClean="0"/>
+              <a:pPr/>
+              <a:t>4</a:t>
+            </a:fld>
+            <a:endParaRPr lang="es-ES"/>
           </a:p>
         </p:txBody>
       </p:sp>
@@ -11995,13 +14717,6 @@
   <p:clrMapOvr>
     <a:masterClrMapping/>
   </p:clrMapOvr>
-  <p:timing>
-    <p:tnLst>
-      <p:par>
-        <p:cTn id="1" dur="indefinite" restart="never" nodeType="tmRoot"/>
-      </p:par>
-    </p:tnLst>
-  </p:timing>
 </p:sld>
 </file>
 
@@ -13611,7 +16326,7 @@
           <a:lstStyle/>
           <a:p>
             <a:r>
-              <a:rPr lang="en-US" b="1" dirty="0" smtClean="0">
+              <a:rPr lang="en-US" b="1" dirty="0">
                 <a:latin typeface="Trebuchet MS"/>
                 <a:cs typeface="Trebuchet MS"/>
               </a:rPr>
@@ -13693,16 +16408,12 @@
           <a:lstStyle/>
           <a:p>
             <a:r>
-              <a:rPr lang="en-US" sz="2400" dirty="0" smtClean="0">
+              <a:rPr lang="en-US" sz="2400" dirty="0">
                 <a:latin typeface="Trebuchet MS"/>
                 <a:cs typeface="Trebuchet MS"/>
               </a:rPr>
               <a:t>Testing data</a:t>
             </a:r>
-            <a:endParaRPr lang="en-US" sz="2400" dirty="0">
-              <a:latin typeface="Trebuchet MS"/>
-              <a:cs typeface="Trebuchet MS"/>
-            </a:endParaRPr>
           </a:p>
         </p:txBody>
       </p:sp>
@@ -13764,16 +16475,70 @@
           <a:lstStyle/>
           <a:p>
             <a:r>
-              <a:rPr lang="en-US" sz="2400" dirty="0" smtClean="0">
+              <a:rPr lang="en-US" sz="2400" dirty="0">
                 <a:latin typeface="Trebuchet MS"/>
                 <a:cs typeface="Trebuchet MS"/>
               </a:rPr>
               <a:t>DMIN: Minimal Distance (two classes)</a:t>
             </a:r>
-            <a:endParaRPr lang="en-US" sz="2400" dirty="0">
-              <a:latin typeface="Trebuchet MS"/>
-              <a:cs typeface="Trebuchet MS"/>
-            </a:endParaRPr>
+          </a:p>
+        </p:txBody>
+      </p:sp>
+      <p:sp>
+        <p:nvSpPr>
+          <p:cNvPr id="2" name="Footer Placeholder 1">
+            <a:extLst>
+              <a:ext uri="{FF2B5EF4-FFF2-40B4-BE49-F238E27FC236}">
+                <a16:creationId xmlns:a16="http://schemas.microsoft.com/office/drawing/2014/main" id="{1BA5435C-E727-5140-89B1-B281DB00B8BE}"/>
+              </a:ext>
+            </a:extLst>
+          </p:cNvPr>
+          <p:cNvSpPr>
+            <a:spLocks noGrp="1"/>
+          </p:cNvSpPr>
+          <p:nvPr>
+            <p:ph type="ftr" sz="quarter" idx="11"/>
+          </p:nvPr>
+        </p:nvSpPr>
+        <p:spPr/>
+        <p:txBody>
+          <a:bodyPr/>
+          <a:lstStyle/>
+          <a:p>
+            <a:r>
+              <a:rPr lang="es-ES"/>
+              <a:t>PAT04_dmin.pptx</a:t>
+            </a:r>
+          </a:p>
+        </p:txBody>
+      </p:sp>
+      <p:sp>
+        <p:nvSpPr>
+          <p:cNvPr id="3" name="Slide Number Placeholder 2">
+            <a:extLst>
+              <a:ext uri="{FF2B5EF4-FFF2-40B4-BE49-F238E27FC236}">
+                <a16:creationId xmlns:a16="http://schemas.microsoft.com/office/drawing/2014/main" id="{1778CD09-180A-A24A-A397-8657F9490908}"/>
+              </a:ext>
+            </a:extLst>
+          </p:cNvPr>
+          <p:cNvSpPr>
+            <a:spLocks noGrp="1"/>
+          </p:cNvSpPr>
+          <p:nvPr>
+            <p:ph type="sldNum" sz="quarter" idx="12"/>
+          </p:nvPr>
+        </p:nvSpPr>
+        <p:spPr/>
+        <p:txBody>
+          <a:bodyPr/>
+          <a:lstStyle/>
+          <a:p>
+            <a:fld id="{B2515E32-AEC1-A643-BA35-1EE2E73D4B01}" type="slidenum">
+              <a:rPr lang="es-ES" smtClean="0"/>
+              <a:pPr/>
+              <a:t>5</a:t>
+            </a:fld>
+            <a:endParaRPr lang="es-ES"/>
           </a:p>
         </p:txBody>
       </p:sp>
@@ -13787,13 +16552,6 @@
   <p:clrMapOvr>
     <a:masterClrMapping/>
   </p:clrMapOvr>
-  <p:timing>
-    <p:tnLst>
-      <p:par>
-        <p:cTn id="1" dur="indefinite" restart="never" nodeType="tmRoot"/>
-      </p:par>
-    </p:tnLst>
-  </p:timing>
 </p:sld>
 </file>
 
@@ -15388,7 +18146,7 @@
           <a:lstStyle/>
           <a:p>
             <a:r>
-              <a:rPr lang="en-US" b="1" dirty="0" smtClean="0">
+              <a:rPr lang="en-US" b="1" dirty="0">
                 <a:latin typeface="Trebuchet MS"/>
                 <a:cs typeface="Trebuchet MS"/>
               </a:rPr>
@@ -15396,7 +18154,7 @@
             </a:r>
           </a:p>
           <a:p>
-            <a:endParaRPr lang="en-US" dirty="0" smtClean="0">
+            <a:endParaRPr lang="en-US" dirty="0">
               <a:latin typeface="Trebuchet MS"/>
               <a:cs typeface="Trebuchet MS"/>
             </a:endParaRPr>
@@ -15407,19 +18165,8 @@
                 <a:latin typeface="Trebuchet MS"/>
                 <a:cs typeface="Trebuchet MS"/>
               </a:rPr>
-              <a:t>1. </a:t>
+              <a:t>1. Centers of mass of each class</a:t>
             </a:r>
-            <a:r>
-              <a:rPr lang="en-US" dirty="0" smtClean="0">
-                <a:latin typeface="Trebuchet MS"/>
-                <a:cs typeface="Trebuchet MS"/>
-              </a:rPr>
-              <a:t>Centers of mass of each class</a:t>
-            </a:r>
-            <a:endParaRPr lang="en-US" dirty="0">
-              <a:latin typeface="Trebuchet MS"/>
-              <a:cs typeface="Trebuchet MS"/>
-            </a:endParaRPr>
           </a:p>
           <a:p>
             <a:endParaRPr lang="en-US" dirty="0">
@@ -15496,16 +18243,12 @@
           <a:lstStyle/>
           <a:p>
             <a:r>
-              <a:rPr lang="en-US" sz="2400" dirty="0" smtClean="0">
+              <a:rPr lang="en-US" sz="2400" dirty="0">
                 <a:latin typeface="Trebuchet MS"/>
                 <a:cs typeface="Trebuchet MS"/>
               </a:rPr>
               <a:t>Testing data</a:t>
             </a:r>
-            <a:endParaRPr lang="en-US" sz="2400" dirty="0">
-              <a:latin typeface="Trebuchet MS"/>
-              <a:cs typeface="Trebuchet MS"/>
-            </a:endParaRPr>
           </a:p>
         </p:txBody>
       </p:sp>
@@ -15567,16 +18310,12 @@
           <a:lstStyle/>
           <a:p>
             <a:r>
-              <a:rPr lang="en-US" sz="2400" dirty="0" smtClean="0">
+              <a:rPr lang="en-US" sz="2400" dirty="0">
                 <a:latin typeface="Trebuchet MS"/>
                 <a:cs typeface="Trebuchet MS"/>
               </a:rPr>
               <a:t>DMIN: Minimal Distance (two classes)</a:t>
             </a:r>
-            <a:endParaRPr lang="en-US" sz="2400" dirty="0">
-              <a:latin typeface="Trebuchet MS"/>
-              <a:cs typeface="Trebuchet MS"/>
-            </a:endParaRPr>
           </a:p>
         </p:txBody>
       </p:sp>
@@ -15676,6 +18415,64 @@
           </a:p>
         </p:txBody>
       </p:sp>
+      <p:sp>
+        <p:nvSpPr>
+          <p:cNvPr id="4" name="Footer Placeholder 3">
+            <a:extLst>
+              <a:ext uri="{FF2B5EF4-FFF2-40B4-BE49-F238E27FC236}">
+                <a16:creationId xmlns:a16="http://schemas.microsoft.com/office/drawing/2014/main" id="{0B5817CC-8425-B940-A449-3D75557CFE85}"/>
+              </a:ext>
+            </a:extLst>
+          </p:cNvPr>
+          <p:cNvSpPr>
+            <a:spLocks noGrp="1"/>
+          </p:cNvSpPr>
+          <p:nvPr>
+            <p:ph type="ftr" sz="quarter" idx="11"/>
+          </p:nvPr>
+        </p:nvSpPr>
+        <p:spPr/>
+        <p:txBody>
+          <a:bodyPr/>
+          <a:lstStyle/>
+          <a:p>
+            <a:r>
+              <a:rPr lang="es-ES"/>
+              <a:t>PAT04_dmin.pptx</a:t>
+            </a:r>
+          </a:p>
+        </p:txBody>
+      </p:sp>
+      <p:sp>
+        <p:nvSpPr>
+          <p:cNvPr id="5" name="Slide Number Placeholder 4">
+            <a:extLst>
+              <a:ext uri="{FF2B5EF4-FFF2-40B4-BE49-F238E27FC236}">
+                <a16:creationId xmlns:a16="http://schemas.microsoft.com/office/drawing/2014/main" id="{4A3A1CF6-69F7-444B-AD35-5FF122201383}"/>
+              </a:ext>
+            </a:extLst>
+          </p:cNvPr>
+          <p:cNvSpPr>
+            <a:spLocks noGrp="1"/>
+          </p:cNvSpPr>
+          <p:nvPr>
+            <p:ph type="sldNum" sz="quarter" idx="12"/>
+          </p:nvPr>
+        </p:nvSpPr>
+        <p:spPr/>
+        <p:txBody>
+          <a:bodyPr/>
+          <a:lstStyle/>
+          <a:p>
+            <a:fld id="{B2515E32-AEC1-A643-BA35-1EE2E73D4B01}" type="slidenum">
+              <a:rPr lang="es-ES" smtClean="0"/>
+              <a:pPr/>
+              <a:t>6</a:t>
+            </a:fld>
+            <a:endParaRPr lang="es-ES"/>
+          </a:p>
+        </p:txBody>
+      </p:sp>
     </p:spTree>
     <p:extLst>
       <p:ext uri="{BB962C8B-B14F-4D97-AF65-F5344CB8AC3E}">
@@ -15686,13 +18483,6 @@
   <p:clrMapOvr>
     <a:masterClrMapping/>
   </p:clrMapOvr>
-  <p:timing>
-    <p:tnLst>
-      <p:par>
-        <p:cTn id="1" dur="indefinite" restart="never" nodeType="tmRoot"/>
-      </p:par>
-    </p:tnLst>
-  </p:timing>
 </p:sld>
 </file>
 
@@ -15736,7 +18526,7 @@
           <a:lstStyle/>
           <a:p>
             <a:r>
-              <a:rPr lang="en-US" b="1" dirty="0" smtClean="0">
+              <a:rPr lang="en-US" b="1" dirty="0">
                 <a:latin typeface="Trebuchet MS"/>
                 <a:cs typeface="Trebuchet MS"/>
               </a:rPr>
@@ -15744,7 +18534,7 @@
             </a:r>
           </a:p>
           <a:p>
-            <a:endParaRPr lang="en-US" dirty="0" smtClean="0">
+            <a:endParaRPr lang="en-US" dirty="0">
               <a:latin typeface="Trebuchet MS"/>
               <a:cs typeface="Trebuchet MS"/>
             </a:endParaRPr>
@@ -15755,19 +18545,8 @@
                 <a:latin typeface="Trebuchet MS"/>
                 <a:cs typeface="Trebuchet MS"/>
               </a:rPr>
-              <a:t>1. </a:t>
+              <a:t>1. Centers of mass of each class</a:t>
             </a:r>
-            <a:r>
-              <a:rPr lang="en-US" dirty="0" smtClean="0">
-                <a:latin typeface="Trebuchet MS"/>
-                <a:cs typeface="Trebuchet MS"/>
-              </a:rPr>
-              <a:t>Centers of mass of each class</a:t>
-            </a:r>
-            <a:endParaRPr lang="en-US" dirty="0">
-              <a:latin typeface="Trebuchet MS"/>
-              <a:cs typeface="Trebuchet MS"/>
-            </a:endParaRPr>
           </a:p>
           <a:p>
             <a:endParaRPr lang="en-US" dirty="0">
@@ -15844,16 +18623,12 @@
           <a:lstStyle/>
           <a:p>
             <a:r>
-              <a:rPr lang="en-US" sz="2400" dirty="0" smtClean="0">
+              <a:rPr lang="en-US" sz="2400" dirty="0">
                 <a:latin typeface="Trebuchet MS"/>
                 <a:cs typeface="Trebuchet MS"/>
               </a:rPr>
               <a:t>Testing data</a:t>
             </a:r>
-            <a:endParaRPr lang="en-US" sz="2400" dirty="0">
-              <a:latin typeface="Trebuchet MS"/>
-              <a:cs typeface="Trebuchet MS"/>
-            </a:endParaRPr>
           </a:p>
         </p:txBody>
       </p:sp>
@@ -15915,16 +18690,12 @@
           <a:lstStyle/>
           <a:p>
             <a:r>
-              <a:rPr lang="en-US" sz="2400" dirty="0" smtClean="0">
+              <a:rPr lang="en-US" sz="2400" dirty="0">
                 <a:latin typeface="Trebuchet MS"/>
                 <a:cs typeface="Trebuchet MS"/>
               </a:rPr>
               <a:t>DMIN: Minimal Distance (two classes)</a:t>
             </a:r>
-            <a:endParaRPr lang="en-US" sz="2400" dirty="0">
-              <a:latin typeface="Trebuchet MS"/>
-              <a:cs typeface="Trebuchet MS"/>
-            </a:endParaRPr>
           </a:p>
         </p:txBody>
       </p:sp>
@@ -16024,6 +18795,64 @@
           </a:p>
         </p:txBody>
       </p:sp>
+      <p:sp>
+        <p:nvSpPr>
+          <p:cNvPr id="2" name="Footer Placeholder 1">
+            <a:extLst>
+              <a:ext uri="{FF2B5EF4-FFF2-40B4-BE49-F238E27FC236}">
+                <a16:creationId xmlns:a16="http://schemas.microsoft.com/office/drawing/2014/main" id="{173483A2-8E8F-B946-9AB1-A909B3054A43}"/>
+              </a:ext>
+            </a:extLst>
+          </p:cNvPr>
+          <p:cNvSpPr>
+            <a:spLocks noGrp="1"/>
+          </p:cNvSpPr>
+          <p:nvPr>
+            <p:ph type="ftr" sz="quarter" idx="11"/>
+          </p:nvPr>
+        </p:nvSpPr>
+        <p:spPr/>
+        <p:txBody>
+          <a:bodyPr/>
+          <a:lstStyle/>
+          <a:p>
+            <a:r>
+              <a:rPr lang="es-ES"/>
+              <a:t>PAT04_dmin.pptx</a:t>
+            </a:r>
+          </a:p>
+        </p:txBody>
+      </p:sp>
+      <p:sp>
+        <p:nvSpPr>
+          <p:cNvPr id="3" name="Slide Number Placeholder 2">
+            <a:extLst>
+              <a:ext uri="{FF2B5EF4-FFF2-40B4-BE49-F238E27FC236}">
+                <a16:creationId xmlns:a16="http://schemas.microsoft.com/office/drawing/2014/main" id="{DD7CE54F-1289-FF4D-8427-546A5C4D5ED0}"/>
+              </a:ext>
+            </a:extLst>
+          </p:cNvPr>
+          <p:cNvSpPr>
+            <a:spLocks noGrp="1"/>
+          </p:cNvSpPr>
+          <p:nvPr>
+            <p:ph type="sldNum" sz="quarter" idx="12"/>
+          </p:nvPr>
+        </p:nvSpPr>
+        <p:spPr/>
+        <p:txBody>
+          <a:bodyPr/>
+          <a:lstStyle/>
+          <a:p>
+            <a:fld id="{B2515E32-AEC1-A643-BA35-1EE2E73D4B01}" type="slidenum">
+              <a:rPr lang="es-ES" smtClean="0"/>
+              <a:pPr/>
+              <a:t>7</a:t>
+            </a:fld>
+            <a:endParaRPr lang="es-ES"/>
+          </a:p>
+        </p:txBody>
+      </p:sp>
     </p:spTree>
     <p:extLst>
       <p:ext uri="{BB962C8B-B14F-4D97-AF65-F5344CB8AC3E}">
@@ -16034,13 +18863,6 @@
   <p:clrMapOvr>
     <a:masterClrMapping/>
   </p:clrMapOvr>
-  <p:timing>
-    <p:tnLst>
-      <p:par>
-        <p:cTn id="1" dur="indefinite" restart="never" nodeType="tmRoot"/>
-      </p:par>
-    </p:tnLst>
-  </p:timing>
 </p:sld>
 </file>
 
@@ -16084,7 +18906,7 @@
           <a:lstStyle/>
           <a:p>
             <a:r>
-              <a:rPr lang="en-US" b="1" dirty="0" smtClean="0">
+              <a:rPr lang="en-US" b="1" dirty="0">
                 <a:latin typeface="Trebuchet MS"/>
                 <a:cs typeface="Trebuchet MS"/>
               </a:rPr>
@@ -16092,7 +18914,7 @@
             </a:r>
           </a:p>
           <a:p>
-            <a:endParaRPr lang="en-US" dirty="0" smtClean="0">
+            <a:endParaRPr lang="en-US" dirty="0">
               <a:latin typeface="Trebuchet MS"/>
               <a:cs typeface="Trebuchet MS"/>
             </a:endParaRPr>
@@ -16103,32 +18925,17 @@
                 <a:latin typeface="Trebuchet MS"/>
                 <a:cs typeface="Trebuchet MS"/>
               </a:rPr>
-              <a:t>1. </a:t>
+              <a:t>1. Centers of mass of each class</a:t>
             </a:r>
+          </a:p>
+          <a:p>
             <a:r>
-              <a:rPr lang="en-US" dirty="0" smtClean="0">
-                <a:latin typeface="Trebuchet MS"/>
-                <a:cs typeface="Trebuchet MS"/>
-              </a:rPr>
-              <a:t>Centers of mass of each class</a:t>
-            </a:r>
-            <a:endParaRPr lang="en-US" dirty="0">
-              <a:latin typeface="Trebuchet MS"/>
-              <a:cs typeface="Trebuchet MS"/>
-            </a:endParaRPr>
-          </a:p>
-          <a:p>
-            <a:r>
-              <a:rPr lang="en-US" dirty="0" smtClean="0">
+              <a:rPr lang="en-US" dirty="0">
                 <a:latin typeface="Trebuchet MS"/>
                 <a:cs typeface="Trebuchet MS"/>
               </a:rPr>
               <a:t>2. Distances</a:t>
             </a:r>
-            <a:endParaRPr lang="en-US" dirty="0">
-              <a:latin typeface="Trebuchet MS"/>
-              <a:cs typeface="Trebuchet MS"/>
-            </a:endParaRPr>
           </a:p>
         </p:txBody>
       </p:sp>
@@ -16199,16 +19006,12 @@
           <a:lstStyle/>
           <a:p>
             <a:r>
-              <a:rPr lang="en-US" sz="2400" dirty="0" smtClean="0">
+              <a:rPr lang="en-US" sz="2400" dirty="0">
                 <a:latin typeface="Trebuchet MS"/>
                 <a:cs typeface="Trebuchet MS"/>
               </a:rPr>
               <a:t>Testing data</a:t>
             </a:r>
-            <a:endParaRPr lang="en-US" sz="2400" dirty="0">
-              <a:latin typeface="Trebuchet MS"/>
-              <a:cs typeface="Trebuchet MS"/>
-            </a:endParaRPr>
           </a:p>
         </p:txBody>
       </p:sp>
@@ -16270,16 +19073,12 @@
           <a:lstStyle/>
           <a:p>
             <a:r>
-              <a:rPr lang="en-US" sz="2400" dirty="0" smtClean="0">
+              <a:rPr lang="en-US" sz="2400" dirty="0">
                 <a:latin typeface="Trebuchet MS"/>
                 <a:cs typeface="Trebuchet MS"/>
               </a:rPr>
               <a:t>DMIN: Minimal Distance (two classes)</a:t>
             </a:r>
-            <a:endParaRPr lang="en-US" sz="2400" dirty="0">
-              <a:latin typeface="Trebuchet MS"/>
-              <a:cs typeface="Trebuchet MS"/>
-            </a:endParaRPr>
           </a:p>
         </p:txBody>
       </p:sp>
@@ -16484,14 +19283,14 @@
           <a:lstStyle/>
           <a:p>
             <a:r>
-              <a:rPr lang="en-US" dirty="0" err="1" smtClean="0">
+              <a:rPr lang="en-US" dirty="0" err="1">
                 <a:latin typeface="Trebuchet MS"/>
                 <a:cs typeface="Trebuchet MS"/>
               </a:rPr>
               <a:t>d</a:t>
             </a:r>
             <a:r>
-              <a:rPr lang="en-US" baseline="-25000" dirty="0" err="1" smtClean="0">
+              <a:rPr lang="en-US" baseline="-25000" dirty="0" err="1">
                 <a:latin typeface="Trebuchet MS"/>
                 <a:cs typeface="Trebuchet MS"/>
               </a:rPr>
@@ -16527,14 +19326,14 @@
           <a:lstStyle/>
           <a:p>
             <a:r>
-              <a:rPr lang="en-US" dirty="0" err="1" smtClean="0">
+              <a:rPr lang="en-US" dirty="0" err="1">
                 <a:latin typeface="Trebuchet MS"/>
                 <a:cs typeface="Trebuchet MS"/>
               </a:rPr>
               <a:t>d</a:t>
             </a:r>
             <a:r>
-              <a:rPr lang="en-US" baseline="-25000" dirty="0" err="1" smtClean="0">
+              <a:rPr lang="en-US" baseline="-25000" dirty="0" err="1">
                 <a:latin typeface="Trebuchet MS"/>
                 <a:cs typeface="Trebuchet MS"/>
               </a:rPr>
@@ -16544,6 +19343,64 @@
               <a:latin typeface="Trebuchet MS"/>
               <a:cs typeface="Trebuchet MS"/>
             </a:endParaRPr>
+          </a:p>
+        </p:txBody>
+      </p:sp>
+      <p:sp>
+        <p:nvSpPr>
+          <p:cNvPr id="2" name="Footer Placeholder 1">
+            <a:extLst>
+              <a:ext uri="{FF2B5EF4-FFF2-40B4-BE49-F238E27FC236}">
+                <a16:creationId xmlns:a16="http://schemas.microsoft.com/office/drawing/2014/main" id="{748A15B8-8DD9-C045-91C3-2FED999DD9DE}"/>
+              </a:ext>
+            </a:extLst>
+          </p:cNvPr>
+          <p:cNvSpPr>
+            <a:spLocks noGrp="1"/>
+          </p:cNvSpPr>
+          <p:nvPr>
+            <p:ph type="ftr" sz="quarter" idx="11"/>
+          </p:nvPr>
+        </p:nvSpPr>
+        <p:spPr/>
+        <p:txBody>
+          <a:bodyPr/>
+          <a:lstStyle/>
+          <a:p>
+            <a:r>
+              <a:rPr lang="es-ES"/>
+              <a:t>PAT04_dmin.pptx</a:t>
+            </a:r>
+          </a:p>
+        </p:txBody>
+      </p:sp>
+      <p:sp>
+        <p:nvSpPr>
+          <p:cNvPr id="3" name="Slide Number Placeholder 2">
+            <a:extLst>
+              <a:ext uri="{FF2B5EF4-FFF2-40B4-BE49-F238E27FC236}">
+                <a16:creationId xmlns:a16="http://schemas.microsoft.com/office/drawing/2014/main" id="{F1E03C05-8A4C-0E48-82D0-A95AFC0DA18A}"/>
+              </a:ext>
+            </a:extLst>
+          </p:cNvPr>
+          <p:cNvSpPr>
+            <a:spLocks noGrp="1"/>
+          </p:cNvSpPr>
+          <p:nvPr>
+            <p:ph type="sldNum" sz="quarter" idx="12"/>
+          </p:nvPr>
+        </p:nvSpPr>
+        <p:spPr/>
+        <p:txBody>
+          <a:bodyPr/>
+          <a:lstStyle/>
+          <a:p>
+            <a:fld id="{B2515E32-AEC1-A643-BA35-1EE2E73D4B01}" type="slidenum">
+              <a:rPr lang="es-ES" smtClean="0"/>
+              <a:pPr/>
+              <a:t>8</a:t>
+            </a:fld>
+            <a:endParaRPr lang="es-ES"/>
           </a:p>
         </p:txBody>
       </p:sp>
@@ -16557,13 +19414,6 @@
   <p:clrMapOvr>
     <a:masterClrMapping/>
   </p:clrMapOvr>
-  <p:timing>
-    <p:tnLst>
-      <p:par>
-        <p:cTn id="1" dur="indefinite" restart="never" nodeType="tmRoot"/>
-      </p:par>
-    </p:tnLst>
-  </p:timing>
 </p:sld>
 </file>
 
@@ -16652,7 +19502,7 @@
           <a:lstStyle/>
           <a:p>
             <a:r>
-              <a:rPr lang="en-US" b="1" dirty="0" smtClean="0">
+              <a:rPr lang="en-US" b="1" dirty="0">
                 <a:latin typeface="Trebuchet MS"/>
                 <a:cs typeface="Trebuchet MS"/>
               </a:rPr>
@@ -16660,7 +19510,7 @@
             </a:r>
           </a:p>
           <a:p>
-            <a:endParaRPr lang="en-US" dirty="0" smtClean="0">
+            <a:endParaRPr lang="en-US" dirty="0">
               <a:latin typeface="Trebuchet MS"/>
               <a:cs typeface="Trebuchet MS"/>
             </a:endParaRPr>
@@ -16671,23 +19521,12 @@
                 <a:latin typeface="Trebuchet MS"/>
                 <a:cs typeface="Trebuchet MS"/>
               </a:rPr>
-              <a:t>1. </a:t>
+              <a:t>1. Centers of mass of each class</a:t>
             </a:r>
+          </a:p>
+          <a:p>
             <a:r>
-              <a:rPr lang="en-US" dirty="0" smtClean="0">
-                <a:latin typeface="Trebuchet MS"/>
-                <a:cs typeface="Trebuchet MS"/>
-              </a:rPr>
-              <a:t>Centers of mass of each class</a:t>
-            </a:r>
-            <a:endParaRPr lang="en-US" dirty="0">
-              <a:latin typeface="Trebuchet MS"/>
-              <a:cs typeface="Trebuchet MS"/>
-            </a:endParaRPr>
-          </a:p>
-          <a:p>
-            <a:r>
-              <a:rPr lang="en-US" dirty="0" smtClean="0">
+              <a:rPr lang="en-US" dirty="0">
                 <a:latin typeface="Trebuchet MS"/>
                 <a:cs typeface="Trebuchet MS"/>
               </a:rPr>
@@ -16696,7 +19535,7 @@
           </a:p>
           <a:p>
             <a:r>
-              <a:rPr lang="en-US" dirty="0" smtClean="0">
+              <a:rPr lang="en-US" dirty="0">
                 <a:latin typeface="Trebuchet MS"/>
                 <a:cs typeface="Trebuchet MS"/>
               </a:rPr>
@@ -16706,36 +19545,25 @@
           <a:p>
             <a:r>
               <a:rPr lang="en-US" dirty="0">
+                <a:latin typeface="Trebuchet MS"/>
+                <a:cs typeface="Trebuchet MS"/>
+              </a:rPr>
+              <a:t>    </a:t>
+            </a:r>
+            <a:r>
+              <a:rPr lang="en-US" sz="800" dirty="0">
                 <a:latin typeface="Trebuchet MS"/>
                 <a:cs typeface="Trebuchet MS"/>
               </a:rPr>
               <a:t> </a:t>
             </a:r>
             <a:r>
-              <a:rPr lang="en-US" dirty="0" smtClean="0">
-                <a:latin typeface="Trebuchet MS"/>
-                <a:cs typeface="Trebuchet MS"/>
-              </a:rPr>
-              <a:t>   </a:t>
-            </a:r>
-            <a:r>
-              <a:rPr lang="en-US" sz="800" dirty="0" smtClean="0">
-                <a:latin typeface="Trebuchet MS"/>
-                <a:cs typeface="Trebuchet MS"/>
-              </a:rPr>
-              <a:t> </a:t>
-            </a:r>
-            <a:r>
-              <a:rPr lang="en-US" dirty="0" smtClean="0">
+              <a:rPr lang="en-US" dirty="0">
                 <a:latin typeface="Trebuchet MS"/>
                 <a:cs typeface="Trebuchet MS"/>
               </a:rPr>
               <a:t>distance</a:t>
             </a:r>
-            <a:endParaRPr lang="en-US" dirty="0">
-              <a:latin typeface="Trebuchet MS"/>
-              <a:cs typeface="Trebuchet MS"/>
-            </a:endParaRPr>
           </a:p>
         </p:txBody>
       </p:sp>
@@ -16806,16 +19634,12 @@
           <a:lstStyle/>
           <a:p>
             <a:r>
-              <a:rPr lang="en-US" sz="2400" dirty="0" smtClean="0">
+              <a:rPr lang="en-US" sz="2400" dirty="0">
                 <a:latin typeface="Trebuchet MS"/>
                 <a:cs typeface="Trebuchet MS"/>
               </a:rPr>
               <a:t>Testing data</a:t>
             </a:r>
-            <a:endParaRPr lang="en-US" sz="2400" dirty="0">
-              <a:latin typeface="Trebuchet MS"/>
-              <a:cs typeface="Trebuchet MS"/>
-            </a:endParaRPr>
           </a:p>
         </p:txBody>
       </p:sp>
@@ -16877,16 +19701,12 @@
           <a:lstStyle/>
           <a:p>
             <a:r>
-              <a:rPr lang="en-US" sz="2400" dirty="0" smtClean="0">
+              <a:rPr lang="en-US" sz="2400" dirty="0">
                 <a:latin typeface="Trebuchet MS"/>
                 <a:cs typeface="Trebuchet MS"/>
               </a:rPr>
               <a:t>DMIN: Minimal Distance (two classes)</a:t>
             </a:r>
-            <a:endParaRPr lang="en-US" sz="2400" dirty="0">
-              <a:latin typeface="Trebuchet MS"/>
-              <a:cs typeface="Trebuchet MS"/>
-            </a:endParaRPr>
           </a:p>
         </p:txBody>
       </p:sp>
@@ -17091,14 +19911,14 @@
           <a:lstStyle/>
           <a:p>
             <a:r>
-              <a:rPr lang="en-US" dirty="0" err="1" smtClean="0">
+              <a:rPr lang="en-US" dirty="0" err="1">
                 <a:latin typeface="Trebuchet MS"/>
                 <a:cs typeface="Trebuchet MS"/>
               </a:rPr>
               <a:t>d</a:t>
             </a:r>
             <a:r>
-              <a:rPr lang="en-US" baseline="-25000" dirty="0" err="1" smtClean="0">
+              <a:rPr lang="en-US" baseline="-25000" dirty="0" err="1">
                 <a:latin typeface="Trebuchet MS"/>
                 <a:cs typeface="Trebuchet MS"/>
               </a:rPr>
@@ -17134,14 +19954,14 @@
           <a:lstStyle/>
           <a:p>
             <a:r>
-              <a:rPr lang="en-US" dirty="0" err="1" smtClean="0">
+              <a:rPr lang="en-US" dirty="0" err="1">
                 <a:latin typeface="Trebuchet MS"/>
                 <a:cs typeface="Trebuchet MS"/>
               </a:rPr>
               <a:t>d</a:t>
             </a:r>
             <a:r>
-              <a:rPr lang="en-US" baseline="-25000" dirty="0" err="1" smtClean="0">
+              <a:rPr lang="en-US" baseline="-25000" dirty="0" err="1">
                 <a:latin typeface="Trebuchet MS"/>
                 <a:cs typeface="Trebuchet MS"/>
               </a:rPr>
@@ -17177,49 +19997,49 @@
           <a:lstStyle/>
           <a:p>
             <a:r>
-              <a:rPr lang="en-US" dirty="0" err="1" smtClean="0">
+              <a:rPr lang="en-US" dirty="0" err="1">
                 <a:latin typeface="Trebuchet MS"/>
                 <a:cs typeface="Trebuchet MS"/>
               </a:rPr>
               <a:t>d</a:t>
             </a:r>
             <a:r>
-              <a:rPr lang="en-US" baseline="-25000" dirty="0" err="1" smtClean="0">
+              <a:rPr lang="en-US" baseline="-25000" dirty="0" err="1">
                 <a:latin typeface="Trebuchet MS"/>
                 <a:cs typeface="Trebuchet MS"/>
               </a:rPr>
               <a:t>red</a:t>
             </a:r>
             <a:r>
-              <a:rPr lang="en-US" dirty="0" smtClean="0">
+              <a:rPr lang="en-US" dirty="0">
                 <a:latin typeface="Trebuchet MS"/>
                 <a:cs typeface="Trebuchet MS"/>
               </a:rPr>
               <a:t>&lt;</a:t>
             </a:r>
             <a:r>
-              <a:rPr lang="en-US" dirty="0" err="1" smtClean="0">
+              <a:rPr lang="en-US" dirty="0" err="1">
                 <a:latin typeface="Trebuchet MS"/>
                 <a:cs typeface="Trebuchet MS"/>
               </a:rPr>
               <a:t>d</a:t>
             </a:r>
             <a:r>
-              <a:rPr lang="en-US" baseline="-25000" dirty="0" err="1" smtClean="0">
+              <a:rPr lang="en-US" baseline="-25000" dirty="0" err="1">
                 <a:latin typeface="Trebuchet MS"/>
                 <a:cs typeface="Trebuchet MS"/>
               </a:rPr>
               <a:t>blue</a:t>
             </a:r>
             <a:r>
-              <a:rPr lang="en-US" baseline="-25000" dirty="0" smtClean="0">
+              <a:rPr lang="en-US" baseline="-25000" dirty="0">
                 <a:latin typeface="Trebuchet MS"/>
                 <a:cs typeface="Trebuchet MS"/>
               </a:rPr>
               <a:t> </a:t>
             </a:r>
             <a:r>
-              <a:rPr lang="en-US" dirty="0" smtClean="0">
+              <a:rPr lang="en-US" dirty="0">
                 <a:latin typeface="Wingdings"/>
                 <a:ea typeface="Wingdings"/>
                 <a:cs typeface="Wingdings"/>
@@ -17228,7 +20048,7 @@
               <a:t> </a:t>
             </a:r>
             <a:r>
-              <a:rPr lang="en-US" dirty="0" smtClean="0">
+              <a:rPr lang="en-US" dirty="0">
                 <a:latin typeface="Trebuchet MS"/>
                 <a:ea typeface="Wingdings"/>
                 <a:cs typeface="Trebuchet MS"/>
@@ -17240,6 +20060,64 @@
               <a:latin typeface="Trebuchet MS"/>
               <a:cs typeface="Trebuchet MS"/>
             </a:endParaRPr>
+          </a:p>
+        </p:txBody>
+      </p:sp>
+      <p:sp>
+        <p:nvSpPr>
+          <p:cNvPr id="2" name="Footer Placeholder 1">
+            <a:extLst>
+              <a:ext uri="{FF2B5EF4-FFF2-40B4-BE49-F238E27FC236}">
+                <a16:creationId xmlns:a16="http://schemas.microsoft.com/office/drawing/2014/main" id="{B0C8C9F8-5161-3144-B265-F126B5C5A41B}"/>
+              </a:ext>
+            </a:extLst>
+          </p:cNvPr>
+          <p:cNvSpPr>
+            <a:spLocks noGrp="1"/>
+          </p:cNvSpPr>
+          <p:nvPr>
+            <p:ph type="ftr" sz="quarter" idx="11"/>
+          </p:nvPr>
+        </p:nvSpPr>
+        <p:spPr/>
+        <p:txBody>
+          <a:bodyPr/>
+          <a:lstStyle/>
+          <a:p>
+            <a:r>
+              <a:rPr lang="es-ES"/>
+              <a:t>PAT04_dmin.pptx</a:t>
+            </a:r>
+          </a:p>
+        </p:txBody>
+      </p:sp>
+      <p:sp>
+        <p:nvSpPr>
+          <p:cNvPr id="3" name="Slide Number Placeholder 2">
+            <a:extLst>
+              <a:ext uri="{FF2B5EF4-FFF2-40B4-BE49-F238E27FC236}">
+                <a16:creationId xmlns:a16="http://schemas.microsoft.com/office/drawing/2014/main" id="{60CA1C3E-A802-794B-9866-06AB96A84FA5}"/>
+              </a:ext>
+            </a:extLst>
+          </p:cNvPr>
+          <p:cNvSpPr>
+            <a:spLocks noGrp="1"/>
+          </p:cNvSpPr>
+          <p:nvPr>
+            <p:ph type="sldNum" sz="quarter" idx="12"/>
+          </p:nvPr>
+        </p:nvSpPr>
+        <p:spPr/>
+        <p:txBody>
+          <a:bodyPr/>
+          <a:lstStyle/>
+          <a:p>
+            <a:fld id="{B2515E32-AEC1-A643-BA35-1EE2E73D4B01}" type="slidenum">
+              <a:rPr lang="es-ES" smtClean="0"/>
+              <a:pPr/>
+              <a:t>9</a:t>
+            </a:fld>
+            <a:endParaRPr lang="es-ES"/>
           </a:p>
         </p:txBody>
       </p:sp>
@@ -17253,13 +20131,6 @@
   <p:clrMapOvr>
     <a:masterClrMapping/>
   </p:clrMapOvr>
-  <p:timing>
-    <p:tnLst>
-      <p:par>
-        <p:cTn id="1" dur="indefinite" restart="never" nodeType="tmRoot"/>
-      </p:par>
-    </p:tnLst>
-  </p:timing>
 </p:sld>
 </file>
 

--- a/clases/Cap04_Clasificacion/presentations/PAT04_dmin.pptx
+++ b/clases/Cap04_Clasificacion/presentations/PAT04_dmin.pptx
@@ -6303,64 +6303,6 @@
           </a:p>
         </p:txBody>
       </p:sp>
-      <p:sp>
-        <p:nvSpPr>
-          <p:cNvPr id="2" name="Footer Placeholder 1">
-            <a:extLst>
-              <a:ext uri="{FF2B5EF4-FFF2-40B4-BE49-F238E27FC236}">
-                <a16:creationId xmlns:a16="http://schemas.microsoft.com/office/drawing/2014/main" id="{BE6BF7E9-31A2-7347-9C23-DC1A7057D003}"/>
-              </a:ext>
-            </a:extLst>
-          </p:cNvPr>
-          <p:cNvSpPr>
-            <a:spLocks noGrp="1"/>
-          </p:cNvSpPr>
-          <p:nvPr>
-            <p:ph type="ftr" sz="quarter" idx="11"/>
-          </p:nvPr>
-        </p:nvSpPr>
-        <p:spPr/>
-        <p:txBody>
-          <a:bodyPr/>
-          <a:lstStyle/>
-          <a:p>
-            <a:r>
-              <a:rPr lang="es-ES"/>
-              <a:t>PAT04_dmin.pptx</a:t>
-            </a:r>
-          </a:p>
-        </p:txBody>
-      </p:sp>
-      <p:sp>
-        <p:nvSpPr>
-          <p:cNvPr id="3" name="Slide Number Placeholder 2">
-            <a:extLst>
-              <a:ext uri="{FF2B5EF4-FFF2-40B4-BE49-F238E27FC236}">
-                <a16:creationId xmlns:a16="http://schemas.microsoft.com/office/drawing/2014/main" id="{36B4167D-87AB-9848-AC97-4913853F715F}"/>
-              </a:ext>
-            </a:extLst>
-          </p:cNvPr>
-          <p:cNvSpPr>
-            <a:spLocks noGrp="1"/>
-          </p:cNvSpPr>
-          <p:nvPr>
-            <p:ph type="sldNum" sz="quarter" idx="12"/>
-          </p:nvPr>
-        </p:nvSpPr>
-        <p:spPr/>
-        <p:txBody>
-          <a:bodyPr/>
-          <a:lstStyle/>
-          <a:p>
-            <a:fld id="{B2515E32-AEC1-A643-BA35-1EE2E73D4B01}" type="slidenum">
-              <a:rPr lang="es-ES" smtClean="0"/>
-              <a:pPr/>
-              <a:t>10</a:t>
-            </a:fld>
-            <a:endParaRPr lang="es-ES"/>
-          </a:p>
-        </p:txBody>
-      </p:sp>
     </p:spTree>
     <p:extLst>
       <p:ext uri="{BB962C8B-B14F-4D97-AF65-F5344CB8AC3E}">
@@ -8345,64 +8287,6 @@
           <a:p>
             <a:pPr algn="ctr"/>
             <a:endParaRPr lang="en-US"/>
-          </a:p>
-        </p:txBody>
-      </p:sp>
-      <p:sp>
-        <p:nvSpPr>
-          <p:cNvPr id="2" name="Footer Placeholder 1">
-            <a:extLst>
-              <a:ext uri="{FF2B5EF4-FFF2-40B4-BE49-F238E27FC236}">
-                <a16:creationId xmlns:a16="http://schemas.microsoft.com/office/drawing/2014/main" id="{05C9A75A-FCAD-2342-9E4D-2DA4BEEAA8F1}"/>
-              </a:ext>
-            </a:extLst>
-          </p:cNvPr>
-          <p:cNvSpPr>
-            <a:spLocks noGrp="1"/>
-          </p:cNvSpPr>
-          <p:nvPr>
-            <p:ph type="ftr" sz="quarter" idx="11"/>
-          </p:nvPr>
-        </p:nvSpPr>
-        <p:spPr/>
-        <p:txBody>
-          <a:bodyPr/>
-          <a:lstStyle/>
-          <a:p>
-            <a:r>
-              <a:rPr lang="es-ES"/>
-              <a:t>PAT04_dmin.pptx</a:t>
-            </a:r>
-          </a:p>
-        </p:txBody>
-      </p:sp>
-      <p:sp>
-        <p:nvSpPr>
-          <p:cNvPr id="3" name="Slide Number Placeholder 2">
-            <a:extLst>
-              <a:ext uri="{FF2B5EF4-FFF2-40B4-BE49-F238E27FC236}">
-                <a16:creationId xmlns:a16="http://schemas.microsoft.com/office/drawing/2014/main" id="{CA303A49-D9DC-4C4A-B2E7-2B45377CA865}"/>
-              </a:ext>
-            </a:extLst>
-          </p:cNvPr>
-          <p:cNvSpPr>
-            <a:spLocks noGrp="1"/>
-          </p:cNvSpPr>
-          <p:nvPr>
-            <p:ph type="sldNum" sz="quarter" idx="12"/>
-          </p:nvPr>
-        </p:nvSpPr>
-        <p:spPr/>
-        <p:txBody>
-          <a:bodyPr/>
-          <a:lstStyle/>
-          <a:p>
-            <a:fld id="{B2515E32-AEC1-A643-BA35-1EE2E73D4B01}" type="slidenum">
-              <a:rPr lang="es-ES" smtClean="0"/>
-              <a:pPr/>
-              <a:t>11</a:t>
-            </a:fld>
-            <a:endParaRPr lang="es-ES"/>
           </a:p>
         </p:txBody>
       </p:sp>
@@ -10329,64 +10213,6 @@
           </a:p>
         </p:txBody>
       </p:sp>
-      <p:sp>
-        <p:nvSpPr>
-          <p:cNvPr id="2" name="Footer Placeholder 1">
-            <a:extLst>
-              <a:ext uri="{FF2B5EF4-FFF2-40B4-BE49-F238E27FC236}">
-                <a16:creationId xmlns:a16="http://schemas.microsoft.com/office/drawing/2014/main" id="{05C9A75A-FCAD-2342-9E4D-2DA4BEEAA8F1}"/>
-              </a:ext>
-            </a:extLst>
-          </p:cNvPr>
-          <p:cNvSpPr>
-            <a:spLocks noGrp="1"/>
-          </p:cNvSpPr>
-          <p:nvPr>
-            <p:ph type="ftr" sz="quarter" idx="11"/>
-          </p:nvPr>
-        </p:nvSpPr>
-        <p:spPr/>
-        <p:txBody>
-          <a:bodyPr/>
-          <a:lstStyle/>
-          <a:p>
-            <a:r>
-              <a:rPr lang="es-ES"/>
-              <a:t>PAT04_dmin.pptx</a:t>
-            </a:r>
-          </a:p>
-        </p:txBody>
-      </p:sp>
-      <p:sp>
-        <p:nvSpPr>
-          <p:cNvPr id="3" name="Slide Number Placeholder 2">
-            <a:extLst>
-              <a:ext uri="{FF2B5EF4-FFF2-40B4-BE49-F238E27FC236}">
-                <a16:creationId xmlns:a16="http://schemas.microsoft.com/office/drawing/2014/main" id="{CA303A49-D9DC-4C4A-B2E7-2B45377CA865}"/>
-              </a:ext>
-            </a:extLst>
-          </p:cNvPr>
-          <p:cNvSpPr>
-            <a:spLocks noGrp="1"/>
-          </p:cNvSpPr>
-          <p:nvPr>
-            <p:ph type="sldNum" sz="quarter" idx="12"/>
-          </p:nvPr>
-        </p:nvSpPr>
-        <p:spPr/>
-        <p:txBody>
-          <a:bodyPr/>
-          <a:lstStyle/>
-          <a:p>
-            <a:fld id="{B2515E32-AEC1-A643-BA35-1EE2E73D4B01}" type="slidenum">
-              <a:rPr lang="es-ES" smtClean="0"/>
-              <a:pPr/>
-              <a:t>12</a:t>
-            </a:fld>
-            <a:endParaRPr lang="es-ES"/>
-          </a:p>
-        </p:txBody>
-      </p:sp>
       <p:cxnSp>
         <p:nvCxnSpPr>
           <p:cNvPr id="5" name="Straight Connector 4">
@@ -10961,64 +10787,6 @@
               </a:rPr>
               <a:t>DMIN: Minimal Distance</a:t>
             </a:r>
-          </a:p>
-        </p:txBody>
-      </p:sp>
-      <p:sp>
-        <p:nvSpPr>
-          <p:cNvPr id="2" name="Footer Placeholder 1">
-            <a:extLst>
-              <a:ext uri="{FF2B5EF4-FFF2-40B4-BE49-F238E27FC236}">
-                <a16:creationId xmlns:a16="http://schemas.microsoft.com/office/drawing/2014/main" id="{E03E44C5-6895-8242-8D4C-6ED9CBFF6395}"/>
-              </a:ext>
-            </a:extLst>
-          </p:cNvPr>
-          <p:cNvSpPr>
-            <a:spLocks noGrp="1"/>
-          </p:cNvSpPr>
-          <p:nvPr>
-            <p:ph type="ftr" sz="quarter" idx="11"/>
-          </p:nvPr>
-        </p:nvSpPr>
-        <p:spPr/>
-        <p:txBody>
-          <a:bodyPr/>
-          <a:lstStyle/>
-          <a:p>
-            <a:r>
-              <a:rPr lang="es-ES"/>
-              <a:t>PAT04_dmin.pptx</a:t>
-            </a:r>
-          </a:p>
-        </p:txBody>
-      </p:sp>
-      <p:sp>
-        <p:nvSpPr>
-          <p:cNvPr id="3" name="Slide Number Placeholder 2">
-            <a:extLst>
-              <a:ext uri="{FF2B5EF4-FFF2-40B4-BE49-F238E27FC236}">
-                <a16:creationId xmlns:a16="http://schemas.microsoft.com/office/drawing/2014/main" id="{4FE2348C-6058-A046-9C7D-5DAD46F44A8C}"/>
-              </a:ext>
-            </a:extLst>
-          </p:cNvPr>
-          <p:cNvSpPr>
-            <a:spLocks noGrp="1"/>
-          </p:cNvSpPr>
-          <p:nvPr>
-            <p:ph type="sldNum" sz="quarter" idx="12"/>
-          </p:nvPr>
-        </p:nvSpPr>
-        <p:spPr/>
-        <p:txBody>
-          <a:bodyPr/>
-          <a:lstStyle/>
-          <a:p>
-            <a:fld id="{B2515E32-AEC1-A643-BA35-1EE2E73D4B01}" type="slidenum">
-              <a:rPr lang="es-ES" smtClean="0"/>
-              <a:pPr/>
-              <a:t>2</a:t>
-            </a:fld>
-            <a:endParaRPr lang="es-ES"/>
           </a:p>
         </p:txBody>
       </p:sp>
@@ -12742,64 +12510,6 @@
           </a:p>
         </p:txBody>
       </p:sp>
-      <p:sp>
-        <p:nvSpPr>
-          <p:cNvPr id="4" name="Footer Placeholder 3">
-            <a:extLst>
-              <a:ext uri="{FF2B5EF4-FFF2-40B4-BE49-F238E27FC236}">
-                <a16:creationId xmlns:a16="http://schemas.microsoft.com/office/drawing/2014/main" id="{BBCE3A09-19E1-5A4B-83E4-AEA89526D1A4}"/>
-              </a:ext>
-            </a:extLst>
-          </p:cNvPr>
-          <p:cNvSpPr>
-            <a:spLocks noGrp="1"/>
-          </p:cNvSpPr>
-          <p:nvPr>
-            <p:ph type="ftr" sz="quarter" idx="11"/>
-          </p:nvPr>
-        </p:nvSpPr>
-        <p:spPr/>
-        <p:txBody>
-          <a:bodyPr/>
-          <a:lstStyle/>
-          <a:p>
-            <a:r>
-              <a:rPr lang="es-ES"/>
-              <a:t>PAT04_dmin.pptx</a:t>
-            </a:r>
-          </a:p>
-        </p:txBody>
-      </p:sp>
-      <p:sp>
-        <p:nvSpPr>
-          <p:cNvPr id="5" name="Slide Number Placeholder 4">
-            <a:extLst>
-              <a:ext uri="{FF2B5EF4-FFF2-40B4-BE49-F238E27FC236}">
-                <a16:creationId xmlns:a16="http://schemas.microsoft.com/office/drawing/2014/main" id="{962B6300-597D-0446-8FC4-A7B12CE1AA85}"/>
-              </a:ext>
-            </a:extLst>
-          </p:cNvPr>
-          <p:cNvSpPr>
-            <a:spLocks noGrp="1"/>
-          </p:cNvSpPr>
-          <p:nvPr>
-            <p:ph type="sldNum" sz="quarter" idx="12"/>
-          </p:nvPr>
-        </p:nvSpPr>
-        <p:spPr/>
-        <p:txBody>
-          <a:bodyPr/>
-          <a:lstStyle/>
-          <a:p>
-            <a:fld id="{B2515E32-AEC1-A643-BA35-1EE2E73D4B01}" type="slidenum">
-              <a:rPr lang="es-ES" smtClean="0"/>
-              <a:pPr/>
-              <a:t>3</a:t>
-            </a:fld>
-            <a:endParaRPr lang="es-ES"/>
-          </a:p>
-        </p:txBody>
-      </p:sp>
     </p:spTree>
     <p:extLst>
       <p:ext uri="{BB962C8B-B14F-4D97-AF65-F5344CB8AC3E}">
@@ -14646,64 +14356,6 @@
               </a:rPr>
               <a:t>DMIN: Minimal Distance (two classes)</a:t>
             </a:r>
-          </a:p>
-        </p:txBody>
-      </p:sp>
-      <p:sp>
-        <p:nvSpPr>
-          <p:cNvPr id="3" name="Footer Placeholder 2">
-            <a:extLst>
-              <a:ext uri="{FF2B5EF4-FFF2-40B4-BE49-F238E27FC236}">
-                <a16:creationId xmlns:a16="http://schemas.microsoft.com/office/drawing/2014/main" id="{8E2F378D-01B9-694D-AECD-B72916EF39F1}"/>
-              </a:ext>
-            </a:extLst>
-          </p:cNvPr>
-          <p:cNvSpPr>
-            <a:spLocks noGrp="1"/>
-          </p:cNvSpPr>
-          <p:nvPr>
-            <p:ph type="ftr" sz="quarter" idx="11"/>
-          </p:nvPr>
-        </p:nvSpPr>
-        <p:spPr/>
-        <p:txBody>
-          <a:bodyPr/>
-          <a:lstStyle/>
-          <a:p>
-            <a:r>
-              <a:rPr lang="es-ES"/>
-              <a:t>PAT04_dmin.pptx</a:t>
-            </a:r>
-          </a:p>
-        </p:txBody>
-      </p:sp>
-      <p:sp>
-        <p:nvSpPr>
-          <p:cNvPr id="4" name="Slide Number Placeholder 3">
-            <a:extLst>
-              <a:ext uri="{FF2B5EF4-FFF2-40B4-BE49-F238E27FC236}">
-                <a16:creationId xmlns:a16="http://schemas.microsoft.com/office/drawing/2014/main" id="{B8A2249B-7933-3949-B21C-0ABF54E452F6}"/>
-              </a:ext>
-            </a:extLst>
-          </p:cNvPr>
-          <p:cNvSpPr>
-            <a:spLocks noGrp="1"/>
-          </p:cNvSpPr>
-          <p:nvPr>
-            <p:ph type="sldNum" sz="quarter" idx="12"/>
-          </p:nvPr>
-        </p:nvSpPr>
-        <p:spPr/>
-        <p:txBody>
-          <a:bodyPr/>
-          <a:lstStyle/>
-          <a:p>
-            <a:fld id="{B2515E32-AEC1-A643-BA35-1EE2E73D4B01}" type="slidenum">
-              <a:rPr lang="es-ES" smtClean="0"/>
-              <a:pPr/>
-              <a:t>4</a:t>
-            </a:fld>
-            <a:endParaRPr lang="es-ES"/>
           </a:p>
         </p:txBody>
       </p:sp>
@@ -16481,64 +16133,6 @@
               </a:rPr>
               <a:t>DMIN: Minimal Distance (two classes)</a:t>
             </a:r>
-          </a:p>
-        </p:txBody>
-      </p:sp>
-      <p:sp>
-        <p:nvSpPr>
-          <p:cNvPr id="2" name="Footer Placeholder 1">
-            <a:extLst>
-              <a:ext uri="{FF2B5EF4-FFF2-40B4-BE49-F238E27FC236}">
-                <a16:creationId xmlns:a16="http://schemas.microsoft.com/office/drawing/2014/main" id="{1BA5435C-E727-5140-89B1-B281DB00B8BE}"/>
-              </a:ext>
-            </a:extLst>
-          </p:cNvPr>
-          <p:cNvSpPr>
-            <a:spLocks noGrp="1"/>
-          </p:cNvSpPr>
-          <p:nvPr>
-            <p:ph type="ftr" sz="quarter" idx="11"/>
-          </p:nvPr>
-        </p:nvSpPr>
-        <p:spPr/>
-        <p:txBody>
-          <a:bodyPr/>
-          <a:lstStyle/>
-          <a:p>
-            <a:r>
-              <a:rPr lang="es-ES"/>
-              <a:t>PAT04_dmin.pptx</a:t>
-            </a:r>
-          </a:p>
-        </p:txBody>
-      </p:sp>
-      <p:sp>
-        <p:nvSpPr>
-          <p:cNvPr id="3" name="Slide Number Placeholder 2">
-            <a:extLst>
-              <a:ext uri="{FF2B5EF4-FFF2-40B4-BE49-F238E27FC236}">
-                <a16:creationId xmlns:a16="http://schemas.microsoft.com/office/drawing/2014/main" id="{1778CD09-180A-A24A-A397-8657F9490908}"/>
-              </a:ext>
-            </a:extLst>
-          </p:cNvPr>
-          <p:cNvSpPr>
-            <a:spLocks noGrp="1"/>
-          </p:cNvSpPr>
-          <p:nvPr>
-            <p:ph type="sldNum" sz="quarter" idx="12"/>
-          </p:nvPr>
-        </p:nvSpPr>
-        <p:spPr/>
-        <p:txBody>
-          <a:bodyPr/>
-          <a:lstStyle/>
-          <a:p>
-            <a:fld id="{B2515E32-AEC1-A643-BA35-1EE2E73D4B01}" type="slidenum">
-              <a:rPr lang="es-ES" smtClean="0"/>
-              <a:pPr/>
-              <a:t>5</a:t>
-            </a:fld>
-            <a:endParaRPr lang="es-ES"/>
           </a:p>
         </p:txBody>
       </p:sp>
@@ -18415,64 +18009,6 @@
           </a:p>
         </p:txBody>
       </p:sp>
-      <p:sp>
-        <p:nvSpPr>
-          <p:cNvPr id="4" name="Footer Placeholder 3">
-            <a:extLst>
-              <a:ext uri="{FF2B5EF4-FFF2-40B4-BE49-F238E27FC236}">
-                <a16:creationId xmlns:a16="http://schemas.microsoft.com/office/drawing/2014/main" id="{0B5817CC-8425-B940-A449-3D75557CFE85}"/>
-              </a:ext>
-            </a:extLst>
-          </p:cNvPr>
-          <p:cNvSpPr>
-            <a:spLocks noGrp="1"/>
-          </p:cNvSpPr>
-          <p:nvPr>
-            <p:ph type="ftr" sz="quarter" idx="11"/>
-          </p:nvPr>
-        </p:nvSpPr>
-        <p:spPr/>
-        <p:txBody>
-          <a:bodyPr/>
-          <a:lstStyle/>
-          <a:p>
-            <a:r>
-              <a:rPr lang="es-ES"/>
-              <a:t>PAT04_dmin.pptx</a:t>
-            </a:r>
-          </a:p>
-        </p:txBody>
-      </p:sp>
-      <p:sp>
-        <p:nvSpPr>
-          <p:cNvPr id="5" name="Slide Number Placeholder 4">
-            <a:extLst>
-              <a:ext uri="{FF2B5EF4-FFF2-40B4-BE49-F238E27FC236}">
-                <a16:creationId xmlns:a16="http://schemas.microsoft.com/office/drawing/2014/main" id="{4A3A1CF6-69F7-444B-AD35-5FF122201383}"/>
-              </a:ext>
-            </a:extLst>
-          </p:cNvPr>
-          <p:cNvSpPr>
-            <a:spLocks noGrp="1"/>
-          </p:cNvSpPr>
-          <p:nvPr>
-            <p:ph type="sldNum" sz="quarter" idx="12"/>
-          </p:nvPr>
-        </p:nvSpPr>
-        <p:spPr/>
-        <p:txBody>
-          <a:bodyPr/>
-          <a:lstStyle/>
-          <a:p>
-            <a:fld id="{B2515E32-AEC1-A643-BA35-1EE2E73D4B01}" type="slidenum">
-              <a:rPr lang="es-ES" smtClean="0"/>
-              <a:pPr/>
-              <a:t>6</a:t>
-            </a:fld>
-            <a:endParaRPr lang="es-ES"/>
-          </a:p>
-        </p:txBody>
-      </p:sp>
     </p:spTree>
     <p:extLst>
       <p:ext uri="{BB962C8B-B14F-4D97-AF65-F5344CB8AC3E}">
@@ -18792,64 +18328,6 @@
           <a:p>
             <a:pPr algn="ctr"/>
             <a:endParaRPr lang="en-US"/>
-          </a:p>
-        </p:txBody>
-      </p:sp>
-      <p:sp>
-        <p:nvSpPr>
-          <p:cNvPr id="2" name="Footer Placeholder 1">
-            <a:extLst>
-              <a:ext uri="{FF2B5EF4-FFF2-40B4-BE49-F238E27FC236}">
-                <a16:creationId xmlns:a16="http://schemas.microsoft.com/office/drawing/2014/main" id="{173483A2-8E8F-B946-9AB1-A909B3054A43}"/>
-              </a:ext>
-            </a:extLst>
-          </p:cNvPr>
-          <p:cNvSpPr>
-            <a:spLocks noGrp="1"/>
-          </p:cNvSpPr>
-          <p:nvPr>
-            <p:ph type="ftr" sz="quarter" idx="11"/>
-          </p:nvPr>
-        </p:nvSpPr>
-        <p:spPr/>
-        <p:txBody>
-          <a:bodyPr/>
-          <a:lstStyle/>
-          <a:p>
-            <a:r>
-              <a:rPr lang="es-ES"/>
-              <a:t>PAT04_dmin.pptx</a:t>
-            </a:r>
-          </a:p>
-        </p:txBody>
-      </p:sp>
-      <p:sp>
-        <p:nvSpPr>
-          <p:cNvPr id="3" name="Slide Number Placeholder 2">
-            <a:extLst>
-              <a:ext uri="{FF2B5EF4-FFF2-40B4-BE49-F238E27FC236}">
-                <a16:creationId xmlns:a16="http://schemas.microsoft.com/office/drawing/2014/main" id="{DD7CE54F-1289-FF4D-8427-546A5C4D5ED0}"/>
-              </a:ext>
-            </a:extLst>
-          </p:cNvPr>
-          <p:cNvSpPr>
-            <a:spLocks noGrp="1"/>
-          </p:cNvSpPr>
-          <p:nvPr>
-            <p:ph type="sldNum" sz="quarter" idx="12"/>
-          </p:nvPr>
-        </p:nvSpPr>
-        <p:spPr/>
-        <p:txBody>
-          <a:bodyPr/>
-          <a:lstStyle/>
-          <a:p>
-            <a:fld id="{B2515E32-AEC1-A643-BA35-1EE2E73D4B01}" type="slidenum">
-              <a:rPr lang="es-ES" smtClean="0"/>
-              <a:pPr/>
-              <a:t>7</a:t>
-            </a:fld>
-            <a:endParaRPr lang="es-ES"/>
           </a:p>
         </p:txBody>
       </p:sp>
@@ -20060,64 +19538,6 @@
               <a:latin typeface="Trebuchet MS"/>
               <a:cs typeface="Trebuchet MS"/>
             </a:endParaRPr>
-          </a:p>
-        </p:txBody>
-      </p:sp>
-      <p:sp>
-        <p:nvSpPr>
-          <p:cNvPr id="2" name="Footer Placeholder 1">
-            <a:extLst>
-              <a:ext uri="{FF2B5EF4-FFF2-40B4-BE49-F238E27FC236}">
-                <a16:creationId xmlns:a16="http://schemas.microsoft.com/office/drawing/2014/main" id="{B0C8C9F8-5161-3144-B265-F126B5C5A41B}"/>
-              </a:ext>
-            </a:extLst>
-          </p:cNvPr>
-          <p:cNvSpPr>
-            <a:spLocks noGrp="1"/>
-          </p:cNvSpPr>
-          <p:nvPr>
-            <p:ph type="ftr" sz="quarter" idx="11"/>
-          </p:nvPr>
-        </p:nvSpPr>
-        <p:spPr/>
-        <p:txBody>
-          <a:bodyPr/>
-          <a:lstStyle/>
-          <a:p>
-            <a:r>
-              <a:rPr lang="es-ES"/>
-              <a:t>PAT04_dmin.pptx</a:t>
-            </a:r>
-          </a:p>
-        </p:txBody>
-      </p:sp>
-      <p:sp>
-        <p:nvSpPr>
-          <p:cNvPr id="3" name="Slide Number Placeholder 2">
-            <a:extLst>
-              <a:ext uri="{FF2B5EF4-FFF2-40B4-BE49-F238E27FC236}">
-                <a16:creationId xmlns:a16="http://schemas.microsoft.com/office/drawing/2014/main" id="{60CA1C3E-A802-794B-9866-06AB96A84FA5}"/>
-              </a:ext>
-            </a:extLst>
-          </p:cNvPr>
-          <p:cNvSpPr>
-            <a:spLocks noGrp="1"/>
-          </p:cNvSpPr>
-          <p:nvPr>
-            <p:ph type="sldNum" sz="quarter" idx="12"/>
-          </p:nvPr>
-        </p:nvSpPr>
-        <p:spPr/>
-        <p:txBody>
-          <a:bodyPr/>
-          <a:lstStyle/>
-          <a:p>
-            <a:fld id="{B2515E32-AEC1-A643-BA35-1EE2E73D4B01}" type="slidenum">
-              <a:rPr lang="es-ES" smtClean="0"/>
-              <a:pPr/>
-              <a:t>9</a:t>
-            </a:fld>
-            <a:endParaRPr lang="es-ES"/>
           </a:p>
         </p:txBody>
       </p:sp>

--- a/clases/Cap04_Clasificacion/presentations/PAT04_dmin.pptx
+++ b/clases/Cap04_Clasificacion/presentations/PAT04_dmin.pptx
@@ -4180,7 +4180,7 @@
                 </a:solidFill>
                 <a:latin typeface="Trebuchet MS" pitchFamily="34" charset="0"/>
               </a:rPr>
-              <a:t>Departmento de Ciencia de la Computación</a:t>
+              <a:t>Departamento de Ciencia de la Computación</a:t>
             </a:r>
           </a:p>
           <a:p>
@@ -4513,16 +4513,6 @@
           <a:p>
             <a:pPr algn="ctr"/>
             <a:r>
-              <a:rPr lang="en-US" sz="2400" b="1" dirty="0" err="1">
-                <a:solidFill>
-                  <a:srgbClr val="FFFFFF"/>
-                </a:solidFill>
-                <a:latin typeface="Trebuchet MS"/>
-                <a:cs typeface="Trebuchet MS"/>
-              </a:rPr>
-              <a:t>Distancia</a:t>
-            </a:r>
-            <a:r>
               <a:rPr lang="en-US" sz="2400" b="1" dirty="0">
                 <a:solidFill>
                   <a:srgbClr val="FFFFFF"/>
@@ -4530,25 +4520,8 @@
                 <a:latin typeface="Trebuchet MS"/>
                 <a:cs typeface="Trebuchet MS"/>
               </a:rPr>
-              <a:t> </a:t>
+              <a:t>Minimal Distance</a:t>
             </a:r>
-            <a:r>
-              <a:rPr lang="en-US" sz="2400" b="1" dirty="0" err="1">
-                <a:solidFill>
-                  <a:srgbClr val="FFFFFF"/>
-                </a:solidFill>
-                <a:latin typeface="Trebuchet MS"/>
-                <a:cs typeface="Trebuchet MS"/>
-              </a:rPr>
-              <a:t>Mínima</a:t>
-            </a:r>
-            <a:endParaRPr lang="en-US" sz="2400" b="1" dirty="0">
-              <a:solidFill>
-                <a:srgbClr val="FFFFFF"/>
-              </a:solidFill>
-              <a:latin typeface="Trebuchet MS"/>
-              <a:cs typeface="Trebuchet MS"/>
-            </a:endParaRPr>
           </a:p>
           <a:p>
             <a:pPr algn="ctr"/>
@@ -18821,34 +18794,6 @@
               <a:latin typeface="Trebuchet MS"/>
               <a:cs typeface="Trebuchet MS"/>
             </a:endParaRPr>
-          </a:p>
-        </p:txBody>
-      </p:sp>
-      <p:sp>
-        <p:nvSpPr>
-          <p:cNvPr id="2" name="Footer Placeholder 1">
-            <a:extLst>
-              <a:ext uri="{FF2B5EF4-FFF2-40B4-BE49-F238E27FC236}">
-                <a16:creationId xmlns:a16="http://schemas.microsoft.com/office/drawing/2014/main" id="{748A15B8-8DD9-C045-91C3-2FED999DD9DE}"/>
-              </a:ext>
-            </a:extLst>
-          </p:cNvPr>
-          <p:cNvSpPr>
-            <a:spLocks noGrp="1"/>
-          </p:cNvSpPr>
-          <p:nvPr>
-            <p:ph type="ftr" sz="quarter" idx="11"/>
-          </p:nvPr>
-        </p:nvSpPr>
-        <p:spPr/>
-        <p:txBody>
-          <a:bodyPr/>
-          <a:lstStyle/>
-          <a:p>
-            <a:r>
-              <a:rPr lang="es-ES"/>
-              <a:t>PAT04_dmin.pptx</a:t>
-            </a:r>
           </a:p>
         </p:txBody>
       </p:sp>
